--- a/BTP_Files/PPT/BTP Presentation.pptx
+++ b/BTP_Files/PPT/BTP Presentation.pptx
@@ -2,13 +2,17 @@
 <file path=ppt/presentation.xml><?xml version="1.0" encoding="utf-8"?>
 <p:presentation xmlns:a="http://schemas.openxmlformats.org/drawingml/2006/main" xmlns:r="http://schemas.openxmlformats.org/officeDocument/2006/relationships" xmlns:p="http://schemas.openxmlformats.org/presentationml/2006/main" saveSubsetFonts="1">
   <p:sldMasterIdLst>
-    <p:sldMasterId id="2147483660" r:id="rId1"/>
+    <p:sldMasterId id="2147483701" r:id="rId1"/>
   </p:sldMasterIdLst>
+  <p:notesMasterIdLst>
+    <p:notesMasterId r:id="rId7"/>
+  </p:notesMasterIdLst>
   <p:sldIdLst>
     <p:sldId id="256" r:id="rId2"/>
-    <p:sldId id="257" r:id="rId3"/>
-    <p:sldId id="258" r:id="rId4"/>
-    <p:sldId id="259" r:id="rId5"/>
+    <p:sldId id="261" r:id="rId3"/>
+    <p:sldId id="257" r:id="rId4"/>
+    <p:sldId id="260" r:id="rId5"/>
+    <p:sldId id="259" r:id="rId6"/>
   </p:sldIdLst>
   <p:sldSz cx="12192000" cy="6858000"/>
   <p:notesSz cx="6858000" cy="9144000"/>
@@ -107,7 +111,470 @@
       </a:defRPr>
     </a:lvl9pPr>
   </p:defaultTextStyle>
+  <p:extLst>
+    <p:ext uri="{EFAFB233-063F-42B5-8137-9DF3F51BA10A}">
+      <p15:sldGuideLst xmlns:p15="http://schemas.microsoft.com/office/powerpoint/2012/main"/>
+    </p:ext>
+  </p:extLst>
 </p:presentation>
+</file>
+
+<file path=ppt/notesMasters/notesMaster1.xml><?xml version="1.0" encoding="utf-8"?>
+<p:notesMaster xmlns:a="http://schemas.openxmlformats.org/drawingml/2006/main" xmlns:r="http://schemas.openxmlformats.org/officeDocument/2006/relationships" xmlns:p="http://schemas.openxmlformats.org/presentationml/2006/main">
+  <p:cSld>
+    <p:bg>
+      <p:bgRef idx="1001">
+        <a:schemeClr val="bg1"/>
+      </p:bgRef>
+    </p:bg>
+    <p:spTree>
+      <p:nvGrpSpPr>
+        <p:cNvPr id="1" name=""/>
+        <p:cNvGrpSpPr/>
+        <p:nvPr/>
+      </p:nvGrpSpPr>
+      <p:grpSpPr>
+        <a:xfrm>
+          <a:off x="0" y="0"/>
+          <a:ext cx="0" cy="0"/>
+          <a:chOff x="0" y="0"/>
+          <a:chExt cx="0" cy="0"/>
+        </a:xfrm>
+      </p:grpSpPr>
+      <p:sp>
+        <p:nvSpPr>
+          <p:cNvPr id="2" name="Header Placeholder 1"/>
+          <p:cNvSpPr>
+            <a:spLocks noGrp="1"/>
+          </p:cNvSpPr>
+          <p:nvPr>
+            <p:ph type="hdr" sz="quarter"/>
+          </p:nvPr>
+        </p:nvSpPr>
+        <p:spPr>
+          <a:xfrm>
+            <a:off x="0" y="0"/>
+            <a:ext cx="2971800" cy="458788"/>
+          </a:xfrm>
+          <a:prstGeom prst="rect">
+            <a:avLst/>
+          </a:prstGeom>
+        </p:spPr>
+        <p:txBody>
+          <a:bodyPr vert="horz" lIns="91440" tIns="45720" rIns="91440" bIns="45720" rtlCol="0"/>
+          <a:lstStyle>
+            <a:lvl1pPr algn="l">
+              <a:defRPr sz="1200"/>
+            </a:lvl1pPr>
+          </a:lstStyle>
+          <a:p>
+            <a:endParaRPr lang="en-IN"/>
+          </a:p>
+        </p:txBody>
+      </p:sp>
+      <p:sp>
+        <p:nvSpPr>
+          <p:cNvPr id="3" name="Date Placeholder 2"/>
+          <p:cNvSpPr>
+            <a:spLocks noGrp="1"/>
+          </p:cNvSpPr>
+          <p:nvPr>
+            <p:ph type="dt" idx="1"/>
+          </p:nvPr>
+        </p:nvSpPr>
+        <p:spPr>
+          <a:xfrm>
+            <a:off x="3884613" y="0"/>
+            <a:ext cx="2971800" cy="458788"/>
+          </a:xfrm>
+          <a:prstGeom prst="rect">
+            <a:avLst/>
+          </a:prstGeom>
+        </p:spPr>
+        <p:txBody>
+          <a:bodyPr vert="horz" lIns="91440" tIns="45720" rIns="91440" bIns="45720" rtlCol="0"/>
+          <a:lstStyle>
+            <a:lvl1pPr algn="r">
+              <a:defRPr sz="1200"/>
+            </a:lvl1pPr>
+          </a:lstStyle>
+          <a:p>
+            <a:fld id="{A3A40B11-BBF3-43C1-B044-5E051FA0F756}" type="datetimeFigureOut">
+              <a:rPr lang="en-IN" smtClean="0"/>
+              <a:t>11-11-2021</a:t>
+            </a:fld>
+            <a:endParaRPr lang="en-IN"/>
+          </a:p>
+        </p:txBody>
+      </p:sp>
+      <p:sp>
+        <p:nvSpPr>
+          <p:cNvPr id="4" name="Slide Image Placeholder 3"/>
+          <p:cNvSpPr>
+            <a:spLocks noGrp="1" noRot="1" noChangeAspect="1"/>
+          </p:cNvSpPr>
+          <p:nvPr>
+            <p:ph type="sldImg" idx="2"/>
+          </p:nvPr>
+        </p:nvSpPr>
+        <p:spPr>
+          <a:xfrm>
+            <a:off x="685800" y="1143000"/>
+            <a:ext cx="5486400" cy="3086100"/>
+          </a:xfrm>
+          <a:prstGeom prst="rect">
+            <a:avLst/>
+          </a:prstGeom>
+          <a:noFill/>
+          <a:ln w="12700">
+            <a:solidFill>
+              <a:prstClr val="black"/>
+            </a:solidFill>
+          </a:ln>
+        </p:spPr>
+        <p:txBody>
+          <a:bodyPr vert="horz" lIns="91440" tIns="45720" rIns="91440" bIns="45720" rtlCol="0" anchor="ctr"/>
+          <a:lstStyle/>
+          <a:p>
+            <a:endParaRPr lang="en-IN"/>
+          </a:p>
+        </p:txBody>
+      </p:sp>
+      <p:sp>
+        <p:nvSpPr>
+          <p:cNvPr id="5" name="Notes Placeholder 4"/>
+          <p:cNvSpPr>
+            <a:spLocks noGrp="1"/>
+          </p:cNvSpPr>
+          <p:nvPr>
+            <p:ph type="body" sz="quarter" idx="3"/>
+          </p:nvPr>
+        </p:nvSpPr>
+        <p:spPr>
+          <a:xfrm>
+            <a:off x="685800" y="4400550"/>
+            <a:ext cx="5486400" cy="3600450"/>
+          </a:xfrm>
+          <a:prstGeom prst="rect">
+            <a:avLst/>
+          </a:prstGeom>
+        </p:spPr>
+        <p:txBody>
+          <a:bodyPr vert="horz" lIns="91440" tIns="45720" rIns="91440" bIns="45720" rtlCol="0"/>
+          <a:lstStyle/>
+          <a:p>
+            <a:pPr lvl="0"/>
+            <a:r>
+              <a:rPr lang="en-US"/>
+              <a:t>Click to edit Master text styles</a:t>
+            </a:r>
+          </a:p>
+          <a:p>
+            <a:pPr lvl="1"/>
+            <a:r>
+              <a:rPr lang="en-US"/>
+              <a:t>Second level</a:t>
+            </a:r>
+          </a:p>
+          <a:p>
+            <a:pPr lvl="2"/>
+            <a:r>
+              <a:rPr lang="en-US"/>
+              <a:t>Third level</a:t>
+            </a:r>
+          </a:p>
+          <a:p>
+            <a:pPr lvl="3"/>
+            <a:r>
+              <a:rPr lang="en-US"/>
+              <a:t>Fourth level</a:t>
+            </a:r>
+          </a:p>
+          <a:p>
+            <a:pPr lvl="4"/>
+            <a:r>
+              <a:rPr lang="en-US"/>
+              <a:t>Fifth level</a:t>
+            </a:r>
+            <a:endParaRPr lang="en-IN"/>
+          </a:p>
+        </p:txBody>
+      </p:sp>
+      <p:sp>
+        <p:nvSpPr>
+          <p:cNvPr id="6" name="Footer Placeholder 5"/>
+          <p:cNvSpPr>
+            <a:spLocks noGrp="1"/>
+          </p:cNvSpPr>
+          <p:nvPr>
+            <p:ph type="ftr" sz="quarter" idx="4"/>
+          </p:nvPr>
+        </p:nvSpPr>
+        <p:spPr>
+          <a:xfrm>
+            <a:off x="0" y="8685213"/>
+            <a:ext cx="2971800" cy="458787"/>
+          </a:xfrm>
+          <a:prstGeom prst="rect">
+            <a:avLst/>
+          </a:prstGeom>
+        </p:spPr>
+        <p:txBody>
+          <a:bodyPr vert="horz" lIns="91440" tIns="45720" rIns="91440" bIns="45720" rtlCol="0" anchor="b"/>
+          <a:lstStyle>
+            <a:lvl1pPr algn="l">
+              <a:defRPr sz="1200"/>
+            </a:lvl1pPr>
+          </a:lstStyle>
+          <a:p>
+            <a:endParaRPr lang="en-IN"/>
+          </a:p>
+        </p:txBody>
+      </p:sp>
+      <p:sp>
+        <p:nvSpPr>
+          <p:cNvPr id="7" name="Slide Number Placeholder 6"/>
+          <p:cNvSpPr>
+            <a:spLocks noGrp="1"/>
+          </p:cNvSpPr>
+          <p:nvPr>
+            <p:ph type="sldNum" sz="quarter" idx="5"/>
+          </p:nvPr>
+        </p:nvSpPr>
+        <p:spPr>
+          <a:xfrm>
+            <a:off x="3884613" y="8685213"/>
+            <a:ext cx="2971800" cy="458787"/>
+          </a:xfrm>
+          <a:prstGeom prst="rect">
+            <a:avLst/>
+          </a:prstGeom>
+        </p:spPr>
+        <p:txBody>
+          <a:bodyPr vert="horz" lIns="91440" tIns="45720" rIns="91440" bIns="45720" rtlCol="0" anchor="b"/>
+          <a:lstStyle>
+            <a:lvl1pPr algn="r">
+              <a:defRPr sz="1200"/>
+            </a:lvl1pPr>
+          </a:lstStyle>
+          <a:p>
+            <a:fld id="{1C1A28B9-81B1-4457-BC57-23C2E077B729}" type="slidenum">
+              <a:rPr lang="en-IN" smtClean="0"/>
+              <a:t>‹#›</a:t>
+            </a:fld>
+            <a:endParaRPr lang="en-IN"/>
+          </a:p>
+        </p:txBody>
+      </p:sp>
+    </p:spTree>
+    <p:extLst>
+      <p:ext uri="{BB962C8B-B14F-4D97-AF65-F5344CB8AC3E}">
+        <p14:creationId xmlns:p14="http://schemas.microsoft.com/office/powerpoint/2010/main" val="2792773178"/>
+      </p:ext>
+    </p:extLst>
+  </p:cSld>
+  <p:clrMap bg1="lt1" tx1="dk1" bg2="lt2" tx2="dk2" accent1="accent1" accent2="accent2" accent3="accent3" accent4="accent4" accent5="accent5" accent6="accent6" hlink="hlink" folHlink="folHlink"/>
+  <p:notesStyle>
+    <a:lvl1pPr marL="0" algn="l" defTabSz="914400" rtl="0" eaLnBrk="1" latinLnBrk="0" hangingPunct="1">
+      <a:defRPr sz="1200" kern="1200">
+        <a:solidFill>
+          <a:schemeClr val="tx1"/>
+        </a:solidFill>
+        <a:latin typeface="+mn-lt"/>
+        <a:ea typeface="+mn-ea"/>
+        <a:cs typeface="+mn-cs"/>
+      </a:defRPr>
+    </a:lvl1pPr>
+    <a:lvl2pPr marL="457200" algn="l" defTabSz="914400" rtl="0" eaLnBrk="1" latinLnBrk="0" hangingPunct="1">
+      <a:defRPr sz="1200" kern="1200">
+        <a:solidFill>
+          <a:schemeClr val="tx1"/>
+        </a:solidFill>
+        <a:latin typeface="+mn-lt"/>
+        <a:ea typeface="+mn-ea"/>
+        <a:cs typeface="+mn-cs"/>
+      </a:defRPr>
+    </a:lvl2pPr>
+    <a:lvl3pPr marL="914400" algn="l" defTabSz="914400" rtl="0" eaLnBrk="1" latinLnBrk="0" hangingPunct="1">
+      <a:defRPr sz="1200" kern="1200">
+        <a:solidFill>
+          <a:schemeClr val="tx1"/>
+        </a:solidFill>
+        <a:latin typeface="+mn-lt"/>
+        <a:ea typeface="+mn-ea"/>
+        <a:cs typeface="+mn-cs"/>
+      </a:defRPr>
+    </a:lvl3pPr>
+    <a:lvl4pPr marL="1371600" algn="l" defTabSz="914400" rtl="0" eaLnBrk="1" latinLnBrk="0" hangingPunct="1">
+      <a:defRPr sz="1200" kern="1200">
+        <a:solidFill>
+          <a:schemeClr val="tx1"/>
+        </a:solidFill>
+        <a:latin typeface="+mn-lt"/>
+        <a:ea typeface="+mn-ea"/>
+        <a:cs typeface="+mn-cs"/>
+      </a:defRPr>
+    </a:lvl4pPr>
+    <a:lvl5pPr marL="1828800" algn="l" defTabSz="914400" rtl="0" eaLnBrk="1" latinLnBrk="0" hangingPunct="1">
+      <a:defRPr sz="1200" kern="1200">
+        <a:solidFill>
+          <a:schemeClr val="tx1"/>
+        </a:solidFill>
+        <a:latin typeface="+mn-lt"/>
+        <a:ea typeface="+mn-ea"/>
+        <a:cs typeface="+mn-cs"/>
+      </a:defRPr>
+    </a:lvl5pPr>
+    <a:lvl6pPr marL="2286000" algn="l" defTabSz="914400" rtl="0" eaLnBrk="1" latinLnBrk="0" hangingPunct="1">
+      <a:defRPr sz="1200" kern="1200">
+        <a:solidFill>
+          <a:schemeClr val="tx1"/>
+        </a:solidFill>
+        <a:latin typeface="+mn-lt"/>
+        <a:ea typeface="+mn-ea"/>
+        <a:cs typeface="+mn-cs"/>
+      </a:defRPr>
+    </a:lvl6pPr>
+    <a:lvl7pPr marL="2743200" algn="l" defTabSz="914400" rtl="0" eaLnBrk="1" latinLnBrk="0" hangingPunct="1">
+      <a:defRPr sz="1200" kern="1200">
+        <a:solidFill>
+          <a:schemeClr val="tx1"/>
+        </a:solidFill>
+        <a:latin typeface="+mn-lt"/>
+        <a:ea typeface="+mn-ea"/>
+        <a:cs typeface="+mn-cs"/>
+      </a:defRPr>
+    </a:lvl7pPr>
+    <a:lvl8pPr marL="3200400" algn="l" defTabSz="914400" rtl="0" eaLnBrk="1" latinLnBrk="0" hangingPunct="1">
+      <a:defRPr sz="1200" kern="1200">
+        <a:solidFill>
+          <a:schemeClr val="tx1"/>
+        </a:solidFill>
+        <a:latin typeface="+mn-lt"/>
+        <a:ea typeface="+mn-ea"/>
+        <a:cs typeface="+mn-cs"/>
+      </a:defRPr>
+    </a:lvl8pPr>
+    <a:lvl9pPr marL="3657600" algn="l" defTabSz="914400" rtl="0" eaLnBrk="1" latinLnBrk="0" hangingPunct="1">
+      <a:defRPr sz="1200" kern="1200">
+        <a:solidFill>
+          <a:schemeClr val="tx1"/>
+        </a:solidFill>
+        <a:latin typeface="+mn-lt"/>
+        <a:ea typeface="+mn-ea"/>
+        <a:cs typeface="+mn-cs"/>
+      </a:defRPr>
+    </a:lvl9pPr>
+  </p:notesStyle>
+</p:notesMaster>
+</file>
+
+<file path=ppt/notesSlides/notesSlide1.xml><?xml version="1.0" encoding="utf-8"?>
+<p:notes xmlns:a="http://schemas.openxmlformats.org/drawingml/2006/main" xmlns:r="http://schemas.openxmlformats.org/officeDocument/2006/relationships" xmlns:p="http://schemas.openxmlformats.org/presentationml/2006/main">
+  <p:cSld>
+    <p:spTree>
+      <p:nvGrpSpPr>
+        <p:cNvPr id="1" name=""/>
+        <p:cNvGrpSpPr/>
+        <p:nvPr/>
+      </p:nvGrpSpPr>
+      <p:grpSpPr>
+        <a:xfrm>
+          <a:off x="0" y="0"/>
+          <a:ext cx="0" cy="0"/>
+          <a:chOff x="0" y="0"/>
+          <a:chExt cx="0" cy="0"/>
+        </a:xfrm>
+      </p:grpSpPr>
+      <p:sp>
+        <p:nvSpPr>
+          <p:cNvPr id="2" name="Slide Image Placeholder 1"/>
+          <p:cNvSpPr>
+            <a:spLocks noGrp="1" noRot="1" noChangeAspect="1"/>
+          </p:cNvSpPr>
+          <p:nvPr>
+            <p:ph type="sldImg"/>
+          </p:nvPr>
+        </p:nvSpPr>
+        <p:spPr/>
+      </p:sp>
+      <p:sp>
+        <p:nvSpPr>
+          <p:cNvPr id="3" name="Notes Placeholder 2"/>
+          <p:cNvSpPr>
+            <a:spLocks noGrp="1"/>
+          </p:cNvSpPr>
+          <p:nvPr>
+            <p:ph type="body" idx="1"/>
+          </p:nvPr>
+        </p:nvSpPr>
+        <p:spPr/>
+        <p:txBody>
+          <a:bodyPr/>
+          <a:lstStyle/>
+          <a:p>
+            <a:r>
+              <a:rPr lang="en-US" dirty="0"/>
+              <a:t>Researchers have pointed out that </a:t>
+            </a:r>
+            <a:r>
+              <a:rPr lang="en-US" dirty="0" err="1"/>
+              <a:t>pt</a:t>
+            </a:r>
+            <a:r>
+              <a:rPr lang="en-US" dirty="0"/>
+              <a:t> 1 and 2</a:t>
+            </a:r>
+          </a:p>
+          <a:p>
+            <a:r>
+              <a:rPr lang="en-US" dirty="0"/>
+              <a:t>The image shown here gives an example of how testing can potentially block transmission even with false negative results: </a:t>
+            </a:r>
+          </a:p>
+          <a:p>
+            <a:r>
+              <a:rPr lang="en-US" dirty="0"/>
+              <a:t>1. </a:t>
+            </a:r>
+            <a:endParaRPr lang="en-IN" dirty="0"/>
+          </a:p>
+        </p:txBody>
+      </p:sp>
+      <p:sp>
+        <p:nvSpPr>
+          <p:cNvPr id="4" name="Slide Number Placeholder 3"/>
+          <p:cNvSpPr>
+            <a:spLocks noGrp="1"/>
+          </p:cNvSpPr>
+          <p:nvPr>
+            <p:ph type="sldNum" sz="quarter" idx="5"/>
+          </p:nvPr>
+        </p:nvSpPr>
+        <p:spPr/>
+        <p:txBody>
+          <a:bodyPr/>
+          <a:lstStyle/>
+          <a:p>
+            <a:fld id="{1C1A28B9-81B1-4457-BC57-23C2E077B729}" type="slidenum">
+              <a:rPr lang="en-IN" smtClean="0"/>
+              <a:t>4</a:t>
+            </a:fld>
+            <a:endParaRPr lang="en-IN"/>
+          </a:p>
+        </p:txBody>
+      </p:sp>
+    </p:spTree>
+    <p:extLst>
+      <p:ext uri="{BB962C8B-B14F-4D97-AF65-F5344CB8AC3E}">
+        <p14:creationId xmlns:p14="http://schemas.microsoft.com/office/powerpoint/2010/main" val="1679037825"/>
+      </p:ext>
+    </p:extLst>
+  </p:cSld>
+  <p:clrMapOvr>
+    <a:masterClrMapping/>
+  </p:clrMapOvr>
+</p:notes>
 </file>
 
 <file path=ppt/slideLayouts/slideLayout1.xml><?xml version="1.0" encoding="utf-8"?>
@@ -259,7 +726,7 @@
         </p:nvSpPr>
         <p:spPr>
           <a:xfrm>
-            <a:off x="1100051" y="4455620"/>
+            <a:off x="1100051" y="4455621"/>
             <a:ext cx="10058400" cy="1143000"/>
           </a:xfrm>
         </p:spPr>
@@ -336,7 +803,7 @@
           <a:p>
             <a:fld id="{3F090CAA-CC88-41A9-8C35-025E1C34BFE7}" type="datetimeFigureOut">
               <a:rPr lang="en-IN" smtClean="0"/>
-              <a:t>10-11-2021</a:t>
+              <a:t>11-11-2021</a:t>
             </a:fld>
             <a:endParaRPr lang="en-IN"/>
           </a:p>
@@ -425,7 +892,7 @@
     </p:spTree>
     <p:extLst>
       <p:ext uri="{BB962C8B-B14F-4D97-AF65-F5344CB8AC3E}">
-        <p14:creationId xmlns:p14="http://schemas.microsoft.com/office/powerpoint/2010/main" val="2946754809"/>
+        <p14:creationId xmlns:p14="http://schemas.microsoft.com/office/powerpoint/2010/main" val="4200449186"/>
       </p:ext>
     </p:extLst>
   </p:cSld>
@@ -544,7 +1011,7 @@
           <a:p>
             <a:fld id="{3F090CAA-CC88-41A9-8C35-025E1C34BFE7}" type="datetimeFigureOut">
               <a:rPr lang="en-IN" smtClean="0"/>
-              <a:t>10-11-2021</a:t>
+              <a:t>11-11-2021</a:t>
             </a:fld>
             <a:endParaRPr lang="en-IN"/>
           </a:p>
@@ -595,7 +1062,7 @@
     </p:spTree>
     <p:extLst>
       <p:ext uri="{BB962C8B-B14F-4D97-AF65-F5344CB8AC3E}">
-        <p14:creationId xmlns:p14="http://schemas.microsoft.com/office/powerpoint/2010/main" val="989266319"/>
+        <p14:creationId xmlns:p14="http://schemas.microsoft.com/office/powerpoint/2010/main" val="1528624325"/>
       </p:ext>
     </p:extLst>
   </p:cSld>
@@ -710,8 +1177,8 @@
         </p:nvSpPr>
         <p:spPr>
           <a:xfrm>
-            <a:off x="8724900" y="414778"/>
-            <a:ext cx="2628900" cy="5757421"/>
+            <a:off x="8724900" y="412302"/>
+            <a:ext cx="2628900" cy="5759898"/>
           </a:xfrm>
         </p:spPr>
         <p:txBody>
@@ -738,8 +1205,8 @@
         </p:nvSpPr>
         <p:spPr>
           <a:xfrm>
-            <a:off x="838200" y="414778"/>
-            <a:ext cx="7734300" cy="5757422"/>
+            <a:off x="838200" y="412302"/>
+            <a:ext cx="7734300" cy="5759898"/>
           </a:xfrm>
         </p:spPr>
         <p:txBody>
@@ -800,7 +1267,7 @@
           <a:p>
             <a:fld id="{3F090CAA-CC88-41A9-8C35-025E1C34BFE7}" type="datetimeFigureOut">
               <a:rPr lang="en-IN" smtClean="0"/>
-              <a:t>10-11-2021</a:t>
+              <a:t>11-11-2021</a:t>
             </a:fld>
             <a:endParaRPr lang="en-IN"/>
           </a:p>
@@ -851,7 +1318,7 @@
     </p:spTree>
     <p:extLst>
       <p:ext uri="{BB962C8B-B14F-4D97-AF65-F5344CB8AC3E}">
-        <p14:creationId xmlns:p14="http://schemas.microsoft.com/office/powerpoint/2010/main" val="1255962512"/>
+        <p14:creationId xmlns:p14="http://schemas.microsoft.com/office/powerpoint/2010/main" val="2413631922"/>
       </p:ext>
     </p:extLst>
   </p:cSld>
@@ -862,7 +1329,7 @@
 </file>
 
 <file path=ppt/slideLayouts/slideLayout2.xml><?xml version="1.0" encoding="utf-8"?>
-<p:sldLayout xmlns:a="http://schemas.openxmlformats.org/drawingml/2006/main" xmlns:r="http://schemas.openxmlformats.org/officeDocument/2006/relationships" xmlns:p="http://schemas.openxmlformats.org/presentationml/2006/main" type="obj" preserve="1">
+<p:sldLayout xmlns:a="http://schemas.openxmlformats.org/drawingml/2006/main" xmlns:r="http://schemas.openxmlformats.org/officeDocument/2006/relationships" xmlns:p="http://schemas.openxmlformats.org/presentationml/2006/main" preserve="1" userDrawn="1">
   <p:cSld name="Title and Content">
     <p:spTree>
       <p:nvGrpSpPr>
@@ -892,16 +1359,15 @@
         <p:txBody>
           <a:bodyPr/>
           <a:lstStyle>
-            <a:lvl1pPr marL="0">
+            <a:lvl1pPr>
               <a:defRPr/>
             </a:lvl1pPr>
           </a:lstStyle>
           <a:p>
             <a:r>
-              <a:rPr lang="en-US"/>
+              <a:rPr lang="en-US" dirty="0"/>
               <a:t>Click to edit Master title style</a:t>
             </a:r>
-            <a:endParaRPr lang="en-US" dirty="0"/>
           </a:p>
         </p:txBody>
       </p:sp>
@@ -974,7 +1440,7 @@
           <a:p>
             <a:fld id="{3F090CAA-CC88-41A9-8C35-025E1C34BFE7}" type="datetimeFigureOut">
               <a:rPr lang="en-IN" smtClean="0"/>
-              <a:t>10-11-2021</a:t>
+              <a:t>11-11-2021</a:t>
             </a:fld>
             <a:endParaRPr lang="en-IN"/>
           </a:p>
@@ -990,12 +1456,24 @@
             <p:ph type="ftr" sz="quarter" idx="11"/>
           </p:nvPr>
         </p:nvSpPr>
-        <p:spPr/>
-        <p:txBody>
-          <a:bodyPr/>
-          <a:lstStyle/>
-          <a:p>
-            <a:endParaRPr lang="en-IN"/>
+        <p:spPr>
+          <a:xfrm>
+            <a:off x="150483" y="6459785"/>
+            <a:ext cx="4822804" cy="365125"/>
+          </a:xfrm>
+        </p:spPr>
+        <p:txBody>
+          <a:bodyPr/>
+          <a:lstStyle>
+            <a:lvl1pPr algn="l">
+              <a:defRPr/>
+            </a:lvl1pPr>
+          </a:lstStyle>
+          <a:p>
+            <a:r>
+              <a:rPr lang="en-IN" dirty="0"/>
+              <a:t>Source: </a:t>
+            </a:r>
           </a:p>
         </p:txBody>
       </p:sp>
@@ -1025,7 +1503,7 @@
     </p:spTree>
     <p:extLst>
       <p:ext uri="{BB962C8B-B14F-4D97-AF65-F5344CB8AC3E}">
-        <p14:creationId xmlns:p14="http://schemas.microsoft.com/office/powerpoint/2010/main" val="993443104"/>
+        <p14:creationId xmlns:p14="http://schemas.microsoft.com/office/powerpoint/2010/main" val="394598475"/>
       </p:ext>
     </p:extLst>
   </p:cSld>
@@ -1317,7 +1795,7 @@
           <a:p>
             <a:fld id="{3F090CAA-CC88-41A9-8C35-025E1C34BFE7}" type="datetimeFigureOut">
               <a:rPr lang="en-IN" smtClean="0"/>
-              <a:t>10-11-2021</a:t>
+              <a:t>11-11-2021</a:t>
             </a:fld>
             <a:endParaRPr lang="en-IN"/>
           </a:p>
@@ -1406,7 +1884,7 @@
     </p:spTree>
     <p:extLst>
       <p:ext uri="{BB962C8B-B14F-4D97-AF65-F5344CB8AC3E}">
-        <p14:creationId xmlns:p14="http://schemas.microsoft.com/office/powerpoint/2010/main" val="4074314282"/>
+        <p14:creationId xmlns:p14="http://schemas.microsoft.com/office/powerpoint/2010/main" val="2099038093"/>
       </p:ext>
     </p:extLst>
   </p:cSld>
@@ -1473,7 +1951,7 @@
         </p:nvSpPr>
         <p:spPr>
           <a:xfrm>
-            <a:off x="1097279" y="1845734"/>
+            <a:off x="1097278" y="1845734"/>
             <a:ext cx="4937760" cy="4023360"/>
           </a:xfrm>
         </p:spPr>
@@ -1592,7 +2070,7 @@
           <a:p>
             <a:fld id="{3F090CAA-CC88-41A9-8C35-025E1C34BFE7}" type="datetimeFigureOut">
               <a:rPr lang="en-IN" smtClean="0"/>
-              <a:t>10-11-2021</a:t>
+              <a:t>11-11-2021</a:t>
             </a:fld>
             <a:endParaRPr lang="en-IN"/>
           </a:p>
@@ -1643,7 +2121,7 @@
     </p:spTree>
     <p:extLst>
       <p:ext uri="{BB962C8B-B14F-4D97-AF65-F5344CB8AC3E}">
-        <p14:creationId xmlns:p14="http://schemas.microsoft.com/office/powerpoint/2010/main" val="3174170981"/>
+        <p14:creationId xmlns:p14="http://schemas.microsoft.com/office/powerpoint/2010/main" val="3289863438"/>
       </p:ext>
     </p:extLst>
   </p:cSld>
@@ -1971,7 +2449,7 @@
           <a:p>
             <a:fld id="{3F090CAA-CC88-41A9-8C35-025E1C34BFE7}" type="datetimeFigureOut">
               <a:rPr lang="en-IN" smtClean="0"/>
-              <a:t>10-11-2021</a:t>
+              <a:t>11-11-2021</a:t>
             </a:fld>
             <a:endParaRPr lang="en-IN"/>
           </a:p>
@@ -2022,7 +2500,7 @@
     </p:spTree>
     <p:extLst>
       <p:ext uri="{BB962C8B-B14F-4D97-AF65-F5344CB8AC3E}">
-        <p14:creationId xmlns:p14="http://schemas.microsoft.com/office/powerpoint/2010/main" val="2977273718"/>
+        <p14:creationId xmlns:p14="http://schemas.microsoft.com/office/powerpoint/2010/main" val="4287235130"/>
       </p:ext>
     </p:extLst>
   </p:cSld>
@@ -2089,7 +2567,7 @@
           <a:p>
             <a:fld id="{3F090CAA-CC88-41A9-8C35-025E1C34BFE7}" type="datetimeFigureOut">
               <a:rPr lang="en-IN" smtClean="0"/>
-              <a:t>10-11-2021</a:t>
+              <a:t>11-11-2021</a:t>
             </a:fld>
             <a:endParaRPr lang="en-IN"/>
           </a:p>
@@ -2140,7 +2618,7 @@
     </p:spTree>
     <p:extLst>
       <p:ext uri="{BB962C8B-B14F-4D97-AF65-F5344CB8AC3E}">
-        <p14:creationId xmlns:p14="http://schemas.microsoft.com/office/powerpoint/2010/main" val="237593755"/>
+        <p14:creationId xmlns:p14="http://schemas.microsoft.com/office/powerpoint/2010/main" val="231011674"/>
       </p:ext>
     </p:extLst>
   </p:cSld>
@@ -2260,7 +2738,7 @@
           <a:p>
             <a:fld id="{3F090CAA-CC88-41A9-8C35-025E1C34BFE7}" type="datetimeFigureOut">
               <a:rPr lang="en-IN" smtClean="0"/>
-              <a:t>10-11-2021</a:t>
+              <a:t>11-11-2021</a:t>
             </a:fld>
             <a:endParaRPr lang="en-IN"/>
           </a:p>
@@ -2319,7 +2797,7 @@
     </p:spTree>
     <p:extLst>
       <p:ext uri="{BB962C8B-B14F-4D97-AF65-F5344CB8AC3E}">
-        <p14:creationId xmlns:p14="http://schemas.microsoft.com/office/powerpoint/2010/main" val="78639845"/>
+        <p14:creationId xmlns:p14="http://schemas.microsoft.com/office/powerpoint/2010/main" val="1647161558"/>
       </p:ext>
     </p:extLst>
   </p:cSld>
@@ -2614,7 +3092,7 @@
           <a:p>
             <a:fld id="{3F090CAA-CC88-41A9-8C35-025E1C34BFE7}" type="datetimeFigureOut">
               <a:rPr lang="en-IN" smtClean="0"/>
-              <a:t>10-11-2021</a:t>
+              <a:t>11-11-2021</a:t>
             </a:fld>
             <a:endParaRPr lang="en-IN"/>
           </a:p>
@@ -2686,7 +3164,7 @@
     </p:spTree>
     <p:extLst>
       <p:ext uri="{BB962C8B-B14F-4D97-AF65-F5344CB8AC3E}">
-        <p14:creationId xmlns:p14="http://schemas.microsoft.com/office/powerpoint/2010/main" val="1175040714"/>
+        <p14:creationId xmlns:p14="http://schemas.microsoft.com/office/powerpoint/2010/main" val="1171560484"/>
       </p:ext>
     </p:extLst>
   </p:cSld>
@@ -2802,7 +3280,7 @@
         <p:spPr>
           <a:xfrm>
             <a:off x="1097280" y="5074920"/>
-            <a:ext cx="10113264" cy="822960"/>
+            <a:ext cx="10113645" cy="822960"/>
           </a:xfrm>
         </p:spPr>
         <p:txBody>
@@ -2842,23 +3320,18 @@
             <a:off x="15" y="0"/>
             <a:ext cx="12191985" cy="4915076"/>
           </a:xfrm>
-          <a:blipFill>
-            <a:blip r:embed="rId2"/>
-            <a:stretch>
-              <a:fillRect/>
-            </a:stretch>
-          </a:blipFill>
+          <a:solidFill>
+            <a:schemeClr val="bg2">
+              <a:lumMod val="90000"/>
+            </a:schemeClr>
+          </a:solidFill>
         </p:spPr>
         <p:txBody>
           <a:bodyPr lIns="457200" tIns="457200" anchor="t"/>
           <a:lstStyle>
             <a:lvl1pPr marL="0" indent="0">
               <a:buNone/>
-              <a:defRPr sz="3200">
-                <a:solidFill>
-                  <a:schemeClr val="bg1"/>
-                </a:solidFill>
-              </a:defRPr>
+              <a:defRPr sz="3200"/>
             </a:lvl1pPr>
             <a:lvl2pPr marL="457200" indent="0">
               <a:buNone/>
@@ -2914,7 +3387,7 @@
         </p:nvSpPr>
         <p:spPr>
           <a:xfrm>
-            <a:off x="1097280" y="5907023"/>
+            <a:off x="1097280" y="5907024"/>
             <a:ext cx="10113264" cy="594360"/>
           </a:xfrm>
         </p:spPr>
@@ -2996,7 +3469,7 @@
           <a:p>
             <a:fld id="{3F090CAA-CC88-41A9-8C35-025E1C34BFE7}" type="datetimeFigureOut">
               <a:rPr lang="en-IN" smtClean="0"/>
-              <a:t>10-11-2021</a:t>
+              <a:t>11-11-2021</a:t>
             </a:fld>
             <a:endParaRPr lang="en-IN"/>
           </a:p>
@@ -3047,7 +3520,7 @@
     </p:spTree>
     <p:extLst>
       <p:ext uri="{BB962C8B-B14F-4D97-AF65-F5344CB8AC3E}">
-        <p14:creationId xmlns:p14="http://schemas.microsoft.com/office/powerpoint/2010/main" val="619050000"/>
+        <p14:creationId xmlns:p14="http://schemas.microsoft.com/office/powerpoint/2010/main" val="4062141446"/>
       </p:ext>
     </p:extLst>
   </p:cSld>
@@ -3125,8 +3598,8 @@
         </p:nvSpPr>
         <p:spPr>
           <a:xfrm>
-            <a:off x="0" y="6334316"/>
-            <a:ext cx="12192001" cy="65998"/>
+            <a:off x="15" y="6334316"/>
+            <a:ext cx="12191985" cy="66484"/>
           </a:xfrm>
           <a:prstGeom prst="rect">
             <a:avLst/>
@@ -3283,7 +3756,7 @@
           <a:p>
             <a:fld id="{3F090CAA-CC88-41A9-8C35-025E1C34BFE7}" type="datetimeFigureOut">
               <a:rPr lang="en-IN" smtClean="0"/>
-              <a:t>10-11-2021</a:t>
+              <a:t>11-11-2021</a:t>
             </a:fld>
             <a:endParaRPr lang="en-IN"/>
           </a:p>
@@ -3404,23 +3877,23 @@
     </p:spTree>
     <p:extLst>
       <p:ext uri="{BB962C8B-B14F-4D97-AF65-F5344CB8AC3E}">
-        <p14:creationId xmlns:p14="http://schemas.microsoft.com/office/powerpoint/2010/main" val="2281401646"/>
+        <p14:creationId xmlns:p14="http://schemas.microsoft.com/office/powerpoint/2010/main" val="1428342143"/>
       </p:ext>
     </p:extLst>
   </p:cSld>
   <p:clrMap bg1="lt1" tx1="dk1" bg2="lt2" tx2="dk2" accent1="accent1" accent2="accent2" accent3="accent3" accent4="accent4" accent5="accent5" accent6="accent6" hlink="hlink" folHlink="folHlink"/>
   <p:sldLayoutIdLst>
-    <p:sldLayoutId id="2147483661" r:id="rId1"/>
-    <p:sldLayoutId id="2147483662" r:id="rId2"/>
-    <p:sldLayoutId id="2147483663" r:id="rId3"/>
-    <p:sldLayoutId id="2147483664" r:id="rId4"/>
-    <p:sldLayoutId id="2147483665" r:id="rId5"/>
-    <p:sldLayoutId id="2147483666" r:id="rId6"/>
-    <p:sldLayoutId id="2147483667" r:id="rId7"/>
-    <p:sldLayoutId id="2147483668" r:id="rId8"/>
-    <p:sldLayoutId id="2147483669" r:id="rId9"/>
-    <p:sldLayoutId id="2147483670" r:id="rId10"/>
-    <p:sldLayoutId id="2147483671" r:id="rId11"/>
+    <p:sldLayoutId id="2147483702" r:id="rId1"/>
+    <p:sldLayoutId id="2147483703" r:id="rId2"/>
+    <p:sldLayoutId id="2147483704" r:id="rId3"/>
+    <p:sldLayoutId id="2147483705" r:id="rId4"/>
+    <p:sldLayoutId id="2147483706" r:id="rId5"/>
+    <p:sldLayoutId id="2147483707" r:id="rId6"/>
+    <p:sldLayoutId id="2147483708" r:id="rId7"/>
+    <p:sldLayoutId id="2147483709" r:id="rId8"/>
+    <p:sldLayoutId id="2147483710" r:id="rId9"/>
+    <p:sldLayoutId id="2147483711" r:id="rId10"/>
+    <p:sldLayoutId id="2147483712" r:id="rId11"/>
   </p:sldLayoutIdLst>
   <p:txStyles>
     <p:titleStyle>
@@ -3901,10 +4374,10 @@
       </p:grpSpPr>
       <p:sp>
         <p:nvSpPr>
-          <p:cNvPr id="2" name="Title 1">
+          <p:cNvPr id="4" name="Title 3">
             <a:extLst>
               <a:ext uri="{FF2B5EF4-FFF2-40B4-BE49-F238E27FC236}">
-                <a16:creationId xmlns:a16="http://schemas.microsoft.com/office/drawing/2014/main" id="{B5AB7449-A711-4B20-A01E-895673345F5E}"/>
+                <a16:creationId xmlns:a16="http://schemas.microsoft.com/office/drawing/2014/main" id="{5F192A36-135B-4EB0-B2FC-1A83331B6E4C}"/>
               </a:ext>
             </a:extLst>
           </p:cNvPr>
@@ -3920,19 +4393,16 @@
           <a:bodyPr/>
           <a:lstStyle/>
           <a:p>
-            <a:r>
-              <a:rPr lang="en-IN" dirty="0"/>
-              <a:t>Introduction</a:t>
-            </a:r>
-          </a:p>
-        </p:txBody>
-      </p:sp>
-      <p:sp>
-        <p:nvSpPr>
-          <p:cNvPr id="3" name="Content Placeholder 2">
+            <a:endParaRPr lang="en-IN" dirty="0"/>
+          </a:p>
+        </p:txBody>
+      </p:sp>
+      <p:sp>
+        <p:nvSpPr>
+          <p:cNvPr id="5" name="Content Placeholder 4">
             <a:extLst>
               <a:ext uri="{FF2B5EF4-FFF2-40B4-BE49-F238E27FC236}">
-                <a16:creationId xmlns:a16="http://schemas.microsoft.com/office/drawing/2014/main" id="{956AC4A4-2724-465B-B60B-6300F4E596E8}"/>
+                <a16:creationId xmlns:a16="http://schemas.microsoft.com/office/drawing/2014/main" id="{73C79948-41B8-4425-9DFF-974F03459C6D}"/>
               </a:ext>
             </a:extLst>
           </p:cNvPr>
@@ -3948,44 +4418,14 @@
           <a:bodyPr/>
           <a:lstStyle/>
           <a:p>
-            <a:r>
-              <a:rPr lang="en-IN" dirty="0" err="1"/>
-              <a:t>Dsdas</a:t>
-            </a:r>
-            <a:endParaRPr lang="en-IN" dirty="0"/>
-          </a:p>
-          <a:p>
-            <a:r>
-              <a:rPr lang="en-IN" dirty="0" err="1"/>
-              <a:t>Sadasdas</a:t>
-            </a:r>
-            <a:endParaRPr lang="en-IN" dirty="0"/>
-          </a:p>
-          <a:p>
-            <a:r>
-              <a:rPr lang="en-IN" dirty="0" err="1"/>
-              <a:t>Dasdas</a:t>
-            </a:r>
-            <a:endParaRPr lang="en-IN" dirty="0"/>
-          </a:p>
-          <a:p>
-            <a:r>
-              <a:rPr lang="en-IN" dirty="0"/>
-              <a:t>Das</a:t>
-            </a:r>
-          </a:p>
-          <a:p>
-            <a:r>
-              <a:rPr lang="en-IN" dirty="0"/>
-              <a:t>d</a:t>
-            </a:r>
+            <a:endParaRPr lang="en-IN"/>
           </a:p>
         </p:txBody>
       </p:sp>
     </p:spTree>
     <p:extLst>
       <p:ext uri="{BB962C8B-B14F-4D97-AF65-F5344CB8AC3E}">
-        <p14:creationId xmlns:p14="http://schemas.microsoft.com/office/powerpoint/2010/main" val="545933575"/>
+        <p14:creationId xmlns:p14="http://schemas.microsoft.com/office/powerpoint/2010/main" val="4254661038"/>
       </p:ext>
     </p:extLst>
   </p:cSld>
@@ -4017,31 +4457,25 @@
           <p:cNvPr id="2" name="Title 1">
             <a:extLst>
               <a:ext uri="{FF2B5EF4-FFF2-40B4-BE49-F238E27FC236}">
-                <a16:creationId xmlns:a16="http://schemas.microsoft.com/office/drawing/2014/main" id="{9CF5A5DE-477F-4A14-BB64-4B13BEAA4010}"/>
+                <a16:creationId xmlns:a16="http://schemas.microsoft.com/office/drawing/2014/main" id="{B5AB7449-A711-4B20-A01E-895673345F5E}"/>
               </a:ext>
             </a:extLst>
           </p:cNvPr>
           <p:cNvSpPr>
-            <a:spLocks noGrp="1" noChangeAspect="1"/>
+            <a:spLocks noGrp="1"/>
           </p:cNvSpPr>
           <p:nvPr>
             <p:ph type="title"/>
           </p:nvPr>
         </p:nvSpPr>
-        <p:spPr>
-          <a:xfrm>
-            <a:off x="1080000" y="0"/>
-            <a:ext cx="10058400" cy="1401737"/>
-          </a:xfrm>
-          <a:noFill/>
-        </p:spPr>
+        <p:spPr/>
         <p:txBody>
           <a:bodyPr/>
           <a:lstStyle/>
           <a:p>
             <a:r>
               <a:rPr lang="en-IN" dirty="0"/>
-              <a:t>Motivation and Existing Solution</a:t>
+              <a:t>Introduction</a:t>
             </a:r>
           </a:p>
         </p:txBody>
@@ -4051,7 +4485,7 @@
           <p:cNvPr id="3" name="Content Placeholder 2">
             <a:extLst>
               <a:ext uri="{FF2B5EF4-FFF2-40B4-BE49-F238E27FC236}">
-                <a16:creationId xmlns:a16="http://schemas.microsoft.com/office/drawing/2014/main" id="{C2EC6D54-8316-480E-A976-34E552869506}"/>
+                <a16:creationId xmlns:a16="http://schemas.microsoft.com/office/drawing/2014/main" id="{956AC4A4-2724-465B-B60B-6300F4E596E8}"/>
               </a:ext>
             </a:extLst>
           </p:cNvPr>
@@ -4059,77 +4493,57 @@
             <a:spLocks noGrp="1"/>
           </p:cNvSpPr>
           <p:nvPr>
-            <p:ph idx="1"/>
-          </p:nvPr>
-        </p:nvSpPr>
-        <p:spPr/>
-        <p:txBody>
-          <a:bodyPr/>
-          <a:lstStyle/>
-          <a:p>
-            <a:pPr lvl="1">
-              <a:buFont typeface="Arial" panose="020B0604020202020204" pitchFamily="34" charset="0"/>
-              <a:buChar char="•"/>
-            </a:pPr>
-            <a:r>
-              <a:rPr lang="en-US" dirty="0"/>
-              <a:t>Several Public health agencies and Researchers have pointed out that "Increased rate of Testing has led to significant prevention in transmission“</a:t>
-            </a:r>
-            <a:endParaRPr lang="en-IN" dirty="0"/>
-          </a:p>
-          <a:p>
-            <a:pPr lvl="1">
-              <a:buFont typeface="Arial" panose="020B0604020202020204" pitchFamily="34" charset="0"/>
-              <a:buChar char="•"/>
-            </a:pPr>
-            <a:r>
-              <a:rPr lang="en-IN" dirty="0"/>
-              <a:t>Testing plays a very vital role in </a:t>
-            </a:r>
-            <a:endParaRPr lang="en-US" dirty="0"/>
-          </a:p>
-        </p:txBody>
-      </p:sp>
-      <p:pic>
-        <p:nvPicPr>
-          <p:cNvPr id="5" name="Picture 4">
-            <a:extLst>
-              <a:ext uri="{FF2B5EF4-FFF2-40B4-BE49-F238E27FC236}">
-                <a16:creationId xmlns:a16="http://schemas.microsoft.com/office/drawing/2014/main" id="{79873213-3C67-4E37-8AB0-132630842533}"/>
-              </a:ext>
-            </a:extLst>
-          </p:cNvPr>
-          <p:cNvPicPr>
-            <a:picLocks noChangeAspect="1"/>
-          </p:cNvPicPr>
-          <p:nvPr/>
-        </p:nvPicPr>
-        <p:blipFill>
-          <a:blip r:embed="rId2">
-            <a:extLst>
-              <a:ext uri="{28A0092B-C50C-407E-A947-70E740481C1C}">
-                <a14:useLocalDpi xmlns:a14="http://schemas.microsoft.com/office/drawing/2010/main" val="0"/>
-              </a:ext>
-            </a:extLst>
-          </a:blip>
-          <a:stretch>
-            <a:fillRect/>
-          </a:stretch>
-        </p:blipFill>
+            <p:ph idx="4294967295"/>
+          </p:nvPr>
+        </p:nvSpPr>
         <p:spPr>
           <a:xfrm>
-            <a:off x="5450938" y="2859592"/>
-            <a:ext cx="5704742" cy="3259853"/>
+            <a:off x="1097280" y="1845734"/>
+            <a:ext cx="10058400" cy="4023360"/>
           </a:xfrm>
-          <a:prstGeom prst="rect">
-            <a:avLst/>
-          </a:prstGeom>
         </p:spPr>
-      </p:pic>
+        <p:txBody>
+          <a:bodyPr/>
+          <a:lstStyle/>
+          <a:p>
+            <a:r>
+              <a:rPr lang="en-IN" dirty="0" err="1"/>
+              <a:t>Dsdas</a:t>
+            </a:r>
+            <a:endParaRPr lang="en-IN" dirty="0"/>
+          </a:p>
+          <a:p>
+            <a:r>
+              <a:rPr lang="en-IN" dirty="0" err="1"/>
+              <a:t>Sadasdas</a:t>
+            </a:r>
+            <a:endParaRPr lang="en-IN" dirty="0"/>
+          </a:p>
+          <a:p>
+            <a:r>
+              <a:rPr lang="en-IN" dirty="0" err="1"/>
+              <a:t>Dasdas</a:t>
+            </a:r>
+            <a:endParaRPr lang="en-IN" dirty="0"/>
+          </a:p>
+          <a:p>
+            <a:r>
+              <a:rPr lang="en-IN" dirty="0"/>
+              <a:t>Das</a:t>
+            </a:r>
+          </a:p>
+          <a:p>
+            <a:r>
+              <a:rPr lang="en-IN" dirty="0"/>
+              <a:t>d</a:t>
+            </a:r>
+          </a:p>
+        </p:txBody>
+      </p:sp>
     </p:spTree>
     <p:extLst>
       <p:ext uri="{BB962C8B-B14F-4D97-AF65-F5344CB8AC3E}">
-        <p14:creationId xmlns:p14="http://schemas.microsoft.com/office/powerpoint/2010/main" val="4023432849"/>
+        <p14:creationId xmlns:p14="http://schemas.microsoft.com/office/powerpoint/2010/main" val="545933575"/>
       </p:ext>
     </p:extLst>
   </p:cSld>
@@ -4161,6 +4575,305 @@
           <p:cNvPr id="2" name="Title 1">
             <a:extLst>
               <a:ext uri="{FF2B5EF4-FFF2-40B4-BE49-F238E27FC236}">
+                <a16:creationId xmlns:a16="http://schemas.microsoft.com/office/drawing/2014/main" id="{5C4002AA-2261-4EBF-93F1-1214A928EC3B}"/>
+              </a:ext>
+            </a:extLst>
+          </p:cNvPr>
+          <p:cNvSpPr>
+            <a:spLocks noGrp="1"/>
+          </p:cNvSpPr>
+          <p:nvPr>
+            <p:ph type="title"/>
+          </p:nvPr>
+        </p:nvSpPr>
+        <p:spPr>
+          <a:xfrm>
+            <a:off x="1097280" y="224866"/>
+            <a:ext cx="10058400" cy="1450757"/>
+          </a:xfrm>
+        </p:spPr>
+        <p:txBody>
+          <a:bodyPr/>
+          <a:lstStyle/>
+          <a:p>
+            <a:r>
+              <a:rPr lang="en-IN" dirty="0"/>
+              <a:t>Motivation and Existing Solution</a:t>
+            </a:r>
+          </a:p>
+        </p:txBody>
+      </p:sp>
+      <p:sp>
+        <p:nvSpPr>
+          <p:cNvPr id="4" name="Content Placeholder 2">
+            <a:extLst>
+              <a:ext uri="{FF2B5EF4-FFF2-40B4-BE49-F238E27FC236}">
+                <a16:creationId xmlns:a16="http://schemas.microsoft.com/office/drawing/2014/main" id="{A42024B4-9448-4077-B91E-7350C0BC75CD}"/>
+              </a:ext>
+            </a:extLst>
+          </p:cNvPr>
+          <p:cNvSpPr>
+            <a:spLocks noGrp="1"/>
+          </p:cNvSpPr>
+          <p:nvPr>
+            <p:ph idx="4294967295"/>
+          </p:nvPr>
+        </p:nvSpPr>
+        <p:spPr>
+          <a:xfrm>
+            <a:off x="1097280" y="1845734"/>
+            <a:ext cx="10058400" cy="4023360"/>
+          </a:xfrm>
+        </p:spPr>
+        <p:txBody>
+          <a:bodyPr/>
+          <a:lstStyle/>
+          <a:p>
+            <a:pPr lvl="1">
+              <a:lnSpc>
+                <a:spcPct val="150000"/>
+              </a:lnSpc>
+              <a:buFont typeface="Arial" panose="020B0604020202020204" pitchFamily="34" charset="0"/>
+              <a:buChar char="•"/>
+            </a:pPr>
+            <a:r>
+              <a:rPr lang="en-US" sz="1600" dirty="0"/>
+              <a:t>Increased rate of Testing has led to significant prevention in transmission of COVID 19</a:t>
+            </a:r>
+            <a:endParaRPr lang="en-IN" sz="1600" dirty="0"/>
+          </a:p>
+          <a:p>
+            <a:pPr lvl="1">
+              <a:lnSpc>
+                <a:spcPct val="150000"/>
+              </a:lnSpc>
+              <a:buFont typeface="Arial" panose="020B0604020202020204" pitchFamily="34" charset="0"/>
+              <a:buChar char="•"/>
+            </a:pPr>
+            <a:r>
+              <a:rPr lang="en-IN" sz="1600" dirty="0"/>
+              <a:t>Frequent Testing can be really affective at catching COVID – 19 infections and potentially blocking transmission</a:t>
+            </a:r>
+          </a:p>
+          <a:p>
+            <a:pPr marL="201168" lvl="1" indent="0">
+              <a:lnSpc>
+                <a:spcPct val="150000"/>
+              </a:lnSpc>
+              <a:buNone/>
+            </a:pPr>
+            <a:endParaRPr lang="en-IN" sz="1600" dirty="0"/>
+          </a:p>
+          <a:p>
+            <a:pPr lvl="1">
+              <a:lnSpc>
+                <a:spcPct val="150000"/>
+              </a:lnSpc>
+              <a:buFont typeface="Arial" panose="020B0604020202020204" pitchFamily="34" charset="0"/>
+              <a:buChar char="•"/>
+            </a:pPr>
+            <a:r>
+              <a:rPr lang="en-IN" dirty="0"/>
+              <a:t>Existing Solution: RTPCR Kits</a:t>
+            </a:r>
+          </a:p>
+          <a:p>
+            <a:pPr lvl="2">
+              <a:lnSpc>
+                <a:spcPct val="200000"/>
+              </a:lnSpc>
+              <a:buFont typeface="Arial" panose="020B0604020202020204" pitchFamily="34" charset="0"/>
+              <a:buChar char="•"/>
+            </a:pPr>
+            <a:r>
+              <a:rPr lang="en-IN" dirty="0"/>
+              <a:t>Takes at least 24 hours to get results</a:t>
+            </a:r>
+          </a:p>
+          <a:p>
+            <a:pPr lvl="2">
+              <a:lnSpc>
+                <a:spcPct val="200000"/>
+              </a:lnSpc>
+              <a:buFont typeface="Arial" panose="020B0604020202020204" pitchFamily="34" charset="0"/>
+              <a:buChar char="•"/>
+            </a:pPr>
+            <a:r>
+              <a:rPr lang="en-IN" dirty="0"/>
+              <a:t>Limited Frequency of tests</a:t>
+            </a:r>
+          </a:p>
+          <a:p>
+            <a:pPr lvl="2">
+              <a:lnSpc>
+                <a:spcPct val="200000"/>
+              </a:lnSpc>
+              <a:buFont typeface="Arial" panose="020B0604020202020204" pitchFamily="34" charset="0"/>
+              <a:buChar char="•"/>
+            </a:pPr>
+            <a:r>
+              <a:rPr lang="en-IN" dirty="0"/>
+              <a:t>Doesn’t account for new strains</a:t>
+            </a:r>
+          </a:p>
+          <a:p>
+            <a:pPr lvl="2">
+              <a:buFont typeface="Arial" panose="020B0604020202020204" pitchFamily="34" charset="0"/>
+              <a:buChar char="•"/>
+            </a:pPr>
+            <a:endParaRPr lang="en-IN" dirty="0"/>
+          </a:p>
+          <a:p>
+            <a:pPr lvl="2">
+              <a:buFont typeface="Arial" panose="020B0604020202020204" pitchFamily="34" charset="0"/>
+              <a:buChar char="•"/>
+            </a:pPr>
+            <a:endParaRPr lang="en-IN" dirty="0"/>
+          </a:p>
+          <a:p>
+            <a:pPr lvl="2">
+              <a:buFont typeface="Arial" panose="020B0604020202020204" pitchFamily="34" charset="0"/>
+              <a:buChar char="•"/>
+            </a:pPr>
+            <a:endParaRPr lang="en-US" dirty="0"/>
+          </a:p>
+        </p:txBody>
+      </p:sp>
+      <p:sp>
+        <p:nvSpPr>
+          <p:cNvPr id="7" name="Footer Placeholder 6">
+            <a:extLst>
+              <a:ext uri="{FF2B5EF4-FFF2-40B4-BE49-F238E27FC236}">
+                <a16:creationId xmlns:a16="http://schemas.microsoft.com/office/drawing/2014/main" id="{AAC67DC8-AB9E-4243-9508-BCAC1035F2A5}"/>
+              </a:ext>
+            </a:extLst>
+          </p:cNvPr>
+          <p:cNvSpPr>
+            <a:spLocks noGrp="1"/>
+          </p:cNvSpPr>
+          <p:nvPr>
+            <p:ph type="ftr" sz="quarter" idx="11"/>
+          </p:nvPr>
+        </p:nvSpPr>
+        <p:spPr/>
+        <p:txBody>
+          <a:bodyPr/>
+          <a:lstStyle/>
+          <a:p>
+            <a:r>
+              <a:rPr lang="en-IN" dirty="0"/>
+              <a:t>Source:  CDC, IHME, OXFORD</a:t>
+            </a:r>
+          </a:p>
+        </p:txBody>
+      </p:sp>
+      <p:sp>
+        <p:nvSpPr>
+          <p:cNvPr id="8" name="Slide Number Placeholder 7">
+            <a:extLst>
+              <a:ext uri="{FF2B5EF4-FFF2-40B4-BE49-F238E27FC236}">
+                <a16:creationId xmlns:a16="http://schemas.microsoft.com/office/drawing/2014/main" id="{B8942129-8F19-4A75-82CD-1A7F232C25D9}"/>
+              </a:ext>
+            </a:extLst>
+          </p:cNvPr>
+          <p:cNvSpPr>
+            <a:spLocks noGrp="1"/>
+          </p:cNvSpPr>
+          <p:nvPr>
+            <p:ph type="sldNum" sz="quarter" idx="12"/>
+          </p:nvPr>
+        </p:nvSpPr>
+        <p:spPr/>
+        <p:txBody>
+          <a:bodyPr/>
+          <a:lstStyle/>
+          <a:p>
+            <a:fld id="{CCAA1144-E559-445C-AEC7-865AEBFCCAD8}" type="slidenum">
+              <a:rPr lang="en-IN" smtClean="0"/>
+              <a:t>4</a:t>
+            </a:fld>
+            <a:endParaRPr lang="en-IN"/>
+          </a:p>
+        </p:txBody>
+      </p:sp>
+      <p:pic>
+        <p:nvPicPr>
+          <p:cNvPr id="13" name="Content Placeholder 12">
+            <a:extLst>
+              <a:ext uri="{FF2B5EF4-FFF2-40B4-BE49-F238E27FC236}">
+                <a16:creationId xmlns:a16="http://schemas.microsoft.com/office/drawing/2014/main" id="{6E1996CE-5208-4497-8996-1CC9A7BDFB62}"/>
+              </a:ext>
+            </a:extLst>
+          </p:cNvPr>
+          <p:cNvPicPr>
+            <a:picLocks noGrp="1" noChangeAspect="1"/>
+          </p:cNvPicPr>
+          <p:nvPr>
+            <p:ph idx="1"/>
+          </p:nvPr>
+        </p:nvPicPr>
+        <p:blipFill>
+          <a:blip r:embed="rId3">
+            <a:extLst>
+              <a:ext uri="{28A0092B-C50C-407E-A947-70E740481C1C}">
+                <a14:useLocalDpi xmlns:a14="http://schemas.microsoft.com/office/drawing/2010/main" val="0"/>
+              </a:ext>
+            </a:extLst>
+          </a:blip>
+          <a:stretch>
+            <a:fillRect/>
+          </a:stretch>
+        </p:blipFill>
+        <p:spPr>
+          <a:xfrm>
+            <a:off x="6489702" y="3217982"/>
+            <a:ext cx="4670029" cy="2668588"/>
+          </a:xfrm>
+          <a:prstGeom prst="rect">
+            <a:avLst/>
+          </a:prstGeom>
+          <a:ln>
+            <a:solidFill>
+              <a:schemeClr val="tx1"/>
+            </a:solidFill>
+          </a:ln>
+        </p:spPr>
+      </p:pic>
+    </p:spTree>
+    <p:extLst>
+      <p:ext uri="{BB962C8B-B14F-4D97-AF65-F5344CB8AC3E}">
+        <p14:creationId xmlns:p14="http://schemas.microsoft.com/office/powerpoint/2010/main" val="3405813279"/>
+      </p:ext>
+    </p:extLst>
+  </p:cSld>
+  <p:clrMapOvr>
+    <a:masterClrMapping/>
+  </p:clrMapOvr>
+</p:sld>
+</file>
+
+<file path=ppt/slides/slide5.xml><?xml version="1.0" encoding="utf-8"?>
+<p:sld xmlns:a="http://schemas.openxmlformats.org/drawingml/2006/main" xmlns:r="http://schemas.openxmlformats.org/officeDocument/2006/relationships" xmlns:p="http://schemas.openxmlformats.org/presentationml/2006/main">
+  <p:cSld>
+    <p:spTree>
+      <p:nvGrpSpPr>
+        <p:cNvPr id="1" name=""/>
+        <p:cNvGrpSpPr/>
+        <p:nvPr/>
+      </p:nvGrpSpPr>
+      <p:grpSpPr>
+        <a:xfrm>
+          <a:off x="0" y="0"/>
+          <a:ext cx="0" cy="0"/>
+          <a:chOff x="0" y="0"/>
+          <a:chExt cx="0" cy="0"/>
+        </a:xfrm>
+      </p:grpSpPr>
+      <p:sp>
+        <p:nvSpPr>
+          <p:cNvPr id="2" name="Title 1">
+            <a:extLst>
+              <a:ext uri="{FF2B5EF4-FFF2-40B4-BE49-F238E27FC236}">
                 <a16:creationId xmlns:a16="http://schemas.microsoft.com/office/drawing/2014/main" id="{EE09DA05-AD31-47D2-91BC-E383F294E06F}"/>
               </a:ext>
             </a:extLst>
@@ -4197,10 +4910,15 @@
             <a:spLocks noGrp="1"/>
           </p:cNvSpPr>
           <p:nvPr>
-            <p:ph idx="1"/>
-          </p:nvPr>
-        </p:nvSpPr>
-        <p:spPr/>
+            <p:ph idx="4294967295"/>
+          </p:nvPr>
+        </p:nvSpPr>
+        <p:spPr>
+          <a:xfrm>
+            <a:off x="1097280" y="1845734"/>
+            <a:ext cx="10058400" cy="4023360"/>
+          </a:xfrm>
+        </p:spPr>
         <p:txBody>
           <a:bodyPr/>
           <a:lstStyle/>
@@ -4227,40 +4945,40 @@
   <a:themeElements>
     <a:clrScheme name="Retrospect">
       <a:dk1>
-        <a:srgbClr val="000000"/>
+        <a:sysClr val="windowText" lastClr="000000"/>
       </a:dk1>
       <a:lt1>
         <a:sysClr val="window" lastClr="FFFFFF"/>
       </a:lt1>
       <a:dk2>
-        <a:srgbClr val="637052"/>
+        <a:srgbClr val="455F51"/>
       </a:dk2>
       <a:lt2>
-        <a:srgbClr val="CCDDEA"/>
+        <a:srgbClr val="E2DFCC"/>
       </a:lt2>
       <a:accent1>
-        <a:srgbClr val="E48312"/>
+        <a:srgbClr val="99CB38"/>
       </a:accent1>
       <a:accent2>
-        <a:srgbClr val="BD582C"/>
+        <a:srgbClr val="63A537"/>
       </a:accent2>
       <a:accent3>
-        <a:srgbClr val="865640"/>
+        <a:srgbClr val="37A76F"/>
       </a:accent3>
       <a:accent4>
-        <a:srgbClr val="9B8357"/>
+        <a:srgbClr val="44C1A3"/>
       </a:accent4>
       <a:accent5>
-        <a:srgbClr val="C2BC80"/>
+        <a:srgbClr val="4EB3CF"/>
       </a:accent5>
       <a:accent6>
-        <a:srgbClr val="94A088"/>
+        <a:srgbClr val="51C3F9"/>
       </a:accent6>
       <a:hlink>
-        <a:srgbClr val="2998E3"/>
+        <a:srgbClr val="6B9F25"/>
       </a:hlink>
       <a:folHlink>
-        <a:srgbClr val="8C8C8C"/>
+        <a:srgbClr val="B26B02"/>
       </a:folHlink>
     </a:clrScheme>
     <a:fontScheme name="Retrospect">
@@ -4499,7 +5217,302 @@
   <a:extraClrSchemeLst/>
   <a:extLst>
     <a:ext uri="{05A4C25C-085E-4340-85A3-A5531E510DB2}">
-      <thm15:themeFamily xmlns:thm15="http://schemas.microsoft.com/office/thememl/2012/main" name="Retrospect" id="{5F128B03-DCCA-4EEB-AB3B-CF2899314A46}" vid="{3F1AAB62-24C6-49D2-8E01-B56FAC9A3DCD}"/>
+      <thm15:themeFamily xmlns:thm15="http://schemas.microsoft.com/office/thememl/2012/main" name="Retrospect" id="{5F128B03-DCCA-4EEB-AB3B-CF2899314A46}" vid="{D26EA377-59BD-4C9C-9D94-EE8416EE4C79}"/>
+    </a:ext>
+  </a:extLst>
+</a:theme>
+</file>
+
+<file path=ppt/theme/theme2.xml><?xml version="1.0" encoding="utf-8"?>
+<a:theme xmlns:a="http://schemas.openxmlformats.org/drawingml/2006/main" name="Office Theme">
+  <a:themeElements>
+    <a:clrScheme name="Office">
+      <a:dk1>
+        <a:sysClr val="windowText" lastClr="000000"/>
+      </a:dk1>
+      <a:lt1>
+        <a:sysClr val="window" lastClr="FFFFFF"/>
+      </a:lt1>
+      <a:dk2>
+        <a:srgbClr val="44546A"/>
+      </a:dk2>
+      <a:lt2>
+        <a:srgbClr val="E7E6E6"/>
+      </a:lt2>
+      <a:accent1>
+        <a:srgbClr val="4472C4"/>
+      </a:accent1>
+      <a:accent2>
+        <a:srgbClr val="ED7D31"/>
+      </a:accent2>
+      <a:accent3>
+        <a:srgbClr val="A5A5A5"/>
+      </a:accent3>
+      <a:accent4>
+        <a:srgbClr val="FFC000"/>
+      </a:accent4>
+      <a:accent5>
+        <a:srgbClr val="5B9BD5"/>
+      </a:accent5>
+      <a:accent6>
+        <a:srgbClr val="70AD47"/>
+      </a:accent6>
+      <a:hlink>
+        <a:srgbClr val="0563C1"/>
+      </a:hlink>
+      <a:folHlink>
+        <a:srgbClr val="954F72"/>
+      </a:folHlink>
+    </a:clrScheme>
+    <a:fontScheme name="Office">
+      <a:majorFont>
+        <a:latin typeface="Calibri Light" panose="020F0302020204030204"/>
+        <a:ea typeface=""/>
+        <a:cs typeface=""/>
+        <a:font script="Jpan" typeface="游ゴシック Light"/>
+        <a:font script="Hang" typeface="맑은 고딕"/>
+        <a:font script="Hans" typeface="等线 Light"/>
+        <a:font script="Hant" typeface="新細明體"/>
+        <a:font script="Arab" typeface="Times New Roman"/>
+        <a:font script="Hebr" typeface="Times New Roman"/>
+        <a:font script="Thai" typeface="Angsana New"/>
+        <a:font script="Ethi" typeface="Nyala"/>
+        <a:font script="Beng" typeface="Vrinda"/>
+        <a:font script="Gujr" typeface="Shruti"/>
+        <a:font script="Khmr" typeface="MoolBoran"/>
+        <a:font script="Knda" typeface="Tunga"/>
+        <a:font script="Guru" typeface="Raavi"/>
+        <a:font script="Cans" typeface="Euphemia"/>
+        <a:font script="Cher" typeface="Plantagenet Cherokee"/>
+        <a:font script="Yiii" typeface="Microsoft Yi Baiti"/>
+        <a:font script="Tibt" typeface="Microsoft Himalaya"/>
+        <a:font script="Thaa" typeface="MV Boli"/>
+        <a:font script="Deva" typeface="Mangal"/>
+        <a:font script="Telu" typeface="Gautami"/>
+        <a:font script="Taml" typeface="Latha"/>
+        <a:font script="Syrc" typeface="Estrangelo Edessa"/>
+        <a:font script="Orya" typeface="Kalinga"/>
+        <a:font script="Mlym" typeface="Kartika"/>
+        <a:font script="Laoo" typeface="DokChampa"/>
+        <a:font script="Sinh" typeface="Iskoola Pota"/>
+        <a:font script="Mong" typeface="Mongolian Baiti"/>
+        <a:font script="Viet" typeface="Times New Roman"/>
+        <a:font script="Uigh" typeface="Microsoft Uighur"/>
+        <a:font script="Geor" typeface="Sylfaen"/>
+        <a:font script="Armn" typeface="Arial"/>
+        <a:font script="Bugi" typeface="Leelawadee UI"/>
+        <a:font script="Bopo" typeface="Microsoft JhengHei"/>
+        <a:font script="Java" typeface="Javanese Text"/>
+        <a:font script="Lisu" typeface="Segoe UI"/>
+        <a:font script="Mymr" typeface="Myanmar Text"/>
+        <a:font script="Nkoo" typeface="Ebrima"/>
+        <a:font script="Olck" typeface="Nirmala UI"/>
+        <a:font script="Osma" typeface="Ebrima"/>
+        <a:font script="Phag" typeface="Phagspa"/>
+        <a:font script="Syrn" typeface="Estrangelo Edessa"/>
+        <a:font script="Syrj" typeface="Estrangelo Edessa"/>
+        <a:font script="Syre" typeface="Estrangelo Edessa"/>
+        <a:font script="Sora" typeface="Nirmala UI"/>
+        <a:font script="Tale" typeface="Microsoft Tai Le"/>
+        <a:font script="Talu" typeface="Microsoft New Tai Lue"/>
+        <a:font script="Tfng" typeface="Ebrima"/>
+      </a:majorFont>
+      <a:minorFont>
+        <a:latin typeface="Calibri" panose="020F0502020204030204"/>
+        <a:ea typeface=""/>
+        <a:cs typeface=""/>
+        <a:font script="Jpan" typeface="游ゴシック"/>
+        <a:font script="Hang" typeface="맑은 고딕"/>
+        <a:font script="Hans" typeface="等线"/>
+        <a:font script="Hant" typeface="新細明體"/>
+        <a:font script="Arab" typeface="Arial"/>
+        <a:font script="Hebr" typeface="Arial"/>
+        <a:font script="Thai" typeface="Cordia New"/>
+        <a:font script="Ethi" typeface="Nyala"/>
+        <a:font script="Beng" typeface="Vrinda"/>
+        <a:font script="Gujr" typeface="Shruti"/>
+        <a:font script="Khmr" typeface="DaunPenh"/>
+        <a:font script="Knda" typeface="Tunga"/>
+        <a:font script="Guru" typeface="Raavi"/>
+        <a:font script="Cans" typeface="Euphemia"/>
+        <a:font script="Cher" typeface="Plantagenet Cherokee"/>
+        <a:font script="Yiii" typeface="Microsoft Yi Baiti"/>
+        <a:font script="Tibt" typeface="Microsoft Himalaya"/>
+        <a:font script="Thaa" typeface="MV Boli"/>
+        <a:font script="Deva" typeface="Mangal"/>
+        <a:font script="Telu" typeface="Gautami"/>
+        <a:font script="Taml" typeface="Latha"/>
+        <a:font script="Syrc" typeface="Estrangelo Edessa"/>
+        <a:font script="Orya" typeface="Kalinga"/>
+        <a:font script="Mlym" typeface="Kartika"/>
+        <a:font script="Laoo" typeface="DokChampa"/>
+        <a:font script="Sinh" typeface="Iskoola Pota"/>
+        <a:font script="Mong" typeface="Mongolian Baiti"/>
+        <a:font script="Viet" typeface="Arial"/>
+        <a:font script="Uigh" typeface="Microsoft Uighur"/>
+        <a:font script="Geor" typeface="Sylfaen"/>
+        <a:font script="Armn" typeface="Arial"/>
+        <a:font script="Bugi" typeface="Leelawadee UI"/>
+        <a:font script="Bopo" typeface="Microsoft JhengHei"/>
+        <a:font script="Java" typeface="Javanese Text"/>
+        <a:font script="Lisu" typeface="Segoe UI"/>
+        <a:font script="Mymr" typeface="Myanmar Text"/>
+        <a:font script="Nkoo" typeface="Ebrima"/>
+        <a:font script="Olck" typeface="Nirmala UI"/>
+        <a:font script="Osma" typeface="Ebrima"/>
+        <a:font script="Phag" typeface="Phagspa"/>
+        <a:font script="Syrn" typeface="Estrangelo Edessa"/>
+        <a:font script="Syrj" typeface="Estrangelo Edessa"/>
+        <a:font script="Syre" typeface="Estrangelo Edessa"/>
+        <a:font script="Sora" typeface="Nirmala UI"/>
+        <a:font script="Tale" typeface="Microsoft Tai Le"/>
+        <a:font script="Talu" typeface="Microsoft New Tai Lue"/>
+        <a:font script="Tfng" typeface="Ebrima"/>
+      </a:minorFont>
+    </a:fontScheme>
+    <a:fmtScheme name="Office">
+      <a:fillStyleLst>
+        <a:solidFill>
+          <a:schemeClr val="phClr"/>
+        </a:solidFill>
+        <a:gradFill rotWithShape="1">
+          <a:gsLst>
+            <a:gs pos="0">
+              <a:schemeClr val="phClr">
+                <a:lumMod val="110000"/>
+                <a:satMod val="105000"/>
+                <a:tint val="67000"/>
+              </a:schemeClr>
+            </a:gs>
+            <a:gs pos="50000">
+              <a:schemeClr val="phClr">
+                <a:lumMod val="105000"/>
+                <a:satMod val="103000"/>
+                <a:tint val="73000"/>
+              </a:schemeClr>
+            </a:gs>
+            <a:gs pos="100000">
+              <a:schemeClr val="phClr">
+                <a:lumMod val="105000"/>
+                <a:satMod val="109000"/>
+                <a:tint val="81000"/>
+              </a:schemeClr>
+            </a:gs>
+          </a:gsLst>
+          <a:lin ang="5400000" scaled="0"/>
+        </a:gradFill>
+        <a:gradFill rotWithShape="1">
+          <a:gsLst>
+            <a:gs pos="0">
+              <a:schemeClr val="phClr">
+                <a:satMod val="103000"/>
+                <a:lumMod val="102000"/>
+                <a:tint val="94000"/>
+              </a:schemeClr>
+            </a:gs>
+            <a:gs pos="50000">
+              <a:schemeClr val="phClr">
+                <a:satMod val="110000"/>
+                <a:lumMod val="100000"/>
+                <a:shade val="100000"/>
+              </a:schemeClr>
+            </a:gs>
+            <a:gs pos="100000">
+              <a:schemeClr val="phClr">
+                <a:lumMod val="99000"/>
+                <a:satMod val="120000"/>
+                <a:shade val="78000"/>
+              </a:schemeClr>
+            </a:gs>
+          </a:gsLst>
+          <a:lin ang="5400000" scaled="0"/>
+        </a:gradFill>
+      </a:fillStyleLst>
+      <a:lnStyleLst>
+        <a:ln w="6350" cap="flat" cmpd="sng" algn="ctr">
+          <a:solidFill>
+            <a:schemeClr val="phClr"/>
+          </a:solidFill>
+          <a:prstDash val="solid"/>
+          <a:miter lim="800000"/>
+        </a:ln>
+        <a:ln w="12700" cap="flat" cmpd="sng" algn="ctr">
+          <a:solidFill>
+            <a:schemeClr val="phClr"/>
+          </a:solidFill>
+          <a:prstDash val="solid"/>
+          <a:miter lim="800000"/>
+        </a:ln>
+        <a:ln w="19050" cap="flat" cmpd="sng" algn="ctr">
+          <a:solidFill>
+            <a:schemeClr val="phClr"/>
+          </a:solidFill>
+          <a:prstDash val="solid"/>
+          <a:miter lim="800000"/>
+        </a:ln>
+      </a:lnStyleLst>
+      <a:effectStyleLst>
+        <a:effectStyle>
+          <a:effectLst/>
+        </a:effectStyle>
+        <a:effectStyle>
+          <a:effectLst/>
+        </a:effectStyle>
+        <a:effectStyle>
+          <a:effectLst>
+            <a:outerShdw blurRad="57150" dist="19050" dir="5400000" algn="ctr" rotWithShape="0">
+              <a:srgbClr val="000000">
+                <a:alpha val="63000"/>
+              </a:srgbClr>
+            </a:outerShdw>
+          </a:effectLst>
+        </a:effectStyle>
+      </a:effectStyleLst>
+      <a:bgFillStyleLst>
+        <a:solidFill>
+          <a:schemeClr val="phClr"/>
+        </a:solidFill>
+        <a:solidFill>
+          <a:schemeClr val="phClr">
+            <a:tint val="95000"/>
+            <a:satMod val="170000"/>
+          </a:schemeClr>
+        </a:solidFill>
+        <a:gradFill rotWithShape="1">
+          <a:gsLst>
+            <a:gs pos="0">
+              <a:schemeClr val="phClr">
+                <a:tint val="93000"/>
+                <a:satMod val="150000"/>
+                <a:shade val="98000"/>
+                <a:lumMod val="102000"/>
+              </a:schemeClr>
+            </a:gs>
+            <a:gs pos="50000">
+              <a:schemeClr val="phClr">
+                <a:tint val="98000"/>
+                <a:satMod val="130000"/>
+                <a:shade val="90000"/>
+                <a:lumMod val="103000"/>
+              </a:schemeClr>
+            </a:gs>
+            <a:gs pos="100000">
+              <a:schemeClr val="phClr">
+                <a:shade val="63000"/>
+                <a:satMod val="120000"/>
+              </a:schemeClr>
+            </a:gs>
+          </a:gsLst>
+          <a:lin ang="5400000" scaled="0"/>
+        </a:gradFill>
+      </a:bgFillStyleLst>
+    </a:fmtScheme>
+  </a:themeElements>
+  <a:objectDefaults/>
+  <a:extraClrSchemeLst/>
+  <a:extLst>
+    <a:ext uri="{05A4C25C-085E-4340-85A3-A5531E510DB2}">
+      <thm15:themeFamily xmlns:thm15="http://schemas.microsoft.com/office/thememl/2012/main" name="Office Theme" id="{62F939B6-93AF-4DB8-9C6B-D6C7DFDC589F}" vid="{4A3C46E8-61CC-4603-A589-7422A47A8E4A}"/>
     </a:ext>
   </a:extLst>
 </a:theme>

--- a/BTP_Files/PPT/BTP Presentation.pptx
+++ b/BTP_Files/PPT/BTP Presentation.pptx
@@ -5,14 +5,22 @@
     <p:sldMasterId id="2147483701" r:id="rId1"/>
   </p:sldMasterIdLst>
   <p:notesMasterIdLst>
-    <p:notesMasterId r:id="rId7"/>
+    <p:notesMasterId r:id="rId15"/>
   </p:notesMasterIdLst>
   <p:sldIdLst>
     <p:sldId id="256" r:id="rId2"/>
-    <p:sldId id="261" r:id="rId3"/>
-    <p:sldId id="257" r:id="rId4"/>
+    <p:sldId id="257" r:id="rId3"/>
+    <p:sldId id="270" r:id="rId4"/>
     <p:sldId id="260" r:id="rId5"/>
     <p:sldId id="259" r:id="rId6"/>
+    <p:sldId id="261" r:id="rId7"/>
+    <p:sldId id="266" r:id="rId8"/>
+    <p:sldId id="267" r:id="rId9"/>
+    <p:sldId id="263" r:id="rId10"/>
+    <p:sldId id="264" r:id="rId11"/>
+    <p:sldId id="265" r:id="rId12"/>
+    <p:sldId id="268" r:id="rId13"/>
+    <p:sldId id="269" r:id="rId14"/>
   </p:sldIdLst>
   <p:sldSz cx="12192000" cy="6858000"/>
   <p:notesSz cx="6858000" cy="9144000"/>
@@ -201,7 +209,7 @@
           <a:p>
             <a:fld id="{A3A40B11-BBF3-43C1-B044-5E051FA0F756}" type="datetimeFigureOut">
               <a:rPr lang="en-IN" smtClean="0"/>
-              <a:t>11-11-2021</a:t>
+              <a:t>14-11-2021</a:t>
             </a:fld>
             <a:endParaRPr lang="en-IN"/>
           </a:p>
@@ -513,29 +521,434 @@
           <a:bodyPr/>
           <a:lstStyle/>
           <a:p>
+            <a:endParaRPr lang="en-IN" dirty="0"/>
+          </a:p>
+        </p:txBody>
+      </p:sp>
+      <p:sp>
+        <p:nvSpPr>
+          <p:cNvPr id="4" name="Slide Number Placeholder 3"/>
+          <p:cNvSpPr>
+            <a:spLocks noGrp="1"/>
+          </p:cNvSpPr>
+          <p:nvPr>
+            <p:ph type="sldNum" sz="quarter" idx="5"/>
+          </p:nvPr>
+        </p:nvSpPr>
+        <p:spPr/>
+        <p:txBody>
+          <a:bodyPr/>
+          <a:lstStyle/>
+          <a:p>
+            <a:fld id="{1C1A28B9-81B1-4457-BC57-23C2E077B729}" type="slidenum">
+              <a:rPr lang="en-IN" smtClean="0"/>
+              <a:t>2</a:t>
+            </a:fld>
+            <a:endParaRPr lang="en-IN"/>
+          </a:p>
+        </p:txBody>
+      </p:sp>
+    </p:spTree>
+    <p:extLst>
+      <p:ext uri="{BB962C8B-B14F-4D97-AF65-F5344CB8AC3E}">
+        <p14:creationId xmlns:p14="http://schemas.microsoft.com/office/powerpoint/2010/main" val="1947942816"/>
+      </p:ext>
+    </p:extLst>
+  </p:cSld>
+  <p:clrMapOvr>
+    <a:masterClrMapping/>
+  </p:clrMapOvr>
+</p:notes>
+</file>
+
+<file path=ppt/notesSlides/notesSlide2.xml><?xml version="1.0" encoding="utf-8"?>
+<p:notes xmlns:a="http://schemas.openxmlformats.org/drawingml/2006/main" xmlns:r="http://schemas.openxmlformats.org/officeDocument/2006/relationships" xmlns:p="http://schemas.openxmlformats.org/presentationml/2006/main">
+  <p:cSld>
+    <p:spTree>
+      <p:nvGrpSpPr>
+        <p:cNvPr id="1" name=""/>
+        <p:cNvGrpSpPr/>
+        <p:nvPr/>
+      </p:nvGrpSpPr>
+      <p:grpSpPr>
+        <a:xfrm>
+          <a:off x="0" y="0"/>
+          <a:ext cx="0" cy="0"/>
+          <a:chOff x="0" y="0"/>
+          <a:chExt cx="0" cy="0"/>
+        </a:xfrm>
+      </p:grpSpPr>
+      <p:sp>
+        <p:nvSpPr>
+          <p:cNvPr id="2" name="Slide Image Placeholder 1"/>
+          <p:cNvSpPr>
+            <a:spLocks noGrp="1" noRot="1" noChangeAspect="1"/>
+          </p:cNvSpPr>
+          <p:nvPr>
+            <p:ph type="sldImg"/>
+          </p:nvPr>
+        </p:nvSpPr>
+        <p:spPr/>
+      </p:sp>
+      <p:sp>
+        <p:nvSpPr>
+          <p:cNvPr id="3" name="Notes Placeholder 2"/>
+          <p:cNvSpPr>
+            <a:spLocks noGrp="1"/>
+          </p:cNvSpPr>
+          <p:nvPr>
+            <p:ph type="body" idx="1"/>
+          </p:nvPr>
+        </p:nvSpPr>
+        <p:spPr/>
+        <p:txBody>
+          <a:bodyPr/>
+          <a:lstStyle/>
+          <a:p>
+            <a:pPr marL="0" marR="0" lvl="0" indent="0" algn="l" defTabSz="914400" rtl="0" eaLnBrk="1" fontAlgn="auto" latinLnBrk="0" hangingPunct="1">
+              <a:lnSpc>
+                <a:spcPct val="100000"/>
+              </a:lnSpc>
+              <a:spcBef>
+                <a:spcPts val="0"/>
+              </a:spcBef>
+              <a:spcAft>
+                <a:spcPts val="0"/>
+              </a:spcAft>
+              <a:buClrTx/>
+              <a:buSzTx/>
+              <a:buFontTx/>
+              <a:buNone/>
+              <a:tabLst/>
+              <a:defRPr/>
+            </a:pPr>
+            <a:r>
+              <a:rPr lang="en-IN" sz="1800" i="1" dirty="0">
+                <a:solidFill>
+                  <a:srgbClr val="0E101A"/>
+                </a:solidFill>
+                <a:effectLst/>
+                <a:latin typeface="Calibri" panose="020F0502020204030204" pitchFamily="34" charset="0"/>
+                <a:ea typeface="Times New Roman" panose="02020603050405020304" pitchFamily="18" charset="0"/>
+              </a:rPr>
+              <a:t>COVID-19</a:t>
+            </a:r>
+            <a:r>
+              <a:rPr lang="en-IN" sz="1800" dirty="0">
+                <a:effectLst/>
+                <a:latin typeface="Calibri" panose="020F0502020204030204" pitchFamily="34" charset="0"/>
+                <a:ea typeface="Times New Roman" panose="02020603050405020304" pitchFamily="18" charset="0"/>
+              </a:rPr>
+              <a:t> was first identified on 7 January 2020 in Wuhan, China; since then, much technological advancement is already in place to identify COVID-19 patients.</a:t>
+            </a:r>
+          </a:p>
+          <a:p>
+            <a:pPr marL="0" marR="0" lvl="0" indent="0" algn="l" defTabSz="914400" rtl="0" eaLnBrk="1" fontAlgn="auto" latinLnBrk="0" hangingPunct="1">
+              <a:lnSpc>
+                <a:spcPct val="100000"/>
+              </a:lnSpc>
+              <a:spcBef>
+                <a:spcPts val="0"/>
+              </a:spcBef>
+              <a:spcAft>
+                <a:spcPts val="0"/>
+              </a:spcAft>
+              <a:buClrTx/>
+              <a:buSzTx/>
+              <a:buFontTx/>
+              <a:buNone/>
+              <a:tabLst/>
+              <a:defRPr/>
+            </a:pPr>
+            <a:endParaRPr lang="en-IN" sz="1800" dirty="0">
+              <a:effectLst/>
+              <a:latin typeface="Calibri" panose="020F0502020204030204" pitchFamily="34" charset="0"/>
+              <a:ea typeface="Times New Roman" panose="02020603050405020304" pitchFamily="18" charset="0"/>
+            </a:endParaRPr>
+          </a:p>
+          <a:p>
+            <a:pPr marL="0" marR="0" lvl="0" indent="0" algn="l" defTabSz="914400" rtl="0" eaLnBrk="1" fontAlgn="auto" latinLnBrk="0" hangingPunct="1">
+              <a:lnSpc>
+                <a:spcPct val="100000"/>
+              </a:lnSpc>
+              <a:spcBef>
+                <a:spcPts val="0"/>
+              </a:spcBef>
+              <a:spcAft>
+                <a:spcPts val="0"/>
+              </a:spcAft>
+              <a:buClrTx/>
+              <a:buSzTx/>
+              <a:buFontTx/>
+              <a:buNone/>
+              <a:tabLst/>
+              <a:defRPr/>
+            </a:pPr>
+            <a:r>
+              <a:rPr lang="en-IN" sz="1800" dirty="0" err="1">
+                <a:effectLst/>
+                <a:latin typeface="Calibri" panose="020F0502020204030204" pitchFamily="34" charset="0"/>
+                <a:ea typeface="Times New Roman" panose="02020603050405020304" pitchFamily="18" charset="0"/>
+              </a:rPr>
+              <a:t>Here,I</a:t>
+            </a:r>
+            <a:r>
+              <a:rPr lang="en-IN" sz="1800" dirty="0">
+                <a:effectLst/>
+                <a:latin typeface="Calibri" panose="020F0502020204030204" pitchFamily="34" charset="0"/>
+                <a:ea typeface="Times New Roman" panose="02020603050405020304" pitchFamily="18" charset="0"/>
+              </a:rPr>
+              <a:t> present a COVID-19 cough classifier that would help in contactless detection of COVID-19 patients by analysing their audio cough samples. The report demonstrates five machine learning classification models and combines those models into an ensemble model with 26 dominant features. The proposed method has been examined on both COVID-19 positive and healthy individuals' cough recordings. The results are promising, scoring accuracy of 99.3%, a sensitivity of 99% on validation data with an Area under the ROC curve of 0.97, all while maintaining interpretability.</a:t>
+            </a:r>
+            <a:r>
+              <a:rPr lang="en-IN" sz="1800" dirty="0">
+                <a:solidFill>
+                  <a:srgbClr val="0E101A"/>
+                </a:solidFill>
+                <a:effectLst/>
+                <a:latin typeface="Calibri" panose="020F0502020204030204" pitchFamily="34" charset="0"/>
+                <a:ea typeface="Times New Roman" panose="02020603050405020304" pitchFamily="18" charset="0"/>
+              </a:rPr>
+              <a:t> </a:t>
+            </a:r>
+            <a:endParaRPr lang="en-IN" sz="1800" dirty="0">
+              <a:effectLst/>
+              <a:latin typeface="Times New Roman" panose="02020603050405020304" pitchFamily="18" charset="0"/>
+              <a:ea typeface="Times New Roman" panose="02020603050405020304" pitchFamily="18" charset="0"/>
+            </a:endParaRPr>
+          </a:p>
+          <a:p>
+            <a:endParaRPr lang="en-IN" dirty="0"/>
+          </a:p>
+        </p:txBody>
+      </p:sp>
+      <p:sp>
+        <p:nvSpPr>
+          <p:cNvPr id="4" name="Slide Number Placeholder 3"/>
+          <p:cNvSpPr>
+            <a:spLocks noGrp="1"/>
+          </p:cNvSpPr>
+          <p:nvPr>
+            <p:ph type="sldNum" sz="quarter" idx="5"/>
+          </p:nvPr>
+        </p:nvSpPr>
+        <p:spPr/>
+        <p:txBody>
+          <a:bodyPr/>
+          <a:lstStyle/>
+          <a:p>
+            <a:fld id="{1C1A28B9-81B1-4457-BC57-23C2E077B729}" type="slidenum">
+              <a:rPr lang="en-IN" smtClean="0"/>
+              <a:t>3</a:t>
+            </a:fld>
+            <a:endParaRPr lang="en-IN"/>
+          </a:p>
+        </p:txBody>
+      </p:sp>
+    </p:spTree>
+    <p:extLst>
+      <p:ext uri="{BB962C8B-B14F-4D97-AF65-F5344CB8AC3E}">
+        <p14:creationId xmlns:p14="http://schemas.microsoft.com/office/powerpoint/2010/main" val="2854715076"/>
+      </p:ext>
+    </p:extLst>
+  </p:cSld>
+  <p:clrMapOvr>
+    <a:masterClrMapping/>
+  </p:clrMapOvr>
+</p:notes>
+</file>
+
+<file path=ppt/notesSlides/notesSlide3.xml><?xml version="1.0" encoding="utf-8"?>
+<p:notes xmlns:a="http://schemas.openxmlformats.org/drawingml/2006/main" xmlns:r="http://schemas.openxmlformats.org/officeDocument/2006/relationships" xmlns:p="http://schemas.openxmlformats.org/presentationml/2006/main">
+  <p:cSld>
+    <p:spTree>
+      <p:nvGrpSpPr>
+        <p:cNvPr id="1" name=""/>
+        <p:cNvGrpSpPr/>
+        <p:nvPr/>
+      </p:nvGrpSpPr>
+      <p:grpSpPr>
+        <a:xfrm>
+          <a:off x="0" y="0"/>
+          <a:ext cx="0" cy="0"/>
+          <a:chOff x="0" y="0"/>
+          <a:chExt cx="0" cy="0"/>
+        </a:xfrm>
+      </p:grpSpPr>
+      <p:sp>
+        <p:nvSpPr>
+          <p:cNvPr id="2" name="Slide Image Placeholder 1"/>
+          <p:cNvSpPr>
+            <a:spLocks noGrp="1" noRot="1" noChangeAspect="1"/>
+          </p:cNvSpPr>
+          <p:nvPr>
+            <p:ph type="sldImg"/>
+          </p:nvPr>
+        </p:nvSpPr>
+        <p:spPr/>
+      </p:sp>
+      <p:sp>
+        <p:nvSpPr>
+          <p:cNvPr id="3" name="Notes Placeholder 2"/>
+          <p:cNvSpPr>
+            <a:spLocks noGrp="1"/>
+          </p:cNvSpPr>
+          <p:nvPr>
+            <p:ph type="body" idx="1"/>
+          </p:nvPr>
+        </p:nvSpPr>
+        <p:spPr/>
+        <p:txBody>
+          <a:bodyPr/>
+          <a:lstStyle/>
+          <a:p>
+            <a:pPr marL="0" marR="0" lvl="0" indent="0" algn="l" defTabSz="914400" rtl="0" eaLnBrk="1" fontAlgn="auto" latinLnBrk="0" hangingPunct="1">
+              <a:lnSpc>
+                <a:spcPct val="100000"/>
+              </a:lnSpc>
+              <a:spcBef>
+                <a:spcPts val="0"/>
+              </a:spcBef>
+              <a:spcAft>
+                <a:spcPts val="0"/>
+              </a:spcAft>
+              <a:buClrTx/>
+              <a:buSzTx/>
+              <a:buFontTx/>
+              <a:buNone/>
+              <a:tabLst/>
+              <a:defRPr/>
+            </a:pPr>
             <a:r>
               <a:rPr lang="en-US" dirty="0"/>
-              <a:t>Researchers have pointed out that </a:t>
-            </a:r>
-            <a:r>
-              <a:rPr lang="en-US" dirty="0" err="1"/>
-              <a:t>pt</a:t>
+              <a:t>Motivation and Existing solution: Studies have pointed out that </a:t>
+            </a:r>
+            <a:r>
+              <a:rPr lang="en-US" b="0" i="0" dirty="0">
+                <a:solidFill>
+                  <a:srgbClr val="004276"/>
+                </a:solidFill>
+                <a:effectLst/>
+                <a:latin typeface="Helvetica Neue"/>
+              </a:rPr>
+              <a:t>Frequent COVID-19 testing is the key to efficient and early detection of COVID - 19</a:t>
             </a:r>
             <a:r>
               <a:rPr lang="en-US" dirty="0"/>
-              <a:t> 1 and 2</a:t>
-            </a:r>
+              <a:t>(Pt 1 and 2). A study has even pointed out that </a:t>
+            </a:r>
+            <a:r>
+              <a:rPr lang="en-US" b="0" i="0" dirty="0">
+                <a:solidFill>
+                  <a:srgbClr val="000000"/>
+                </a:solidFill>
+                <a:effectLst/>
+                <a:latin typeface="Open Sans" panose="020B0606030504020204" pitchFamily="34" charset="0"/>
+              </a:rPr>
+              <a:t>Testing half the population weekly would drive the virus toward elimination within weeks – even if those tests are significantly less sensitive than clinical tests.</a:t>
+            </a:r>
+            <a:endParaRPr lang="en-US" dirty="0"/>
+          </a:p>
+          <a:p>
+            <a:pPr marL="0" marR="0" lvl="0" indent="0" algn="l" defTabSz="914400" rtl="0" eaLnBrk="1" fontAlgn="auto" latinLnBrk="0" hangingPunct="1">
+              <a:lnSpc>
+                <a:spcPct val="100000"/>
+              </a:lnSpc>
+              <a:spcBef>
+                <a:spcPts val="0"/>
+              </a:spcBef>
+              <a:spcAft>
+                <a:spcPts val="0"/>
+              </a:spcAft>
+              <a:buClrTx/>
+              <a:buSzTx/>
+              <a:buFontTx/>
+              <a:buNone/>
+              <a:tabLst/>
+              <a:defRPr/>
+            </a:pPr>
+            <a:endParaRPr lang="en-US" dirty="0"/>
           </a:p>
           <a:p>
             <a:r>
               <a:rPr lang="en-US" dirty="0"/>
-              <a:t>The image shown here gives an example of how testing can potentially block transmission even with false negative results: </a:t>
+              <a:t>The image shown here shows the present scenario of how testing along with quarantine can potentially block transmission (even with false negative results): </a:t>
             </a:r>
           </a:p>
           <a:p>
             <a:r>
               <a:rPr lang="en-US" dirty="0"/>
-              <a:t>1. </a:t>
+              <a:t>1. Standard Quarantine + No Testing </a:t>
+            </a:r>
+            <a:r>
+              <a:rPr lang="en-US" dirty="0">
+                <a:sym typeface="Wingdings" panose="05000000000000000000" pitchFamily="2" charset="2"/>
+              </a:rPr>
+              <a:t> here if the person is carrying the disease and is Asymptomatic, he will continue to transmit disease post quarantine</a:t>
+            </a:r>
+            <a:endParaRPr lang="en-US" dirty="0"/>
+          </a:p>
+          <a:p>
+            <a:r>
+              <a:rPr lang="en-US" dirty="0"/>
+              <a:t>Now, with test results:</a:t>
+            </a:r>
+          </a:p>
+          <a:p>
+            <a:r>
+              <a:rPr lang="en-US" dirty="0"/>
+              <a:t>2. If a person has a positive test result, he will be isolated and hence the transmission is prevented.</a:t>
+            </a:r>
+          </a:p>
+          <a:p>
+            <a:r>
+              <a:rPr lang="en-US" dirty="0"/>
+              <a:t>3. If the test results is inaccurate and the person is wrongly detected as covid negative, keeping him in isolation till the test results will also lead to prevention in transmission.</a:t>
+            </a:r>
+          </a:p>
+          <a:p>
+            <a:endParaRPr lang="en-US" dirty="0"/>
+          </a:p>
+          <a:p>
+            <a:r>
+              <a:rPr lang="en-US" dirty="0"/>
+              <a:t>The current testing method RTPCR has certain disadvantages as listed here:</a:t>
+            </a:r>
+          </a:p>
+          <a:p>
+            <a:r>
+              <a:rPr lang="en-US" dirty="0"/>
+              <a:t>1.  </a:t>
+            </a:r>
+          </a:p>
+          <a:p>
+            <a:r>
+              <a:rPr lang="en-US" dirty="0"/>
+              <a:t>2. </a:t>
+            </a:r>
+          </a:p>
+          <a:p>
+            <a:r>
+              <a:rPr lang="en-US" dirty="0"/>
+              <a:t>3.</a:t>
+            </a:r>
+          </a:p>
+          <a:p>
+            <a:r>
+              <a:rPr lang="en-US" dirty="0"/>
+              <a:t>4.</a:t>
+            </a:r>
+          </a:p>
+          <a:p>
+            <a:r>
+              <a:rPr lang="en-US" b="0" i="0" dirty="0">
+                <a:solidFill>
+                  <a:srgbClr val="000000"/>
+                </a:solidFill>
+                <a:effectLst/>
+                <a:latin typeface="Open Sans" panose="020B0606030504020204" pitchFamily="34" charset="0"/>
+              </a:rPr>
+              <a:t>Researchers say that when it comes to public health, it's better to have a less sensitive test with results today than a more sensitive one with results tomorrow(https://www.business-standard.com/article/current-affairs/frequent-rapid-testing-can-cripple-coronavirus-within-weeks-study-120112300270_1.html), Frequent Testing: https://www.journalofhospitalinfection.com/article/S0195-6701(21)00287-5/fulltext </a:t>
             </a:r>
             <a:endParaRPr lang="en-IN" dirty="0"/>
           </a:p>
@@ -568,6 +981,322 @@
     <p:extLst>
       <p:ext uri="{BB962C8B-B14F-4D97-AF65-F5344CB8AC3E}">
         <p14:creationId xmlns:p14="http://schemas.microsoft.com/office/powerpoint/2010/main" val="1679037825"/>
+      </p:ext>
+    </p:extLst>
+  </p:cSld>
+  <p:clrMapOvr>
+    <a:masterClrMapping/>
+  </p:clrMapOvr>
+</p:notes>
+</file>
+
+<file path=ppt/notesSlides/notesSlide4.xml><?xml version="1.0" encoding="utf-8"?>
+<p:notes xmlns:a="http://schemas.openxmlformats.org/drawingml/2006/main" xmlns:r="http://schemas.openxmlformats.org/officeDocument/2006/relationships" xmlns:p="http://schemas.openxmlformats.org/presentationml/2006/main">
+  <p:cSld>
+    <p:spTree>
+      <p:nvGrpSpPr>
+        <p:cNvPr id="1" name=""/>
+        <p:cNvGrpSpPr/>
+        <p:nvPr/>
+      </p:nvGrpSpPr>
+      <p:grpSpPr>
+        <a:xfrm>
+          <a:off x="0" y="0"/>
+          <a:ext cx="0" cy="0"/>
+          <a:chOff x="0" y="0"/>
+          <a:chExt cx="0" cy="0"/>
+        </a:xfrm>
+      </p:grpSpPr>
+      <p:sp>
+        <p:nvSpPr>
+          <p:cNvPr id="2" name="Slide Image Placeholder 1"/>
+          <p:cNvSpPr>
+            <a:spLocks noGrp="1" noRot="1" noChangeAspect="1"/>
+          </p:cNvSpPr>
+          <p:nvPr>
+            <p:ph type="sldImg"/>
+          </p:nvPr>
+        </p:nvSpPr>
+        <p:spPr/>
+      </p:sp>
+      <p:sp>
+        <p:nvSpPr>
+          <p:cNvPr id="3" name="Notes Placeholder 2"/>
+          <p:cNvSpPr>
+            <a:spLocks noGrp="1"/>
+          </p:cNvSpPr>
+          <p:nvPr>
+            <p:ph type="body" idx="1"/>
+          </p:nvPr>
+        </p:nvSpPr>
+        <p:spPr/>
+        <p:txBody>
+          <a:bodyPr/>
+          <a:lstStyle/>
+          <a:p>
+            <a:r>
+              <a:rPr lang="en-IN" dirty="0"/>
+              <a:t>The Existing solution which is the RTPCR has certain disadvantages as discussed in the previous slide, I try to address these questions in my COVID Detection model. </a:t>
+            </a:r>
+          </a:p>
+          <a:p>
+            <a:r>
+              <a:rPr lang="en-IN" dirty="0"/>
+              <a:t>(The first Q is) 1. can we get accurate test results with reduced waiting time</a:t>
+            </a:r>
+          </a:p>
+          <a:p>
+            <a:r>
+              <a:rPr lang="en-IN" dirty="0"/>
+              <a:t>2. Currently, experts have suggested that RTPCR tests be taken after a gap of at least 14 days. Here the question is Can we propose a method using which we can conduct tests more frequently? This can significantly bring down transmission as the potentially infected person can immediately isolate or get treated after he is diagnosed as covid positively.</a:t>
+            </a:r>
+          </a:p>
+          <a:p>
+            <a:r>
+              <a:rPr lang="en-IN" dirty="0"/>
+              <a:t>3. New Strains of COVID 19 are not detected by RTPCR, can it be detected in any way?</a:t>
+            </a:r>
+          </a:p>
+          <a:p>
+            <a:r>
+              <a:rPr lang="en-IN" dirty="0"/>
+              <a:t>4. Is there a way to perform the tests without having to visit testing centres or without any medical supervision?</a:t>
+            </a:r>
+          </a:p>
+          <a:p>
+            <a:r>
+              <a:rPr lang="en-IN" dirty="0"/>
+              <a:t>5. RTPCRs are very costly with their price ranging from Rs 500 to 1500. Can we have tests which are more cost effective?</a:t>
+            </a:r>
+          </a:p>
+          <a:p>
+            <a:r>
+              <a:rPr lang="en-IN" dirty="0"/>
+              <a:t> </a:t>
+            </a:r>
+          </a:p>
+          <a:p>
+            <a:r>
+              <a:rPr lang="en-IN" dirty="0"/>
+              <a:t>Source: https://health-desk.org/articles/how-many-days-after-exposure-should-one-be-tested-to-yield-the-most-accurate-results-and-with-which-test </a:t>
+            </a:r>
+          </a:p>
+        </p:txBody>
+      </p:sp>
+      <p:sp>
+        <p:nvSpPr>
+          <p:cNvPr id="4" name="Slide Number Placeholder 3"/>
+          <p:cNvSpPr>
+            <a:spLocks noGrp="1"/>
+          </p:cNvSpPr>
+          <p:nvPr>
+            <p:ph type="sldNum" sz="quarter" idx="5"/>
+          </p:nvPr>
+        </p:nvSpPr>
+        <p:spPr/>
+        <p:txBody>
+          <a:bodyPr/>
+          <a:lstStyle/>
+          <a:p>
+            <a:fld id="{1C1A28B9-81B1-4457-BC57-23C2E077B729}" type="slidenum">
+              <a:rPr lang="en-IN" smtClean="0"/>
+              <a:t>5</a:t>
+            </a:fld>
+            <a:endParaRPr lang="en-IN"/>
+          </a:p>
+        </p:txBody>
+      </p:sp>
+    </p:spTree>
+    <p:extLst>
+      <p:ext uri="{BB962C8B-B14F-4D97-AF65-F5344CB8AC3E}">
+        <p14:creationId xmlns:p14="http://schemas.microsoft.com/office/powerpoint/2010/main" val="225946140"/>
+      </p:ext>
+    </p:extLst>
+  </p:cSld>
+  <p:clrMapOvr>
+    <a:masterClrMapping/>
+  </p:clrMapOvr>
+</p:notes>
+</file>
+
+<file path=ppt/notesSlides/notesSlide5.xml><?xml version="1.0" encoding="utf-8"?>
+<p:notes xmlns:a="http://schemas.openxmlformats.org/drawingml/2006/main" xmlns:r="http://schemas.openxmlformats.org/officeDocument/2006/relationships" xmlns:p="http://schemas.openxmlformats.org/presentationml/2006/main">
+  <p:cSld>
+    <p:spTree>
+      <p:nvGrpSpPr>
+        <p:cNvPr id="1" name=""/>
+        <p:cNvGrpSpPr/>
+        <p:nvPr/>
+      </p:nvGrpSpPr>
+      <p:grpSpPr>
+        <a:xfrm>
+          <a:off x="0" y="0"/>
+          <a:ext cx="0" cy="0"/>
+          <a:chOff x="0" y="0"/>
+          <a:chExt cx="0" cy="0"/>
+        </a:xfrm>
+      </p:grpSpPr>
+      <p:sp>
+        <p:nvSpPr>
+          <p:cNvPr id="2" name="Slide Image Placeholder 1"/>
+          <p:cNvSpPr>
+            <a:spLocks noGrp="1" noRot="1" noChangeAspect="1"/>
+          </p:cNvSpPr>
+          <p:nvPr>
+            <p:ph type="sldImg"/>
+          </p:nvPr>
+        </p:nvSpPr>
+        <p:spPr/>
+      </p:sp>
+      <p:sp>
+        <p:nvSpPr>
+          <p:cNvPr id="3" name="Notes Placeholder 2"/>
+          <p:cNvSpPr>
+            <a:spLocks noGrp="1"/>
+          </p:cNvSpPr>
+          <p:nvPr>
+            <p:ph type="body" idx="1"/>
+          </p:nvPr>
+        </p:nvSpPr>
+        <p:spPr/>
+        <p:txBody>
+          <a:bodyPr/>
+          <a:lstStyle/>
+          <a:p>
+            <a:r>
+              <a:rPr lang="en-IN" dirty="0"/>
+              <a:t>Pt 1.: </a:t>
+            </a:r>
+            <a:r>
+              <a:rPr lang="en-IN" sz="1800" dirty="0">
+                <a:effectLst/>
+                <a:latin typeface="Calibri" panose="020F0502020204030204" pitchFamily="34" charset="0"/>
+                <a:ea typeface="Calibri" panose="020F0502020204030204" pitchFamily="34" charset="0"/>
+                <a:cs typeface="Times New Roman" panose="02020603050405020304" pitchFamily="18" charset="0"/>
+              </a:rPr>
+              <a:t>This review attempts to summarize the vital studies in cough detection and identify diseases based on cough audio samples' features like frequency, duration, and intensity</a:t>
+            </a:r>
+            <a:endParaRPr lang="en-IN" dirty="0"/>
+          </a:p>
+          <a:p>
+            <a:r>
+              <a:rPr lang="en-IN" dirty="0"/>
+              <a:t>Pt 4.: Which works on the sample principle of detecting the presence of certain frequency </a:t>
+            </a:r>
+          </a:p>
+        </p:txBody>
+      </p:sp>
+      <p:sp>
+        <p:nvSpPr>
+          <p:cNvPr id="4" name="Slide Number Placeholder 3"/>
+          <p:cNvSpPr>
+            <a:spLocks noGrp="1"/>
+          </p:cNvSpPr>
+          <p:nvPr>
+            <p:ph type="sldNum" sz="quarter" idx="5"/>
+          </p:nvPr>
+        </p:nvSpPr>
+        <p:spPr/>
+        <p:txBody>
+          <a:bodyPr/>
+          <a:lstStyle/>
+          <a:p>
+            <a:fld id="{1C1A28B9-81B1-4457-BC57-23C2E077B729}" type="slidenum">
+              <a:rPr lang="en-IN" smtClean="0"/>
+              <a:t>6</a:t>
+            </a:fld>
+            <a:endParaRPr lang="en-IN"/>
+          </a:p>
+        </p:txBody>
+      </p:sp>
+    </p:spTree>
+    <p:extLst>
+      <p:ext uri="{BB962C8B-B14F-4D97-AF65-F5344CB8AC3E}">
+        <p14:creationId xmlns:p14="http://schemas.microsoft.com/office/powerpoint/2010/main" val="2814498727"/>
+      </p:ext>
+    </p:extLst>
+  </p:cSld>
+  <p:clrMapOvr>
+    <a:masterClrMapping/>
+  </p:clrMapOvr>
+</p:notes>
+</file>
+
+<file path=ppt/notesSlides/notesSlide6.xml><?xml version="1.0" encoding="utf-8"?>
+<p:notes xmlns:a="http://schemas.openxmlformats.org/drawingml/2006/main" xmlns:r="http://schemas.openxmlformats.org/officeDocument/2006/relationships" xmlns:p="http://schemas.openxmlformats.org/presentationml/2006/main">
+  <p:cSld>
+    <p:spTree>
+      <p:nvGrpSpPr>
+        <p:cNvPr id="1" name=""/>
+        <p:cNvGrpSpPr/>
+        <p:nvPr/>
+      </p:nvGrpSpPr>
+      <p:grpSpPr>
+        <a:xfrm>
+          <a:off x="0" y="0"/>
+          <a:ext cx="0" cy="0"/>
+          <a:chOff x="0" y="0"/>
+          <a:chExt cx="0" cy="0"/>
+        </a:xfrm>
+      </p:grpSpPr>
+      <p:sp>
+        <p:nvSpPr>
+          <p:cNvPr id="2" name="Slide Image Placeholder 1"/>
+          <p:cNvSpPr>
+            <a:spLocks noGrp="1" noRot="1" noChangeAspect="1"/>
+          </p:cNvSpPr>
+          <p:nvPr>
+            <p:ph type="sldImg"/>
+          </p:nvPr>
+        </p:nvSpPr>
+        <p:spPr/>
+      </p:sp>
+      <p:sp>
+        <p:nvSpPr>
+          <p:cNvPr id="3" name="Notes Placeholder 2"/>
+          <p:cNvSpPr>
+            <a:spLocks noGrp="1"/>
+          </p:cNvSpPr>
+          <p:nvPr>
+            <p:ph type="body" idx="1"/>
+          </p:nvPr>
+        </p:nvSpPr>
+        <p:spPr/>
+        <p:txBody>
+          <a:bodyPr/>
+          <a:lstStyle/>
+          <a:p>
+            <a:endParaRPr lang="en-IN" dirty="0"/>
+          </a:p>
+        </p:txBody>
+      </p:sp>
+      <p:sp>
+        <p:nvSpPr>
+          <p:cNvPr id="4" name="Slide Number Placeholder 3"/>
+          <p:cNvSpPr>
+            <a:spLocks noGrp="1"/>
+          </p:cNvSpPr>
+          <p:nvPr>
+            <p:ph type="sldNum" sz="quarter" idx="5"/>
+          </p:nvPr>
+        </p:nvSpPr>
+        <p:spPr/>
+        <p:txBody>
+          <a:bodyPr/>
+          <a:lstStyle/>
+          <a:p>
+            <a:fld id="{1C1A28B9-81B1-4457-BC57-23C2E077B729}" type="slidenum">
+              <a:rPr lang="en-IN" smtClean="0"/>
+              <a:t>10</a:t>
+            </a:fld>
+            <a:endParaRPr lang="en-IN"/>
+          </a:p>
+        </p:txBody>
+      </p:sp>
+    </p:spTree>
+    <p:extLst>
+      <p:ext uri="{BB962C8B-B14F-4D97-AF65-F5344CB8AC3E}">
+        <p14:creationId xmlns:p14="http://schemas.microsoft.com/office/powerpoint/2010/main" val="1414945181"/>
       </p:ext>
     </p:extLst>
   </p:cSld>
@@ -803,7 +1532,7 @@
           <a:p>
             <a:fld id="{3F090CAA-CC88-41A9-8C35-025E1C34BFE7}" type="datetimeFigureOut">
               <a:rPr lang="en-IN" smtClean="0"/>
-              <a:t>11-11-2021</a:t>
+              <a:t>14-11-2021</a:t>
             </a:fld>
             <a:endParaRPr lang="en-IN"/>
           </a:p>
@@ -1011,7 +1740,7 @@
           <a:p>
             <a:fld id="{3F090CAA-CC88-41A9-8C35-025E1C34BFE7}" type="datetimeFigureOut">
               <a:rPr lang="en-IN" smtClean="0"/>
-              <a:t>11-11-2021</a:t>
+              <a:t>14-11-2021</a:t>
             </a:fld>
             <a:endParaRPr lang="en-IN"/>
           </a:p>
@@ -1267,7 +1996,7 @@
           <a:p>
             <a:fld id="{3F090CAA-CC88-41A9-8C35-025E1C34BFE7}" type="datetimeFigureOut">
               <a:rPr lang="en-IN" smtClean="0"/>
-              <a:t>11-11-2021</a:t>
+              <a:t>14-11-2021</a:t>
             </a:fld>
             <a:endParaRPr lang="en-IN"/>
           </a:p>
@@ -1347,32 +2076,6 @@
       </p:grpSpPr>
       <p:sp>
         <p:nvSpPr>
-          <p:cNvPr id="2" name="Title 1"/>
-          <p:cNvSpPr>
-            <a:spLocks noGrp="1"/>
-          </p:cNvSpPr>
-          <p:nvPr>
-            <p:ph type="title"/>
-          </p:nvPr>
-        </p:nvSpPr>
-        <p:spPr/>
-        <p:txBody>
-          <a:bodyPr/>
-          <a:lstStyle>
-            <a:lvl1pPr>
-              <a:defRPr/>
-            </a:lvl1pPr>
-          </a:lstStyle>
-          <a:p>
-            <a:r>
-              <a:rPr lang="en-US" dirty="0"/>
-              <a:t>Click to edit Master title style</a:t>
-            </a:r>
-          </a:p>
-        </p:txBody>
-      </p:sp>
-      <p:sp>
-        <p:nvSpPr>
           <p:cNvPr id="3" name="Content Placeholder 2"/>
           <p:cNvSpPr>
             <a:spLocks noGrp="1"/>
@@ -1425,7 +2128,13 @@
       </p:sp>
       <p:sp>
         <p:nvSpPr>
-          <p:cNvPr id="4" name="Date Placeholder 3"/>
+          <p:cNvPr id="7" name="Date Placeholder 6">
+            <a:extLst>
+              <a:ext uri="{FF2B5EF4-FFF2-40B4-BE49-F238E27FC236}">
+                <a16:creationId xmlns:a16="http://schemas.microsoft.com/office/drawing/2014/main" id="{C58E0BAA-067D-4BA1-865E-3D7A259F88F6}"/>
+              </a:ext>
+            </a:extLst>
+          </p:cNvPr>
           <p:cNvSpPr>
             <a:spLocks noGrp="1"/>
           </p:cNvSpPr>
@@ -1440,7 +2149,7 @@
           <a:p>
             <a:fld id="{3F090CAA-CC88-41A9-8C35-025E1C34BFE7}" type="datetimeFigureOut">
               <a:rPr lang="en-IN" smtClean="0"/>
-              <a:t>11-11-2021</a:t>
+              <a:t>14-11-2021</a:t>
             </a:fld>
             <a:endParaRPr lang="en-IN"/>
           </a:p>
@@ -1448,7 +2157,13 @@
       </p:sp>
       <p:sp>
         <p:nvSpPr>
-          <p:cNvPr id="5" name="Footer Placeholder 4"/>
+          <p:cNvPr id="8" name="Footer Placeholder 7">
+            <a:extLst>
+              <a:ext uri="{FF2B5EF4-FFF2-40B4-BE49-F238E27FC236}">
+                <a16:creationId xmlns:a16="http://schemas.microsoft.com/office/drawing/2014/main" id="{17B22F5D-CBF5-41A2-BCD4-F01C4664CDAF}"/>
+              </a:ext>
+            </a:extLst>
+          </p:cNvPr>
           <p:cNvSpPr>
             <a:spLocks noGrp="1"/>
           </p:cNvSpPr>
@@ -1456,30 +2171,24 @@
             <p:ph type="ftr" sz="quarter" idx="11"/>
           </p:nvPr>
         </p:nvSpPr>
-        <p:spPr>
-          <a:xfrm>
-            <a:off x="150483" y="6459785"/>
-            <a:ext cx="4822804" cy="365125"/>
-          </a:xfrm>
-        </p:spPr>
+        <p:spPr/>
         <p:txBody>
           <a:bodyPr/>
-          <a:lstStyle>
-            <a:lvl1pPr algn="l">
-              <a:defRPr/>
-            </a:lvl1pPr>
-          </a:lstStyle>
-          <a:p>
-            <a:r>
-              <a:rPr lang="en-IN" dirty="0"/>
-              <a:t>Source: </a:t>
-            </a:r>
-          </a:p>
-        </p:txBody>
-      </p:sp>
-      <p:sp>
-        <p:nvSpPr>
-          <p:cNvPr id="6" name="Slide Number Placeholder 5"/>
+          <a:lstStyle/>
+          <a:p>
+            <a:endParaRPr lang="en-IN"/>
+          </a:p>
+        </p:txBody>
+      </p:sp>
+      <p:sp>
+        <p:nvSpPr>
+          <p:cNvPr id="9" name="Slide Number Placeholder 8">
+            <a:extLst>
+              <a:ext uri="{FF2B5EF4-FFF2-40B4-BE49-F238E27FC236}">
+                <a16:creationId xmlns:a16="http://schemas.microsoft.com/office/drawing/2014/main" id="{EBF73017-B621-43A8-A564-6777B1D05652}"/>
+              </a:ext>
+            </a:extLst>
+          </p:cNvPr>
           <p:cNvSpPr>
             <a:spLocks noGrp="1"/>
           </p:cNvSpPr>
@@ -1496,6 +2205,35 @@
               <a:rPr lang="en-IN" smtClean="0"/>
               <a:t>‹#›</a:t>
             </a:fld>
+            <a:endParaRPr lang="en-IN"/>
+          </a:p>
+        </p:txBody>
+      </p:sp>
+      <p:sp>
+        <p:nvSpPr>
+          <p:cNvPr id="10" name="Title 9">
+            <a:extLst>
+              <a:ext uri="{FF2B5EF4-FFF2-40B4-BE49-F238E27FC236}">
+                <a16:creationId xmlns:a16="http://schemas.microsoft.com/office/drawing/2014/main" id="{4B5B5650-F767-485B-9AE1-9E064B3F5E6F}"/>
+              </a:ext>
+            </a:extLst>
+          </p:cNvPr>
+          <p:cNvSpPr>
+            <a:spLocks noGrp="1"/>
+          </p:cNvSpPr>
+          <p:nvPr>
+            <p:ph type="title"/>
+          </p:nvPr>
+        </p:nvSpPr>
+        <p:spPr/>
+        <p:txBody>
+          <a:bodyPr/>
+          <a:lstStyle/>
+          <a:p>
+            <a:r>
+              <a:rPr lang="en-US"/>
+              <a:t>Click to edit Master title style</a:t>
+            </a:r>
             <a:endParaRPr lang="en-IN"/>
           </a:p>
         </p:txBody>
@@ -1795,7 +2533,7 @@
           <a:p>
             <a:fld id="{3F090CAA-CC88-41A9-8C35-025E1C34BFE7}" type="datetimeFigureOut">
               <a:rPr lang="en-IN" smtClean="0"/>
-              <a:t>11-11-2021</a:t>
+              <a:t>14-11-2021</a:t>
             </a:fld>
             <a:endParaRPr lang="en-IN"/>
           </a:p>
@@ -2070,7 +2808,7 @@
           <a:p>
             <a:fld id="{3F090CAA-CC88-41A9-8C35-025E1C34BFE7}" type="datetimeFigureOut">
               <a:rPr lang="en-IN" smtClean="0"/>
-              <a:t>11-11-2021</a:t>
+              <a:t>14-11-2021</a:t>
             </a:fld>
             <a:endParaRPr lang="en-IN"/>
           </a:p>
@@ -2449,7 +3187,7 @@
           <a:p>
             <a:fld id="{3F090CAA-CC88-41A9-8C35-025E1C34BFE7}" type="datetimeFigureOut">
               <a:rPr lang="en-IN" smtClean="0"/>
-              <a:t>11-11-2021</a:t>
+              <a:t>14-11-2021</a:t>
             </a:fld>
             <a:endParaRPr lang="en-IN"/>
           </a:p>
@@ -2567,7 +3305,7 @@
           <a:p>
             <a:fld id="{3F090CAA-CC88-41A9-8C35-025E1C34BFE7}" type="datetimeFigureOut">
               <a:rPr lang="en-IN" smtClean="0"/>
-              <a:t>11-11-2021</a:t>
+              <a:t>14-11-2021</a:t>
             </a:fld>
             <a:endParaRPr lang="en-IN"/>
           </a:p>
@@ -2738,7 +3476,7 @@
           <a:p>
             <a:fld id="{3F090CAA-CC88-41A9-8C35-025E1C34BFE7}" type="datetimeFigureOut">
               <a:rPr lang="en-IN" smtClean="0"/>
-              <a:t>11-11-2021</a:t>
+              <a:t>14-11-2021</a:t>
             </a:fld>
             <a:endParaRPr lang="en-IN"/>
           </a:p>
@@ -3092,7 +3830,7 @@
           <a:p>
             <a:fld id="{3F090CAA-CC88-41A9-8C35-025E1C34BFE7}" type="datetimeFigureOut">
               <a:rPr lang="en-IN" smtClean="0"/>
-              <a:t>11-11-2021</a:t>
+              <a:t>14-11-2021</a:t>
             </a:fld>
             <a:endParaRPr lang="en-IN"/>
           </a:p>
@@ -3469,7 +4207,7 @@
           <a:p>
             <a:fld id="{3F090CAA-CC88-41A9-8C35-025E1C34BFE7}" type="datetimeFigureOut">
               <a:rPr lang="en-IN" smtClean="0"/>
-              <a:t>11-11-2021</a:t>
+              <a:t>14-11-2021</a:t>
             </a:fld>
             <a:endParaRPr lang="en-IN"/>
           </a:p>
@@ -3756,7 +4494,7 @@
           <a:p>
             <a:fld id="{3F090CAA-CC88-41A9-8C35-025E1C34BFE7}" type="datetimeFigureOut">
               <a:rPr lang="en-IN" smtClean="0"/>
-              <a:t>11-11-2021</a:t>
+              <a:t>14-11-2021</a:t>
             </a:fld>
             <a:endParaRPr lang="en-IN"/>
           </a:p>
@@ -4342,10 +5080,1624 @@
           </a:p>
         </p:txBody>
       </p:sp>
+      <p:sp>
+        <p:nvSpPr>
+          <p:cNvPr id="4" name="Slide Number Placeholder 7">
+            <a:extLst>
+              <a:ext uri="{FF2B5EF4-FFF2-40B4-BE49-F238E27FC236}">
+                <a16:creationId xmlns:a16="http://schemas.microsoft.com/office/drawing/2014/main" id="{0608FB5A-8294-4162-8552-96935E1A2AE0}"/>
+              </a:ext>
+            </a:extLst>
+          </p:cNvPr>
+          <p:cNvSpPr>
+            <a:spLocks noGrp="1"/>
+          </p:cNvSpPr>
+          <p:nvPr>
+            <p:ph type="sldNum" sz="quarter" idx="12"/>
+          </p:nvPr>
+        </p:nvSpPr>
+        <p:spPr>
+          <a:xfrm>
+            <a:off x="9900458" y="6459785"/>
+            <a:ext cx="1312025" cy="365125"/>
+          </a:xfrm>
+        </p:spPr>
+        <p:txBody>
+          <a:bodyPr/>
+          <a:lstStyle/>
+          <a:p>
+            <a:fld id="{CCAA1144-E559-445C-AEC7-865AEBFCCAD8}" type="slidenum">
+              <a:rPr lang="en-IN" smtClean="0"/>
+              <a:t>1</a:t>
+            </a:fld>
+            <a:endParaRPr lang="en-IN" dirty="0"/>
+          </a:p>
+        </p:txBody>
+      </p:sp>
     </p:spTree>
     <p:extLst>
       <p:ext uri="{BB962C8B-B14F-4D97-AF65-F5344CB8AC3E}">
         <p14:creationId xmlns:p14="http://schemas.microsoft.com/office/powerpoint/2010/main" val="3559204006"/>
+      </p:ext>
+    </p:extLst>
+  </p:cSld>
+  <p:clrMapOvr>
+    <a:masterClrMapping/>
+  </p:clrMapOvr>
+</p:sld>
+</file>
+
+<file path=ppt/slides/slide10.xml><?xml version="1.0" encoding="utf-8"?>
+<p:sld xmlns:a="http://schemas.openxmlformats.org/drawingml/2006/main" xmlns:r="http://schemas.openxmlformats.org/officeDocument/2006/relationships" xmlns:p="http://schemas.openxmlformats.org/presentationml/2006/main">
+  <p:cSld>
+    <p:spTree>
+      <p:nvGrpSpPr>
+        <p:cNvPr id="1" name=""/>
+        <p:cNvGrpSpPr/>
+        <p:nvPr/>
+      </p:nvGrpSpPr>
+      <p:grpSpPr>
+        <a:xfrm>
+          <a:off x="0" y="0"/>
+          <a:ext cx="0" cy="0"/>
+          <a:chOff x="0" y="0"/>
+          <a:chExt cx="0" cy="0"/>
+        </a:xfrm>
+      </p:grpSpPr>
+      <p:sp>
+        <p:nvSpPr>
+          <p:cNvPr id="8" name="Content Placeholder 2">
+            <a:extLst>
+              <a:ext uri="{FF2B5EF4-FFF2-40B4-BE49-F238E27FC236}">
+                <a16:creationId xmlns:a16="http://schemas.microsoft.com/office/drawing/2014/main" id="{F35A97AB-994C-437E-AEDC-71D0883BA4C9}"/>
+              </a:ext>
+            </a:extLst>
+          </p:cNvPr>
+          <p:cNvSpPr txBox="1">
+            <a:spLocks/>
+          </p:cNvSpPr>
+          <p:nvPr/>
+        </p:nvSpPr>
+        <p:spPr>
+          <a:xfrm>
+            <a:off x="1066800" y="554815"/>
+            <a:ext cx="10040471" cy="5429125"/>
+          </a:xfrm>
+          <a:prstGeom prst="rect">
+            <a:avLst/>
+          </a:prstGeom>
+        </p:spPr>
+        <p:txBody>
+          <a:bodyPr vert="horz" lIns="0" tIns="45720" rIns="0" bIns="45720" rtlCol="0">
+            <a:normAutofit/>
+          </a:bodyPr>
+          <a:lstStyle>
+            <a:lvl1pPr marL="91440" indent="-91440" algn="l" defTabSz="914400" rtl="0" eaLnBrk="1" latinLnBrk="0" hangingPunct="1">
+              <a:lnSpc>
+                <a:spcPct val="90000"/>
+              </a:lnSpc>
+              <a:spcBef>
+                <a:spcPts val="1200"/>
+              </a:spcBef>
+              <a:spcAft>
+                <a:spcPts val="200"/>
+              </a:spcAft>
+              <a:buClr>
+                <a:schemeClr val="accent1"/>
+              </a:buClr>
+              <a:buSzPct val="100000"/>
+              <a:buFont typeface="Calibri" panose="020F0502020204030204" pitchFamily="34" charset="0"/>
+              <a:buChar char=" "/>
+              <a:defRPr sz="2000" kern="1200">
+                <a:solidFill>
+                  <a:schemeClr val="tx1">
+                    <a:lumMod val="75000"/>
+                    <a:lumOff val="25000"/>
+                  </a:schemeClr>
+                </a:solidFill>
+                <a:latin typeface="+mn-lt"/>
+                <a:ea typeface="+mn-ea"/>
+                <a:cs typeface="+mn-cs"/>
+              </a:defRPr>
+            </a:lvl1pPr>
+            <a:lvl2pPr marL="384048" indent="-182880" algn="l" defTabSz="914400" rtl="0" eaLnBrk="1" latinLnBrk="0" hangingPunct="1">
+              <a:lnSpc>
+                <a:spcPct val="90000"/>
+              </a:lnSpc>
+              <a:spcBef>
+                <a:spcPts val="200"/>
+              </a:spcBef>
+              <a:spcAft>
+                <a:spcPts val="400"/>
+              </a:spcAft>
+              <a:buClr>
+                <a:schemeClr val="accent1"/>
+              </a:buClr>
+              <a:buFont typeface="Calibri" pitchFamily="34" charset="0"/>
+              <a:buChar char="◦"/>
+              <a:defRPr sz="1800" kern="1200">
+                <a:solidFill>
+                  <a:schemeClr val="tx1">
+                    <a:lumMod val="75000"/>
+                    <a:lumOff val="25000"/>
+                  </a:schemeClr>
+                </a:solidFill>
+                <a:latin typeface="+mn-lt"/>
+                <a:ea typeface="+mn-ea"/>
+                <a:cs typeface="+mn-cs"/>
+              </a:defRPr>
+            </a:lvl2pPr>
+            <a:lvl3pPr marL="566928" indent="-182880" algn="l" defTabSz="914400" rtl="0" eaLnBrk="1" latinLnBrk="0" hangingPunct="1">
+              <a:lnSpc>
+                <a:spcPct val="90000"/>
+              </a:lnSpc>
+              <a:spcBef>
+                <a:spcPts val="200"/>
+              </a:spcBef>
+              <a:spcAft>
+                <a:spcPts val="400"/>
+              </a:spcAft>
+              <a:buClr>
+                <a:schemeClr val="accent1"/>
+              </a:buClr>
+              <a:buFont typeface="Calibri" pitchFamily="34" charset="0"/>
+              <a:buChar char="◦"/>
+              <a:defRPr sz="1400" kern="1200">
+                <a:solidFill>
+                  <a:schemeClr val="tx1">
+                    <a:lumMod val="75000"/>
+                    <a:lumOff val="25000"/>
+                  </a:schemeClr>
+                </a:solidFill>
+                <a:latin typeface="+mn-lt"/>
+                <a:ea typeface="+mn-ea"/>
+                <a:cs typeface="+mn-cs"/>
+              </a:defRPr>
+            </a:lvl3pPr>
+            <a:lvl4pPr marL="749808" indent="-182880" algn="l" defTabSz="914400" rtl="0" eaLnBrk="1" latinLnBrk="0" hangingPunct="1">
+              <a:lnSpc>
+                <a:spcPct val="90000"/>
+              </a:lnSpc>
+              <a:spcBef>
+                <a:spcPts val="200"/>
+              </a:spcBef>
+              <a:spcAft>
+                <a:spcPts val="400"/>
+              </a:spcAft>
+              <a:buClr>
+                <a:schemeClr val="accent1"/>
+              </a:buClr>
+              <a:buFont typeface="Calibri" pitchFamily="34" charset="0"/>
+              <a:buChar char="◦"/>
+              <a:defRPr sz="1400" kern="1200">
+                <a:solidFill>
+                  <a:schemeClr val="tx1">
+                    <a:lumMod val="75000"/>
+                    <a:lumOff val="25000"/>
+                  </a:schemeClr>
+                </a:solidFill>
+                <a:latin typeface="+mn-lt"/>
+                <a:ea typeface="+mn-ea"/>
+                <a:cs typeface="+mn-cs"/>
+              </a:defRPr>
+            </a:lvl4pPr>
+            <a:lvl5pPr marL="932688" indent="-182880" algn="l" defTabSz="914400" rtl="0" eaLnBrk="1" latinLnBrk="0" hangingPunct="1">
+              <a:lnSpc>
+                <a:spcPct val="90000"/>
+              </a:lnSpc>
+              <a:spcBef>
+                <a:spcPts val="200"/>
+              </a:spcBef>
+              <a:spcAft>
+                <a:spcPts val="400"/>
+              </a:spcAft>
+              <a:buClr>
+                <a:schemeClr val="accent1"/>
+              </a:buClr>
+              <a:buFont typeface="Calibri" pitchFamily="34" charset="0"/>
+              <a:buChar char="◦"/>
+              <a:defRPr sz="1400" kern="1200">
+                <a:solidFill>
+                  <a:schemeClr val="tx1">
+                    <a:lumMod val="75000"/>
+                    <a:lumOff val="25000"/>
+                  </a:schemeClr>
+                </a:solidFill>
+                <a:latin typeface="+mn-lt"/>
+                <a:ea typeface="+mn-ea"/>
+                <a:cs typeface="+mn-cs"/>
+              </a:defRPr>
+            </a:lvl5pPr>
+            <a:lvl6pPr marL="1100000" indent="-228600" algn="l" defTabSz="914400" rtl="0" eaLnBrk="1" latinLnBrk="0" hangingPunct="1">
+              <a:lnSpc>
+                <a:spcPct val="90000"/>
+              </a:lnSpc>
+              <a:spcBef>
+                <a:spcPts val="200"/>
+              </a:spcBef>
+              <a:spcAft>
+                <a:spcPts val="400"/>
+              </a:spcAft>
+              <a:buClr>
+                <a:schemeClr val="accent1"/>
+              </a:buClr>
+              <a:buFont typeface="Calibri" pitchFamily="34" charset="0"/>
+              <a:buChar char="◦"/>
+              <a:defRPr sz="1400" kern="1200">
+                <a:solidFill>
+                  <a:schemeClr val="tx1">
+                    <a:lumMod val="75000"/>
+                    <a:lumOff val="25000"/>
+                  </a:schemeClr>
+                </a:solidFill>
+                <a:latin typeface="+mn-lt"/>
+                <a:ea typeface="+mn-ea"/>
+                <a:cs typeface="+mn-cs"/>
+              </a:defRPr>
+            </a:lvl6pPr>
+            <a:lvl7pPr marL="1300000" indent="-228600" algn="l" defTabSz="914400" rtl="0" eaLnBrk="1" latinLnBrk="0" hangingPunct="1">
+              <a:lnSpc>
+                <a:spcPct val="90000"/>
+              </a:lnSpc>
+              <a:spcBef>
+                <a:spcPts val="200"/>
+              </a:spcBef>
+              <a:spcAft>
+                <a:spcPts val="400"/>
+              </a:spcAft>
+              <a:buClr>
+                <a:schemeClr val="accent1"/>
+              </a:buClr>
+              <a:buFont typeface="Calibri" pitchFamily="34" charset="0"/>
+              <a:buChar char="◦"/>
+              <a:defRPr sz="1400" kern="1200">
+                <a:solidFill>
+                  <a:schemeClr val="tx1">
+                    <a:lumMod val="75000"/>
+                    <a:lumOff val="25000"/>
+                  </a:schemeClr>
+                </a:solidFill>
+                <a:latin typeface="+mn-lt"/>
+                <a:ea typeface="+mn-ea"/>
+                <a:cs typeface="+mn-cs"/>
+              </a:defRPr>
+            </a:lvl7pPr>
+            <a:lvl8pPr marL="1500000" indent="-228600" algn="l" defTabSz="914400" rtl="0" eaLnBrk="1" latinLnBrk="0" hangingPunct="1">
+              <a:lnSpc>
+                <a:spcPct val="90000"/>
+              </a:lnSpc>
+              <a:spcBef>
+                <a:spcPts val="200"/>
+              </a:spcBef>
+              <a:spcAft>
+                <a:spcPts val="400"/>
+              </a:spcAft>
+              <a:buClr>
+                <a:schemeClr val="accent1"/>
+              </a:buClr>
+              <a:buFont typeface="Calibri" pitchFamily="34" charset="0"/>
+              <a:buChar char="◦"/>
+              <a:defRPr sz="1400" kern="1200">
+                <a:solidFill>
+                  <a:schemeClr val="tx1">
+                    <a:lumMod val="75000"/>
+                    <a:lumOff val="25000"/>
+                  </a:schemeClr>
+                </a:solidFill>
+                <a:latin typeface="+mn-lt"/>
+                <a:ea typeface="+mn-ea"/>
+                <a:cs typeface="+mn-cs"/>
+              </a:defRPr>
+            </a:lvl8pPr>
+            <a:lvl9pPr marL="1700000" indent="-228600" algn="l" defTabSz="914400" rtl="0" eaLnBrk="1" latinLnBrk="0" hangingPunct="1">
+              <a:lnSpc>
+                <a:spcPct val="90000"/>
+              </a:lnSpc>
+              <a:spcBef>
+                <a:spcPts val="200"/>
+              </a:spcBef>
+              <a:spcAft>
+                <a:spcPts val="400"/>
+              </a:spcAft>
+              <a:buClr>
+                <a:schemeClr val="accent1"/>
+              </a:buClr>
+              <a:buFont typeface="Calibri" pitchFamily="34" charset="0"/>
+              <a:buChar char="◦"/>
+              <a:defRPr sz="1400" kern="1200">
+                <a:solidFill>
+                  <a:schemeClr val="tx1">
+                    <a:lumMod val="75000"/>
+                    <a:lumOff val="25000"/>
+                  </a:schemeClr>
+                </a:solidFill>
+                <a:latin typeface="+mn-lt"/>
+                <a:ea typeface="+mn-ea"/>
+                <a:cs typeface="+mn-cs"/>
+              </a:defRPr>
+            </a:lvl9pPr>
+          </a:lstStyle>
+          <a:p>
+            <a:pPr>
+              <a:lnSpc>
+                <a:spcPct val="200000"/>
+              </a:lnSpc>
+            </a:pPr>
+            <a:r>
+              <a:rPr lang="en-IN" dirty="0"/>
+              <a:t>Data Used:</a:t>
+            </a:r>
+          </a:p>
+          <a:p>
+            <a:pPr marL="749808" lvl="1" indent="-457200">
+              <a:lnSpc>
+                <a:spcPct val="200000"/>
+              </a:lnSpc>
+              <a:buFont typeface="+mj-lt"/>
+              <a:buAutoNum type="arabicPeriod"/>
+            </a:pPr>
+            <a:r>
+              <a:rPr lang="en-IN" dirty="0"/>
+              <a:t>Can give accurate test results in relatively less time?</a:t>
+            </a:r>
+          </a:p>
+          <a:p>
+            <a:pPr marL="749808" lvl="1" indent="-457200">
+              <a:lnSpc>
+                <a:spcPct val="200000"/>
+              </a:lnSpc>
+              <a:buFont typeface="+mj-lt"/>
+              <a:buAutoNum type="arabicPeriod"/>
+            </a:pPr>
+            <a:r>
+              <a:rPr lang="en-IN" dirty="0"/>
+              <a:t>Can be performed more frequently (hourly/daily)?</a:t>
+            </a:r>
+          </a:p>
+          <a:p>
+            <a:pPr marL="749808" lvl="1" indent="-457200">
+              <a:lnSpc>
+                <a:spcPct val="200000"/>
+              </a:lnSpc>
+              <a:buFont typeface="+mj-lt"/>
+              <a:buAutoNum type="arabicPeriod"/>
+            </a:pPr>
+            <a:r>
+              <a:rPr lang="en-IN" dirty="0"/>
+              <a:t>Can detect New Strains?</a:t>
+            </a:r>
+          </a:p>
+          <a:p>
+            <a:pPr marL="749808" lvl="1" indent="-457200">
+              <a:lnSpc>
+                <a:spcPct val="200000"/>
+              </a:lnSpc>
+              <a:buFont typeface="+mj-lt"/>
+              <a:buAutoNum type="arabicPeriod"/>
+            </a:pPr>
+            <a:r>
+              <a:rPr lang="en-IN" dirty="0"/>
+              <a:t>Can be performed without Medical Assistance?</a:t>
+            </a:r>
+          </a:p>
+          <a:p>
+            <a:pPr marL="749808" lvl="1" indent="-457200">
+              <a:lnSpc>
+                <a:spcPct val="200000"/>
+              </a:lnSpc>
+              <a:buFont typeface="+mj-lt"/>
+              <a:buAutoNum type="arabicPeriod"/>
+            </a:pPr>
+            <a:r>
+              <a:rPr lang="en-IN" dirty="0"/>
+              <a:t>Can be cheaper than RTPCR?</a:t>
+            </a:r>
+          </a:p>
+          <a:p>
+            <a:pPr marL="749808" lvl="1" indent="-457200">
+              <a:buFont typeface="+mj-lt"/>
+              <a:buAutoNum type="arabicPeriod"/>
+            </a:pPr>
+            <a:endParaRPr lang="en-IN" dirty="0"/>
+          </a:p>
+          <a:p>
+            <a:pPr marL="749808" lvl="1" indent="-457200">
+              <a:buFont typeface="+mj-lt"/>
+              <a:buAutoNum type="arabicPeriod"/>
+            </a:pPr>
+            <a:endParaRPr lang="en-IN" dirty="0"/>
+          </a:p>
+        </p:txBody>
+      </p:sp>
+    </p:spTree>
+    <p:extLst>
+      <p:ext uri="{BB962C8B-B14F-4D97-AF65-F5344CB8AC3E}">
+        <p14:creationId xmlns:p14="http://schemas.microsoft.com/office/powerpoint/2010/main" val="3992552691"/>
+      </p:ext>
+    </p:extLst>
+  </p:cSld>
+  <p:clrMapOvr>
+    <a:masterClrMapping/>
+  </p:clrMapOvr>
+</p:sld>
+</file>
+
+<file path=ppt/slides/slide11.xml><?xml version="1.0" encoding="utf-8"?>
+<p:sld xmlns:a="http://schemas.openxmlformats.org/drawingml/2006/main" xmlns:r="http://schemas.openxmlformats.org/officeDocument/2006/relationships" xmlns:p="http://schemas.openxmlformats.org/presentationml/2006/main">
+  <p:cSld>
+    <p:spTree>
+      <p:nvGrpSpPr>
+        <p:cNvPr id="1" name=""/>
+        <p:cNvGrpSpPr/>
+        <p:nvPr/>
+      </p:nvGrpSpPr>
+      <p:grpSpPr>
+        <a:xfrm>
+          <a:off x="0" y="0"/>
+          <a:ext cx="0" cy="0"/>
+          <a:chOff x="0" y="0"/>
+          <a:chExt cx="0" cy="0"/>
+        </a:xfrm>
+      </p:grpSpPr>
+      <p:sp>
+        <p:nvSpPr>
+          <p:cNvPr id="2" name="Content Placeholder 2">
+            <a:extLst>
+              <a:ext uri="{FF2B5EF4-FFF2-40B4-BE49-F238E27FC236}">
+                <a16:creationId xmlns:a16="http://schemas.microsoft.com/office/drawing/2014/main" id="{BBCF9FDD-9278-437D-B77A-D67EA722EEC3}"/>
+              </a:ext>
+            </a:extLst>
+          </p:cNvPr>
+          <p:cNvSpPr txBox="1">
+            <a:spLocks/>
+          </p:cNvSpPr>
+          <p:nvPr/>
+        </p:nvSpPr>
+        <p:spPr>
+          <a:xfrm>
+            <a:off x="1066800" y="554815"/>
+            <a:ext cx="10040471" cy="5429125"/>
+          </a:xfrm>
+          <a:prstGeom prst="rect">
+            <a:avLst/>
+          </a:prstGeom>
+        </p:spPr>
+        <p:txBody>
+          <a:bodyPr vert="horz" lIns="0" tIns="45720" rIns="0" bIns="45720" rtlCol="0">
+            <a:normAutofit/>
+          </a:bodyPr>
+          <a:lstStyle>
+            <a:lvl1pPr marL="91440" indent="-91440" algn="l" defTabSz="914400" rtl="0" eaLnBrk="1" latinLnBrk="0" hangingPunct="1">
+              <a:lnSpc>
+                <a:spcPct val="90000"/>
+              </a:lnSpc>
+              <a:spcBef>
+                <a:spcPts val="1200"/>
+              </a:spcBef>
+              <a:spcAft>
+                <a:spcPts val="200"/>
+              </a:spcAft>
+              <a:buClr>
+                <a:schemeClr val="accent1"/>
+              </a:buClr>
+              <a:buSzPct val="100000"/>
+              <a:buFont typeface="Calibri" panose="020F0502020204030204" pitchFamily="34" charset="0"/>
+              <a:buChar char=" "/>
+              <a:defRPr sz="2000" kern="1200">
+                <a:solidFill>
+                  <a:schemeClr val="tx1">
+                    <a:lumMod val="75000"/>
+                    <a:lumOff val="25000"/>
+                  </a:schemeClr>
+                </a:solidFill>
+                <a:latin typeface="+mn-lt"/>
+                <a:ea typeface="+mn-ea"/>
+                <a:cs typeface="+mn-cs"/>
+              </a:defRPr>
+            </a:lvl1pPr>
+            <a:lvl2pPr marL="384048" indent="-182880" algn="l" defTabSz="914400" rtl="0" eaLnBrk="1" latinLnBrk="0" hangingPunct="1">
+              <a:lnSpc>
+                <a:spcPct val="90000"/>
+              </a:lnSpc>
+              <a:spcBef>
+                <a:spcPts val="200"/>
+              </a:spcBef>
+              <a:spcAft>
+                <a:spcPts val="400"/>
+              </a:spcAft>
+              <a:buClr>
+                <a:schemeClr val="accent1"/>
+              </a:buClr>
+              <a:buFont typeface="Calibri" pitchFamily="34" charset="0"/>
+              <a:buChar char="◦"/>
+              <a:defRPr sz="1800" kern="1200">
+                <a:solidFill>
+                  <a:schemeClr val="tx1">
+                    <a:lumMod val="75000"/>
+                    <a:lumOff val="25000"/>
+                  </a:schemeClr>
+                </a:solidFill>
+                <a:latin typeface="+mn-lt"/>
+                <a:ea typeface="+mn-ea"/>
+                <a:cs typeface="+mn-cs"/>
+              </a:defRPr>
+            </a:lvl2pPr>
+            <a:lvl3pPr marL="566928" indent="-182880" algn="l" defTabSz="914400" rtl="0" eaLnBrk="1" latinLnBrk="0" hangingPunct="1">
+              <a:lnSpc>
+                <a:spcPct val="90000"/>
+              </a:lnSpc>
+              <a:spcBef>
+                <a:spcPts val="200"/>
+              </a:spcBef>
+              <a:spcAft>
+                <a:spcPts val="400"/>
+              </a:spcAft>
+              <a:buClr>
+                <a:schemeClr val="accent1"/>
+              </a:buClr>
+              <a:buFont typeface="Calibri" pitchFamily="34" charset="0"/>
+              <a:buChar char="◦"/>
+              <a:defRPr sz="1400" kern="1200">
+                <a:solidFill>
+                  <a:schemeClr val="tx1">
+                    <a:lumMod val="75000"/>
+                    <a:lumOff val="25000"/>
+                  </a:schemeClr>
+                </a:solidFill>
+                <a:latin typeface="+mn-lt"/>
+                <a:ea typeface="+mn-ea"/>
+                <a:cs typeface="+mn-cs"/>
+              </a:defRPr>
+            </a:lvl3pPr>
+            <a:lvl4pPr marL="749808" indent="-182880" algn="l" defTabSz="914400" rtl="0" eaLnBrk="1" latinLnBrk="0" hangingPunct="1">
+              <a:lnSpc>
+                <a:spcPct val="90000"/>
+              </a:lnSpc>
+              <a:spcBef>
+                <a:spcPts val="200"/>
+              </a:spcBef>
+              <a:spcAft>
+                <a:spcPts val="400"/>
+              </a:spcAft>
+              <a:buClr>
+                <a:schemeClr val="accent1"/>
+              </a:buClr>
+              <a:buFont typeface="Calibri" pitchFamily="34" charset="0"/>
+              <a:buChar char="◦"/>
+              <a:defRPr sz="1400" kern="1200">
+                <a:solidFill>
+                  <a:schemeClr val="tx1">
+                    <a:lumMod val="75000"/>
+                    <a:lumOff val="25000"/>
+                  </a:schemeClr>
+                </a:solidFill>
+                <a:latin typeface="+mn-lt"/>
+                <a:ea typeface="+mn-ea"/>
+                <a:cs typeface="+mn-cs"/>
+              </a:defRPr>
+            </a:lvl4pPr>
+            <a:lvl5pPr marL="932688" indent="-182880" algn="l" defTabSz="914400" rtl="0" eaLnBrk="1" latinLnBrk="0" hangingPunct="1">
+              <a:lnSpc>
+                <a:spcPct val="90000"/>
+              </a:lnSpc>
+              <a:spcBef>
+                <a:spcPts val="200"/>
+              </a:spcBef>
+              <a:spcAft>
+                <a:spcPts val="400"/>
+              </a:spcAft>
+              <a:buClr>
+                <a:schemeClr val="accent1"/>
+              </a:buClr>
+              <a:buFont typeface="Calibri" pitchFamily="34" charset="0"/>
+              <a:buChar char="◦"/>
+              <a:defRPr sz="1400" kern="1200">
+                <a:solidFill>
+                  <a:schemeClr val="tx1">
+                    <a:lumMod val="75000"/>
+                    <a:lumOff val="25000"/>
+                  </a:schemeClr>
+                </a:solidFill>
+                <a:latin typeface="+mn-lt"/>
+                <a:ea typeface="+mn-ea"/>
+                <a:cs typeface="+mn-cs"/>
+              </a:defRPr>
+            </a:lvl5pPr>
+            <a:lvl6pPr marL="1100000" indent="-228600" algn="l" defTabSz="914400" rtl="0" eaLnBrk="1" latinLnBrk="0" hangingPunct="1">
+              <a:lnSpc>
+                <a:spcPct val="90000"/>
+              </a:lnSpc>
+              <a:spcBef>
+                <a:spcPts val="200"/>
+              </a:spcBef>
+              <a:spcAft>
+                <a:spcPts val="400"/>
+              </a:spcAft>
+              <a:buClr>
+                <a:schemeClr val="accent1"/>
+              </a:buClr>
+              <a:buFont typeface="Calibri" pitchFamily="34" charset="0"/>
+              <a:buChar char="◦"/>
+              <a:defRPr sz="1400" kern="1200">
+                <a:solidFill>
+                  <a:schemeClr val="tx1">
+                    <a:lumMod val="75000"/>
+                    <a:lumOff val="25000"/>
+                  </a:schemeClr>
+                </a:solidFill>
+                <a:latin typeface="+mn-lt"/>
+                <a:ea typeface="+mn-ea"/>
+                <a:cs typeface="+mn-cs"/>
+              </a:defRPr>
+            </a:lvl6pPr>
+            <a:lvl7pPr marL="1300000" indent="-228600" algn="l" defTabSz="914400" rtl="0" eaLnBrk="1" latinLnBrk="0" hangingPunct="1">
+              <a:lnSpc>
+                <a:spcPct val="90000"/>
+              </a:lnSpc>
+              <a:spcBef>
+                <a:spcPts val="200"/>
+              </a:spcBef>
+              <a:spcAft>
+                <a:spcPts val="400"/>
+              </a:spcAft>
+              <a:buClr>
+                <a:schemeClr val="accent1"/>
+              </a:buClr>
+              <a:buFont typeface="Calibri" pitchFamily="34" charset="0"/>
+              <a:buChar char="◦"/>
+              <a:defRPr sz="1400" kern="1200">
+                <a:solidFill>
+                  <a:schemeClr val="tx1">
+                    <a:lumMod val="75000"/>
+                    <a:lumOff val="25000"/>
+                  </a:schemeClr>
+                </a:solidFill>
+                <a:latin typeface="+mn-lt"/>
+                <a:ea typeface="+mn-ea"/>
+                <a:cs typeface="+mn-cs"/>
+              </a:defRPr>
+            </a:lvl7pPr>
+            <a:lvl8pPr marL="1500000" indent="-228600" algn="l" defTabSz="914400" rtl="0" eaLnBrk="1" latinLnBrk="0" hangingPunct="1">
+              <a:lnSpc>
+                <a:spcPct val="90000"/>
+              </a:lnSpc>
+              <a:spcBef>
+                <a:spcPts val="200"/>
+              </a:spcBef>
+              <a:spcAft>
+                <a:spcPts val="400"/>
+              </a:spcAft>
+              <a:buClr>
+                <a:schemeClr val="accent1"/>
+              </a:buClr>
+              <a:buFont typeface="Calibri" pitchFamily="34" charset="0"/>
+              <a:buChar char="◦"/>
+              <a:defRPr sz="1400" kern="1200">
+                <a:solidFill>
+                  <a:schemeClr val="tx1">
+                    <a:lumMod val="75000"/>
+                    <a:lumOff val="25000"/>
+                  </a:schemeClr>
+                </a:solidFill>
+                <a:latin typeface="+mn-lt"/>
+                <a:ea typeface="+mn-ea"/>
+                <a:cs typeface="+mn-cs"/>
+              </a:defRPr>
+            </a:lvl8pPr>
+            <a:lvl9pPr marL="1700000" indent="-228600" algn="l" defTabSz="914400" rtl="0" eaLnBrk="1" latinLnBrk="0" hangingPunct="1">
+              <a:lnSpc>
+                <a:spcPct val="90000"/>
+              </a:lnSpc>
+              <a:spcBef>
+                <a:spcPts val="200"/>
+              </a:spcBef>
+              <a:spcAft>
+                <a:spcPts val="400"/>
+              </a:spcAft>
+              <a:buClr>
+                <a:schemeClr val="accent1"/>
+              </a:buClr>
+              <a:buFont typeface="Calibri" pitchFamily="34" charset="0"/>
+              <a:buChar char="◦"/>
+              <a:defRPr sz="1400" kern="1200">
+                <a:solidFill>
+                  <a:schemeClr val="tx1">
+                    <a:lumMod val="75000"/>
+                    <a:lumOff val="25000"/>
+                  </a:schemeClr>
+                </a:solidFill>
+                <a:latin typeface="+mn-lt"/>
+                <a:ea typeface="+mn-ea"/>
+                <a:cs typeface="+mn-cs"/>
+              </a:defRPr>
+            </a:lvl9pPr>
+          </a:lstStyle>
+          <a:p>
+            <a:pPr>
+              <a:lnSpc>
+                <a:spcPct val="200000"/>
+              </a:lnSpc>
+            </a:pPr>
+            <a:r>
+              <a:rPr lang="en-IN" dirty="0"/>
+              <a:t>Can we make a COVID-19 detection method which:</a:t>
+            </a:r>
+          </a:p>
+          <a:p>
+            <a:pPr marL="749808" lvl="1" indent="-457200">
+              <a:lnSpc>
+                <a:spcPct val="200000"/>
+              </a:lnSpc>
+              <a:buFont typeface="+mj-lt"/>
+              <a:buAutoNum type="arabicPeriod"/>
+            </a:pPr>
+            <a:r>
+              <a:rPr lang="en-IN" dirty="0"/>
+              <a:t>Can give accurate test results in relatively less time?</a:t>
+            </a:r>
+          </a:p>
+          <a:p>
+            <a:pPr marL="749808" lvl="1" indent="-457200">
+              <a:lnSpc>
+                <a:spcPct val="200000"/>
+              </a:lnSpc>
+              <a:buFont typeface="+mj-lt"/>
+              <a:buAutoNum type="arabicPeriod"/>
+            </a:pPr>
+            <a:r>
+              <a:rPr lang="en-IN" dirty="0"/>
+              <a:t>Can be performed more frequently (hourly/daily)?</a:t>
+            </a:r>
+          </a:p>
+          <a:p>
+            <a:pPr marL="749808" lvl="1" indent="-457200">
+              <a:lnSpc>
+                <a:spcPct val="200000"/>
+              </a:lnSpc>
+              <a:buFont typeface="+mj-lt"/>
+              <a:buAutoNum type="arabicPeriod"/>
+            </a:pPr>
+            <a:r>
+              <a:rPr lang="en-IN" dirty="0"/>
+              <a:t>Can detect New Strains?</a:t>
+            </a:r>
+          </a:p>
+          <a:p>
+            <a:pPr marL="749808" lvl="1" indent="-457200">
+              <a:lnSpc>
+                <a:spcPct val="200000"/>
+              </a:lnSpc>
+              <a:buFont typeface="+mj-lt"/>
+              <a:buAutoNum type="arabicPeriod"/>
+            </a:pPr>
+            <a:r>
+              <a:rPr lang="en-IN" dirty="0"/>
+              <a:t>Can be performed without Medical Assistance?</a:t>
+            </a:r>
+          </a:p>
+          <a:p>
+            <a:pPr marL="749808" lvl="1" indent="-457200">
+              <a:lnSpc>
+                <a:spcPct val="200000"/>
+              </a:lnSpc>
+              <a:buFont typeface="+mj-lt"/>
+              <a:buAutoNum type="arabicPeriod"/>
+            </a:pPr>
+            <a:r>
+              <a:rPr lang="en-IN" dirty="0"/>
+              <a:t>Can be cheaper than RTPCR?</a:t>
+            </a:r>
+          </a:p>
+          <a:p>
+            <a:pPr marL="749808" lvl="1" indent="-457200">
+              <a:buFont typeface="+mj-lt"/>
+              <a:buAutoNum type="arabicPeriod"/>
+            </a:pPr>
+            <a:endParaRPr lang="en-IN" dirty="0"/>
+          </a:p>
+          <a:p>
+            <a:pPr marL="749808" lvl="1" indent="-457200">
+              <a:buFont typeface="+mj-lt"/>
+              <a:buAutoNum type="arabicPeriod"/>
+            </a:pPr>
+            <a:endParaRPr lang="en-IN" dirty="0"/>
+          </a:p>
+        </p:txBody>
+      </p:sp>
+    </p:spTree>
+    <p:extLst>
+      <p:ext uri="{BB962C8B-B14F-4D97-AF65-F5344CB8AC3E}">
+        <p14:creationId xmlns:p14="http://schemas.microsoft.com/office/powerpoint/2010/main" val="2567684089"/>
+      </p:ext>
+    </p:extLst>
+  </p:cSld>
+  <p:clrMapOvr>
+    <a:masterClrMapping/>
+  </p:clrMapOvr>
+</p:sld>
+</file>
+
+<file path=ppt/slides/slide12.xml><?xml version="1.0" encoding="utf-8"?>
+<p:sld xmlns:a="http://schemas.openxmlformats.org/drawingml/2006/main" xmlns:r="http://schemas.openxmlformats.org/officeDocument/2006/relationships" xmlns:p="http://schemas.openxmlformats.org/presentationml/2006/main">
+  <p:cSld>
+    <p:spTree>
+      <p:nvGrpSpPr>
+        <p:cNvPr id="1" name=""/>
+        <p:cNvGrpSpPr/>
+        <p:nvPr/>
+      </p:nvGrpSpPr>
+      <p:grpSpPr>
+        <a:xfrm>
+          <a:off x="0" y="0"/>
+          <a:ext cx="0" cy="0"/>
+          <a:chOff x="0" y="0"/>
+          <a:chExt cx="0" cy="0"/>
+        </a:xfrm>
+      </p:grpSpPr>
+      <p:sp>
+        <p:nvSpPr>
+          <p:cNvPr id="2" name="Content Placeholder 2">
+            <a:extLst>
+              <a:ext uri="{FF2B5EF4-FFF2-40B4-BE49-F238E27FC236}">
+                <a16:creationId xmlns:a16="http://schemas.microsoft.com/office/drawing/2014/main" id="{BBCF9FDD-9278-437D-B77A-D67EA722EEC3}"/>
+              </a:ext>
+            </a:extLst>
+          </p:cNvPr>
+          <p:cNvSpPr txBox="1">
+            <a:spLocks/>
+          </p:cNvSpPr>
+          <p:nvPr/>
+        </p:nvSpPr>
+        <p:spPr>
+          <a:xfrm>
+            <a:off x="1066800" y="554815"/>
+            <a:ext cx="10040471" cy="5429125"/>
+          </a:xfrm>
+          <a:prstGeom prst="rect">
+            <a:avLst/>
+          </a:prstGeom>
+        </p:spPr>
+        <p:txBody>
+          <a:bodyPr vert="horz" lIns="0" tIns="45720" rIns="0" bIns="45720" rtlCol="0">
+            <a:normAutofit/>
+          </a:bodyPr>
+          <a:lstStyle>
+            <a:lvl1pPr marL="91440" indent="-91440" algn="l" defTabSz="914400" rtl="0" eaLnBrk="1" latinLnBrk="0" hangingPunct="1">
+              <a:lnSpc>
+                <a:spcPct val="90000"/>
+              </a:lnSpc>
+              <a:spcBef>
+                <a:spcPts val="1200"/>
+              </a:spcBef>
+              <a:spcAft>
+                <a:spcPts val="200"/>
+              </a:spcAft>
+              <a:buClr>
+                <a:schemeClr val="accent1"/>
+              </a:buClr>
+              <a:buSzPct val="100000"/>
+              <a:buFont typeface="Calibri" panose="020F0502020204030204" pitchFamily="34" charset="0"/>
+              <a:buChar char=" "/>
+              <a:defRPr sz="2000" kern="1200">
+                <a:solidFill>
+                  <a:schemeClr val="tx1">
+                    <a:lumMod val="75000"/>
+                    <a:lumOff val="25000"/>
+                  </a:schemeClr>
+                </a:solidFill>
+                <a:latin typeface="+mn-lt"/>
+                <a:ea typeface="+mn-ea"/>
+                <a:cs typeface="+mn-cs"/>
+              </a:defRPr>
+            </a:lvl1pPr>
+            <a:lvl2pPr marL="384048" indent="-182880" algn="l" defTabSz="914400" rtl="0" eaLnBrk="1" latinLnBrk="0" hangingPunct="1">
+              <a:lnSpc>
+                <a:spcPct val="90000"/>
+              </a:lnSpc>
+              <a:spcBef>
+                <a:spcPts val="200"/>
+              </a:spcBef>
+              <a:spcAft>
+                <a:spcPts val="400"/>
+              </a:spcAft>
+              <a:buClr>
+                <a:schemeClr val="accent1"/>
+              </a:buClr>
+              <a:buFont typeface="Calibri" pitchFamily="34" charset="0"/>
+              <a:buChar char="◦"/>
+              <a:defRPr sz="1800" kern="1200">
+                <a:solidFill>
+                  <a:schemeClr val="tx1">
+                    <a:lumMod val="75000"/>
+                    <a:lumOff val="25000"/>
+                  </a:schemeClr>
+                </a:solidFill>
+                <a:latin typeface="+mn-lt"/>
+                <a:ea typeface="+mn-ea"/>
+                <a:cs typeface="+mn-cs"/>
+              </a:defRPr>
+            </a:lvl2pPr>
+            <a:lvl3pPr marL="566928" indent="-182880" algn="l" defTabSz="914400" rtl="0" eaLnBrk="1" latinLnBrk="0" hangingPunct="1">
+              <a:lnSpc>
+                <a:spcPct val="90000"/>
+              </a:lnSpc>
+              <a:spcBef>
+                <a:spcPts val="200"/>
+              </a:spcBef>
+              <a:spcAft>
+                <a:spcPts val="400"/>
+              </a:spcAft>
+              <a:buClr>
+                <a:schemeClr val="accent1"/>
+              </a:buClr>
+              <a:buFont typeface="Calibri" pitchFamily="34" charset="0"/>
+              <a:buChar char="◦"/>
+              <a:defRPr sz="1400" kern="1200">
+                <a:solidFill>
+                  <a:schemeClr val="tx1">
+                    <a:lumMod val="75000"/>
+                    <a:lumOff val="25000"/>
+                  </a:schemeClr>
+                </a:solidFill>
+                <a:latin typeface="+mn-lt"/>
+                <a:ea typeface="+mn-ea"/>
+                <a:cs typeface="+mn-cs"/>
+              </a:defRPr>
+            </a:lvl3pPr>
+            <a:lvl4pPr marL="749808" indent="-182880" algn="l" defTabSz="914400" rtl="0" eaLnBrk="1" latinLnBrk="0" hangingPunct="1">
+              <a:lnSpc>
+                <a:spcPct val="90000"/>
+              </a:lnSpc>
+              <a:spcBef>
+                <a:spcPts val="200"/>
+              </a:spcBef>
+              <a:spcAft>
+                <a:spcPts val="400"/>
+              </a:spcAft>
+              <a:buClr>
+                <a:schemeClr val="accent1"/>
+              </a:buClr>
+              <a:buFont typeface="Calibri" pitchFamily="34" charset="0"/>
+              <a:buChar char="◦"/>
+              <a:defRPr sz="1400" kern="1200">
+                <a:solidFill>
+                  <a:schemeClr val="tx1">
+                    <a:lumMod val="75000"/>
+                    <a:lumOff val="25000"/>
+                  </a:schemeClr>
+                </a:solidFill>
+                <a:latin typeface="+mn-lt"/>
+                <a:ea typeface="+mn-ea"/>
+                <a:cs typeface="+mn-cs"/>
+              </a:defRPr>
+            </a:lvl4pPr>
+            <a:lvl5pPr marL="932688" indent="-182880" algn="l" defTabSz="914400" rtl="0" eaLnBrk="1" latinLnBrk="0" hangingPunct="1">
+              <a:lnSpc>
+                <a:spcPct val="90000"/>
+              </a:lnSpc>
+              <a:spcBef>
+                <a:spcPts val="200"/>
+              </a:spcBef>
+              <a:spcAft>
+                <a:spcPts val="400"/>
+              </a:spcAft>
+              <a:buClr>
+                <a:schemeClr val="accent1"/>
+              </a:buClr>
+              <a:buFont typeface="Calibri" pitchFamily="34" charset="0"/>
+              <a:buChar char="◦"/>
+              <a:defRPr sz="1400" kern="1200">
+                <a:solidFill>
+                  <a:schemeClr val="tx1">
+                    <a:lumMod val="75000"/>
+                    <a:lumOff val="25000"/>
+                  </a:schemeClr>
+                </a:solidFill>
+                <a:latin typeface="+mn-lt"/>
+                <a:ea typeface="+mn-ea"/>
+                <a:cs typeface="+mn-cs"/>
+              </a:defRPr>
+            </a:lvl5pPr>
+            <a:lvl6pPr marL="1100000" indent="-228600" algn="l" defTabSz="914400" rtl="0" eaLnBrk="1" latinLnBrk="0" hangingPunct="1">
+              <a:lnSpc>
+                <a:spcPct val="90000"/>
+              </a:lnSpc>
+              <a:spcBef>
+                <a:spcPts val="200"/>
+              </a:spcBef>
+              <a:spcAft>
+                <a:spcPts val="400"/>
+              </a:spcAft>
+              <a:buClr>
+                <a:schemeClr val="accent1"/>
+              </a:buClr>
+              <a:buFont typeface="Calibri" pitchFamily="34" charset="0"/>
+              <a:buChar char="◦"/>
+              <a:defRPr sz="1400" kern="1200">
+                <a:solidFill>
+                  <a:schemeClr val="tx1">
+                    <a:lumMod val="75000"/>
+                    <a:lumOff val="25000"/>
+                  </a:schemeClr>
+                </a:solidFill>
+                <a:latin typeface="+mn-lt"/>
+                <a:ea typeface="+mn-ea"/>
+                <a:cs typeface="+mn-cs"/>
+              </a:defRPr>
+            </a:lvl6pPr>
+            <a:lvl7pPr marL="1300000" indent="-228600" algn="l" defTabSz="914400" rtl="0" eaLnBrk="1" latinLnBrk="0" hangingPunct="1">
+              <a:lnSpc>
+                <a:spcPct val="90000"/>
+              </a:lnSpc>
+              <a:spcBef>
+                <a:spcPts val="200"/>
+              </a:spcBef>
+              <a:spcAft>
+                <a:spcPts val="400"/>
+              </a:spcAft>
+              <a:buClr>
+                <a:schemeClr val="accent1"/>
+              </a:buClr>
+              <a:buFont typeface="Calibri" pitchFamily="34" charset="0"/>
+              <a:buChar char="◦"/>
+              <a:defRPr sz="1400" kern="1200">
+                <a:solidFill>
+                  <a:schemeClr val="tx1">
+                    <a:lumMod val="75000"/>
+                    <a:lumOff val="25000"/>
+                  </a:schemeClr>
+                </a:solidFill>
+                <a:latin typeface="+mn-lt"/>
+                <a:ea typeface="+mn-ea"/>
+                <a:cs typeface="+mn-cs"/>
+              </a:defRPr>
+            </a:lvl7pPr>
+            <a:lvl8pPr marL="1500000" indent="-228600" algn="l" defTabSz="914400" rtl="0" eaLnBrk="1" latinLnBrk="0" hangingPunct="1">
+              <a:lnSpc>
+                <a:spcPct val="90000"/>
+              </a:lnSpc>
+              <a:spcBef>
+                <a:spcPts val="200"/>
+              </a:spcBef>
+              <a:spcAft>
+                <a:spcPts val="400"/>
+              </a:spcAft>
+              <a:buClr>
+                <a:schemeClr val="accent1"/>
+              </a:buClr>
+              <a:buFont typeface="Calibri" pitchFamily="34" charset="0"/>
+              <a:buChar char="◦"/>
+              <a:defRPr sz="1400" kern="1200">
+                <a:solidFill>
+                  <a:schemeClr val="tx1">
+                    <a:lumMod val="75000"/>
+                    <a:lumOff val="25000"/>
+                  </a:schemeClr>
+                </a:solidFill>
+                <a:latin typeface="+mn-lt"/>
+                <a:ea typeface="+mn-ea"/>
+                <a:cs typeface="+mn-cs"/>
+              </a:defRPr>
+            </a:lvl8pPr>
+            <a:lvl9pPr marL="1700000" indent="-228600" algn="l" defTabSz="914400" rtl="0" eaLnBrk="1" latinLnBrk="0" hangingPunct="1">
+              <a:lnSpc>
+                <a:spcPct val="90000"/>
+              </a:lnSpc>
+              <a:spcBef>
+                <a:spcPts val="200"/>
+              </a:spcBef>
+              <a:spcAft>
+                <a:spcPts val="400"/>
+              </a:spcAft>
+              <a:buClr>
+                <a:schemeClr val="accent1"/>
+              </a:buClr>
+              <a:buFont typeface="Calibri" pitchFamily="34" charset="0"/>
+              <a:buChar char="◦"/>
+              <a:defRPr sz="1400" kern="1200">
+                <a:solidFill>
+                  <a:schemeClr val="tx1">
+                    <a:lumMod val="75000"/>
+                    <a:lumOff val="25000"/>
+                  </a:schemeClr>
+                </a:solidFill>
+                <a:latin typeface="+mn-lt"/>
+                <a:ea typeface="+mn-ea"/>
+                <a:cs typeface="+mn-cs"/>
+              </a:defRPr>
+            </a:lvl9pPr>
+          </a:lstStyle>
+          <a:p>
+            <a:pPr>
+              <a:lnSpc>
+                <a:spcPct val="200000"/>
+              </a:lnSpc>
+            </a:pPr>
+            <a:r>
+              <a:rPr lang="en-IN" dirty="0"/>
+              <a:t>Can we make a COVID-19 detection method which:</a:t>
+            </a:r>
+          </a:p>
+          <a:p>
+            <a:pPr marL="749808" lvl="1" indent="-457200">
+              <a:lnSpc>
+                <a:spcPct val="200000"/>
+              </a:lnSpc>
+              <a:buFont typeface="+mj-lt"/>
+              <a:buAutoNum type="arabicPeriod"/>
+            </a:pPr>
+            <a:r>
+              <a:rPr lang="en-IN" dirty="0"/>
+              <a:t>Can give accurate test results in relatively less time?</a:t>
+            </a:r>
+          </a:p>
+          <a:p>
+            <a:pPr marL="749808" lvl="1" indent="-457200">
+              <a:lnSpc>
+                <a:spcPct val="200000"/>
+              </a:lnSpc>
+              <a:buFont typeface="+mj-lt"/>
+              <a:buAutoNum type="arabicPeriod"/>
+            </a:pPr>
+            <a:r>
+              <a:rPr lang="en-IN" dirty="0"/>
+              <a:t>Can be performed more frequently (hourly/daily)?</a:t>
+            </a:r>
+          </a:p>
+          <a:p>
+            <a:pPr marL="749808" lvl="1" indent="-457200">
+              <a:lnSpc>
+                <a:spcPct val="200000"/>
+              </a:lnSpc>
+              <a:buFont typeface="+mj-lt"/>
+              <a:buAutoNum type="arabicPeriod"/>
+            </a:pPr>
+            <a:r>
+              <a:rPr lang="en-IN" dirty="0"/>
+              <a:t>Can detect New Strains?</a:t>
+            </a:r>
+          </a:p>
+          <a:p>
+            <a:pPr marL="749808" lvl="1" indent="-457200">
+              <a:lnSpc>
+                <a:spcPct val="200000"/>
+              </a:lnSpc>
+              <a:buFont typeface="+mj-lt"/>
+              <a:buAutoNum type="arabicPeriod"/>
+            </a:pPr>
+            <a:r>
+              <a:rPr lang="en-IN" dirty="0"/>
+              <a:t>Can be performed without Medical Assistance?</a:t>
+            </a:r>
+          </a:p>
+          <a:p>
+            <a:pPr marL="749808" lvl="1" indent="-457200">
+              <a:lnSpc>
+                <a:spcPct val="200000"/>
+              </a:lnSpc>
+              <a:buFont typeface="+mj-lt"/>
+              <a:buAutoNum type="arabicPeriod"/>
+            </a:pPr>
+            <a:r>
+              <a:rPr lang="en-IN" dirty="0"/>
+              <a:t>Can be cheaper than RTPCR?</a:t>
+            </a:r>
+          </a:p>
+          <a:p>
+            <a:pPr marL="749808" lvl="1" indent="-457200">
+              <a:buFont typeface="+mj-lt"/>
+              <a:buAutoNum type="arabicPeriod"/>
+            </a:pPr>
+            <a:endParaRPr lang="en-IN" dirty="0"/>
+          </a:p>
+          <a:p>
+            <a:pPr marL="749808" lvl="1" indent="-457200">
+              <a:buFont typeface="+mj-lt"/>
+              <a:buAutoNum type="arabicPeriod"/>
+            </a:pPr>
+            <a:endParaRPr lang="en-IN" dirty="0"/>
+          </a:p>
+        </p:txBody>
+      </p:sp>
+    </p:spTree>
+    <p:extLst>
+      <p:ext uri="{BB962C8B-B14F-4D97-AF65-F5344CB8AC3E}">
+        <p14:creationId xmlns:p14="http://schemas.microsoft.com/office/powerpoint/2010/main" val="4028204794"/>
+      </p:ext>
+    </p:extLst>
+  </p:cSld>
+  <p:clrMapOvr>
+    <a:masterClrMapping/>
+  </p:clrMapOvr>
+</p:sld>
+</file>
+
+<file path=ppt/slides/slide13.xml><?xml version="1.0" encoding="utf-8"?>
+<p:sld xmlns:a="http://schemas.openxmlformats.org/drawingml/2006/main" xmlns:r="http://schemas.openxmlformats.org/officeDocument/2006/relationships" xmlns:p="http://schemas.openxmlformats.org/presentationml/2006/main">
+  <p:cSld>
+    <p:spTree>
+      <p:nvGrpSpPr>
+        <p:cNvPr id="1" name=""/>
+        <p:cNvGrpSpPr/>
+        <p:nvPr/>
+      </p:nvGrpSpPr>
+      <p:grpSpPr>
+        <a:xfrm>
+          <a:off x="0" y="0"/>
+          <a:ext cx="0" cy="0"/>
+          <a:chOff x="0" y="0"/>
+          <a:chExt cx="0" cy="0"/>
+        </a:xfrm>
+      </p:grpSpPr>
+      <p:sp>
+        <p:nvSpPr>
+          <p:cNvPr id="2" name="Content Placeholder 2">
+            <a:extLst>
+              <a:ext uri="{FF2B5EF4-FFF2-40B4-BE49-F238E27FC236}">
+                <a16:creationId xmlns:a16="http://schemas.microsoft.com/office/drawing/2014/main" id="{BBCF9FDD-9278-437D-B77A-D67EA722EEC3}"/>
+              </a:ext>
+            </a:extLst>
+          </p:cNvPr>
+          <p:cNvSpPr txBox="1">
+            <a:spLocks/>
+          </p:cNvSpPr>
+          <p:nvPr/>
+        </p:nvSpPr>
+        <p:spPr>
+          <a:xfrm>
+            <a:off x="1066800" y="554815"/>
+            <a:ext cx="10040471" cy="5429125"/>
+          </a:xfrm>
+          <a:prstGeom prst="rect">
+            <a:avLst/>
+          </a:prstGeom>
+        </p:spPr>
+        <p:txBody>
+          <a:bodyPr vert="horz" lIns="0" tIns="45720" rIns="0" bIns="45720" rtlCol="0">
+            <a:normAutofit/>
+          </a:bodyPr>
+          <a:lstStyle>
+            <a:lvl1pPr marL="91440" indent="-91440" algn="l" defTabSz="914400" rtl="0" eaLnBrk="1" latinLnBrk="0" hangingPunct="1">
+              <a:lnSpc>
+                <a:spcPct val="90000"/>
+              </a:lnSpc>
+              <a:spcBef>
+                <a:spcPts val="1200"/>
+              </a:spcBef>
+              <a:spcAft>
+                <a:spcPts val="200"/>
+              </a:spcAft>
+              <a:buClr>
+                <a:schemeClr val="accent1"/>
+              </a:buClr>
+              <a:buSzPct val="100000"/>
+              <a:buFont typeface="Calibri" panose="020F0502020204030204" pitchFamily="34" charset="0"/>
+              <a:buChar char=" "/>
+              <a:defRPr sz="2000" kern="1200">
+                <a:solidFill>
+                  <a:schemeClr val="tx1">
+                    <a:lumMod val="75000"/>
+                    <a:lumOff val="25000"/>
+                  </a:schemeClr>
+                </a:solidFill>
+                <a:latin typeface="+mn-lt"/>
+                <a:ea typeface="+mn-ea"/>
+                <a:cs typeface="+mn-cs"/>
+              </a:defRPr>
+            </a:lvl1pPr>
+            <a:lvl2pPr marL="384048" indent="-182880" algn="l" defTabSz="914400" rtl="0" eaLnBrk="1" latinLnBrk="0" hangingPunct="1">
+              <a:lnSpc>
+                <a:spcPct val="90000"/>
+              </a:lnSpc>
+              <a:spcBef>
+                <a:spcPts val="200"/>
+              </a:spcBef>
+              <a:spcAft>
+                <a:spcPts val="400"/>
+              </a:spcAft>
+              <a:buClr>
+                <a:schemeClr val="accent1"/>
+              </a:buClr>
+              <a:buFont typeface="Calibri" pitchFamily="34" charset="0"/>
+              <a:buChar char="◦"/>
+              <a:defRPr sz="1800" kern="1200">
+                <a:solidFill>
+                  <a:schemeClr val="tx1">
+                    <a:lumMod val="75000"/>
+                    <a:lumOff val="25000"/>
+                  </a:schemeClr>
+                </a:solidFill>
+                <a:latin typeface="+mn-lt"/>
+                <a:ea typeface="+mn-ea"/>
+                <a:cs typeface="+mn-cs"/>
+              </a:defRPr>
+            </a:lvl2pPr>
+            <a:lvl3pPr marL="566928" indent="-182880" algn="l" defTabSz="914400" rtl="0" eaLnBrk="1" latinLnBrk="0" hangingPunct="1">
+              <a:lnSpc>
+                <a:spcPct val="90000"/>
+              </a:lnSpc>
+              <a:spcBef>
+                <a:spcPts val="200"/>
+              </a:spcBef>
+              <a:spcAft>
+                <a:spcPts val="400"/>
+              </a:spcAft>
+              <a:buClr>
+                <a:schemeClr val="accent1"/>
+              </a:buClr>
+              <a:buFont typeface="Calibri" pitchFamily="34" charset="0"/>
+              <a:buChar char="◦"/>
+              <a:defRPr sz="1400" kern="1200">
+                <a:solidFill>
+                  <a:schemeClr val="tx1">
+                    <a:lumMod val="75000"/>
+                    <a:lumOff val="25000"/>
+                  </a:schemeClr>
+                </a:solidFill>
+                <a:latin typeface="+mn-lt"/>
+                <a:ea typeface="+mn-ea"/>
+                <a:cs typeface="+mn-cs"/>
+              </a:defRPr>
+            </a:lvl3pPr>
+            <a:lvl4pPr marL="749808" indent="-182880" algn="l" defTabSz="914400" rtl="0" eaLnBrk="1" latinLnBrk="0" hangingPunct="1">
+              <a:lnSpc>
+                <a:spcPct val="90000"/>
+              </a:lnSpc>
+              <a:spcBef>
+                <a:spcPts val="200"/>
+              </a:spcBef>
+              <a:spcAft>
+                <a:spcPts val="400"/>
+              </a:spcAft>
+              <a:buClr>
+                <a:schemeClr val="accent1"/>
+              </a:buClr>
+              <a:buFont typeface="Calibri" pitchFamily="34" charset="0"/>
+              <a:buChar char="◦"/>
+              <a:defRPr sz="1400" kern="1200">
+                <a:solidFill>
+                  <a:schemeClr val="tx1">
+                    <a:lumMod val="75000"/>
+                    <a:lumOff val="25000"/>
+                  </a:schemeClr>
+                </a:solidFill>
+                <a:latin typeface="+mn-lt"/>
+                <a:ea typeface="+mn-ea"/>
+                <a:cs typeface="+mn-cs"/>
+              </a:defRPr>
+            </a:lvl4pPr>
+            <a:lvl5pPr marL="932688" indent="-182880" algn="l" defTabSz="914400" rtl="0" eaLnBrk="1" latinLnBrk="0" hangingPunct="1">
+              <a:lnSpc>
+                <a:spcPct val="90000"/>
+              </a:lnSpc>
+              <a:spcBef>
+                <a:spcPts val="200"/>
+              </a:spcBef>
+              <a:spcAft>
+                <a:spcPts val="400"/>
+              </a:spcAft>
+              <a:buClr>
+                <a:schemeClr val="accent1"/>
+              </a:buClr>
+              <a:buFont typeface="Calibri" pitchFamily="34" charset="0"/>
+              <a:buChar char="◦"/>
+              <a:defRPr sz="1400" kern="1200">
+                <a:solidFill>
+                  <a:schemeClr val="tx1">
+                    <a:lumMod val="75000"/>
+                    <a:lumOff val="25000"/>
+                  </a:schemeClr>
+                </a:solidFill>
+                <a:latin typeface="+mn-lt"/>
+                <a:ea typeface="+mn-ea"/>
+                <a:cs typeface="+mn-cs"/>
+              </a:defRPr>
+            </a:lvl5pPr>
+            <a:lvl6pPr marL="1100000" indent="-228600" algn="l" defTabSz="914400" rtl="0" eaLnBrk="1" latinLnBrk="0" hangingPunct="1">
+              <a:lnSpc>
+                <a:spcPct val="90000"/>
+              </a:lnSpc>
+              <a:spcBef>
+                <a:spcPts val="200"/>
+              </a:spcBef>
+              <a:spcAft>
+                <a:spcPts val="400"/>
+              </a:spcAft>
+              <a:buClr>
+                <a:schemeClr val="accent1"/>
+              </a:buClr>
+              <a:buFont typeface="Calibri" pitchFamily="34" charset="0"/>
+              <a:buChar char="◦"/>
+              <a:defRPr sz="1400" kern="1200">
+                <a:solidFill>
+                  <a:schemeClr val="tx1">
+                    <a:lumMod val="75000"/>
+                    <a:lumOff val="25000"/>
+                  </a:schemeClr>
+                </a:solidFill>
+                <a:latin typeface="+mn-lt"/>
+                <a:ea typeface="+mn-ea"/>
+                <a:cs typeface="+mn-cs"/>
+              </a:defRPr>
+            </a:lvl6pPr>
+            <a:lvl7pPr marL="1300000" indent="-228600" algn="l" defTabSz="914400" rtl="0" eaLnBrk="1" latinLnBrk="0" hangingPunct="1">
+              <a:lnSpc>
+                <a:spcPct val="90000"/>
+              </a:lnSpc>
+              <a:spcBef>
+                <a:spcPts val="200"/>
+              </a:spcBef>
+              <a:spcAft>
+                <a:spcPts val="400"/>
+              </a:spcAft>
+              <a:buClr>
+                <a:schemeClr val="accent1"/>
+              </a:buClr>
+              <a:buFont typeface="Calibri" pitchFamily="34" charset="0"/>
+              <a:buChar char="◦"/>
+              <a:defRPr sz="1400" kern="1200">
+                <a:solidFill>
+                  <a:schemeClr val="tx1">
+                    <a:lumMod val="75000"/>
+                    <a:lumOff val="25000"/>
+                  </a:schemeClr>
+                </a:solidFill>
+                <a:latin typeface="+mn-lt"/>
+                <a:ea typeface="+mn-ea"/>
+                <a:cs typeface="+mn-cs"/>
+              </a:defRPr>
+            </a:lvl7pPr>
+            <a:lvl8pPr marL="1500000" indent="-228600" algn="l" defTabSz="914400" rtl="0" eaLnBrk="1" latinLnBrk="0" hangingPunct="1">
+              <a:lnSpc>
+                <a:spcPct val="90000"/>
+              </a:lnSpc>
+              <a:spcBef>
+                <a:spcPts val="200"/>
+              </a:spcBef>
+              <a:spcAft>
+                <a:spcPts val="400"/>
+              </a:spcAft>
+              <a:buClr>
+                <a:schemeClr val="accent1"/>
+              </a:buClr>
+              <a:buFont typeface="Calibri" pitchFamily="34" charset="0"/>
+              <a:buChar char="◦"/>
+              <a:defRPr sz="1400" kern="1200">
+                <a:solidFill>
+                  <a:schemeClr val="tx1">
+                    <a:lumMod val="75000"/>
+                    <a:lumOff val="25000"/>
+                  </a:schemeClr>
+                </a:solidFill>
+                <a:latin typeface="+mn-lt"/>
+                <a:ea typeface="+mn-ea"/>
+                <a:cs typeface="+mn-cs"/>
+              </a:defRPr>
+            </a:lvl8pPr>
+            <a:lvl9pPr marL="1700000" indent="-228600" algn="l" defTabSz="914400" rtl="0" eaLnBrk="1" latinLnBrk="0" hangingPunct="1">
+              <a:lnSpc>
+                <a:spcPct val="90000"/>
+              </a:lnSpc>
+              <a:spcBef>
+                <a:spcPts val="200"/>
+              </a:spcBef>
+              <a:spcAft>
+                <a:spcPts val="400"/>
+              </a:spcAft>
+              <a:buClr>
+                <a:schemeClr val="accent1"/>
+              </a:buClr>
+              <a:buFont typeface="Calibri" pitchFamily="34" charset="0"/>
+              <a:buChar char="◦"/>
+              <a:defRPr sz="1400" kern="1200">
+                <a:solidFill>
+                  <a:schemeClr val="tx1">
+                    <a:lumMod val="75000"/>
+                    <a:lumOff val="25000"/>
+                  </a:schemeClr>
+                </a:solidFill>
+                <a:latin typeface="+mn-lt"/>
+                <a:ea typeface="+mn-ea"/>
+                <a:cs typeface="+mn-cs"/>
+              </a:defRPr>
+            </a:lvl9pPr>
+          </a:lstStyle>
+          <a:p>
+            <a:pPr>
+              <a:lnSpc>
+                <a:spcPct val="200000"/>
+              </a:lnSpc>
+            </a:pPr>
+            <a:r>
+              <a:rPr lang="en-IN" dirty="0"/>
+              <a:t>Can we make a COVID-19 detection method which:</a:t>
+            </a:r>
+          </a:p>
+          <a:p>
+            <a:pPr marL="749808" lvl="1" indent="-457200">
+              <a:lnSpc>
+                <a:spcPct val="200000"/>
+              </a:lnSpc>
+              <a:buFont typeface="+mj-lt"/>
+              <a:buAutoNum type="arabicPeriod"/>
+            </a:pPr>
+            <a:r>
+              <a:rPr lang="en-IN" dirty="0"/>
+              <a:t>Can give accurate test results in relatively less time?</a:t>
+            </a:r>
+          </a:p>
+          <a:p>
+            <a:pPr marL="749808" lvl="1" indent="-457200">
+              <a:lnSpc>
+                <a:spcPct val="200000"/>
+              </a:lnSpc>
+              <a:buFont typeface="+mj-lt"/>
+              <a:buAutoNum type="arabicPeriod"/>
+            </a:pPr>
+            <a:r>
+              <a:rPr lang="en-IN" dirty="0"/>
+              <a:t>Can be performed more frequently (hourly/daily)?</a:t>
+            </a:r>
+          </a:p>
+          <a:p>
+            <a:pPr marL="749808" lvl="1" indent="-457200">
+              <a:lnSpc>
+                <a:spcPct val="200000"/>
+              </a:lnSpc>
+              <a:buFont typeface="+mj-lt"/>
+              <a:buAutoNum type="arabicPeriod"/>
+            </a:pPr>
+            <a:r>
+              <a:rPr lang="en-IN" dirty="0"/>
+              <a:t>Can detect New Strains?</a:t>
+            </a:r>
+          </a:p>
+          <a:p>
+            <a:pPr marL="749808" lvl="1" indent="-457200">
+              <a:lnSpc>
+                <a:spcPct val="200000"/>
+              </a:lnSpc>
+              <a:buFont typeface="+mj-lt"/>
+              <a:buAutoNum type="arabicPeriod"/>
+            </a:pPr>
+            <a:r>
+              <a:rPr lang="en-IN" dirty="0"/>
+              <a:t>Can be performed without Medical Assistance?</a:t>
+            </a:r>
+          </a:p>
+          <a:p>
+            <a:pPr marL="749808" lvl="1" indent="-457200">
+              <a:lnSpc>
+                <a:spcPct val="200000"/>
+              </a:lnSpc>
+              <a:buFont typeface="+mj-lt"/>
+              <a:buAutoNum type="arabicPeriod"/>
+            </a:pPr>
+            <a:r>
+              <a:rPr lang="en-IN" dirty="0"/>
+              <a:t>Can be cheaper than RTPCR?</a:t>
+            </a:r>
+          </a:p>
+          <a:p>
+            <a:pPr marL="749808" lvl="1" indent="-457200">
+              <a:buFont typeface="+mj-lt"/>
+              <a:buAutoNum type="arabicPeriod"/>
+            </a:pPr>
+            <a:endParaRPr lang="en-IN" dirty="0"/>
+          </a:p>
+          <a:p>
+            <a:pPr marL="749808" lvl="1" indent="-457200">
+              <a:buFont typeface="+mj-lt"/>
+              <a:buAutoNum type="arabicPeriod"/>
+            </a:pPr>
+            <a:endParaRPr lang="en-IN" dirty="0"/>
+          </a:p>
+        </p:txBody>
+      </p:sp>
+    </p:spTree>
+    <p:extLst>
+      <p:ext uri="{BB962C8B-B14F-4D97-AF65-F5344CB8AC3E}">
+        <p14:creationId xmlns:p14="http://schemas.microsoft.com/office/powerpoint/2010/main" val="1370672228"/>
       </p:ext>
     </p:extLst>
   </p:cSld>
@@ -4374,10 +6726,10 @@
       </p:grpSpPr>
       <p:sp>
         <p:nvSpPr>
-          <p:cNvPr id="4" name="Title 3">
+          <p:cNvPr id="2" name="Title 1">
             <a:extLst>
               <a:ext uri="{FF2B5EF4-FFF2-40B4-BE49-F238E27FC236}">
-                <a16:creationId xmlns:a16="http://schemas.microsoft.com/office/drawing/2014/main" id="{5F192A36-135B-4EB0-B2FC-1A83331B6E4C}"/>
+                <a16:creationId xmlns:a16="http://schemas.microsoft.com/office/drawing/2014/main" id="{B5AB7449-A711-4B20-A01E-895673345F5E}"/>
               </a:ext>
             </a:extLst>
           </p:cNvPr>
@@ -4388,21 +6740,29 @@
             <p:ph type="title"/>
           </p:nvPr>
         </p:nvSpPr>
-        <p:spPr/>
+        <p:spPr>
+          <a:xfrm>
+            <a:off x="1097280" y="286603"/>
+            <a:ext cx="10058400" cy="1450757"/>
+          </a:xfrm>
+        </p:spPr>
         <p:txBody>
           <a:bodyPr/>
           <a:lstStyle/>
           <a:p>
-            <a:endParaRPr lang="en-IN" dirty="0"/>
-          </a:p>
-        </p:txBody>
-      </p:sp>
-      <p:sp>
-        <p:nvSpPr>
-          <p:cNvPr id="5" name="Content Placeholder 4">
+            <a:r>
+              <a:rPr lang="en-IN" dirty="0"/>
+              <a:t>Introduction</a:t>
+            </a:r>
+          </a:p>
+        </p:txBody>
+      </p:sp>
+      <p:sp>
+        <p:nvSpPr>
+          <p:cNvPr id="3" name="Content Placeholder 2">
             <a:extLst>
               <a:ext uri="{FF2B5EF4-FFF2-40B4-BE49-F238E27FC236}">
-                <a16:creationId xmlns:a16="http://schemas.microsoft.com/office/drawing/2014/main" id="{73C79948-41B8-4425-9DFF-974F03459C6D}"/>
+                <a16:creationId xmlns:a16="http://schemas.microsoft.com/office/drawing/2014/main" id="{956AC4A4-2724-465B-B60B-6300F4E596E8}"/>
               </a:ext>
             </a:extLst>
           </p:cNvPr>
@@ -4410,22 +6770,108 @@
             <a:spLocks noGrp="1"/>
           </p:cNvSpPr>
           <p:nvPr>
-            <p:ph idx="1"/>
-          </p:nvPr>
-        </p:nvSpPr>
-        <p:spPr/>
+            <p:ph idx="4294967295"/>
+          </p:nvPr>
+        </p:nvSpPr>
+        <p:spPr>
+          <a:xfrm>
+            <a:off x="1097280" y="1845734"/>
+            <a:ext cx="10058400" cy="4023360"/>
+          </a:xfrm>
+        </p:spPr>
         <p:txBody>
           <a:bodyPr/>
           <a:lstStyle/>
           <a:p>
-            <a:endParaRPr lang="en-IN"/>
+            <a:pPr>
+              <a:lnSpc>
+                <a:spcPct val="200000"/>
+              </a:lnSpc>
+            </a:pPr>
+            <a:r>
+              <a:rPr lang="en-IN" dirty="0"/>
+              <a:t>The Project consists of 3 Sections:</a:t>
+            </a:r>
+          </a:p>
+          <a:p>
+            <a:pPr marL="749808" lvl="1" indent="-457200">
+              <a:lnSpc>
+                <a:spcPct val="200000"/>
+              </a:lnSpc>
+              <a:buFont typeface="+mj-lt"/>
+              <a:buAutoNum type="arabicPeriod"/>
+            </a:pPr>
+            <a:r>
+              <a:rPr lang="en-IN" dirty="0"/>
+              <a:t>Creating a model for Detection of COVID-19 using Cough Recordings</a:t>
+            </a:r>
+          </a:p>
+          <a:p>
+            <a:pPr marL="749808" lvl="1" indent="-457200">
+              <a:lnSpc>
+                <a:spcPct val="200000"/>
+              </a:lnSpc>
+              <a:buFont typeface="+mj-lt"/>
+              <a:buAutoNum type="arabicPeriod"/>
+            </a:pPr>
+            <a:r>
+              <a:rPr lang="en-IN" dirty="0"/>
+              <a:t>Creating an App for implementing the Model</a:t>
+            </a:r>
+          </a:p>
+          <a:p>
+            <a:pPr marL="749808" lvl="1" indent="-457200">
+              <a:lnSpc>
+                <a:spcPct val="200000"/>
+              </a:lnSpc>
+              <a:buFont typeface="+mj-lt"/>
+              <a:buAutoNum type="arabicPeriod"/>
+            </a:pPr>
+            <a:r>
+              <a:rPr lang="en-IN" dirty="0"/>
+              <a:t>Comparison of First and Second Wave of COVID – 19</a:t>
+            </a:r>
+          </a:p>
+        </p:txBody>
+      </p:sp>
+      <p:sp>
+        <p:nvSpPr>
+          <p:cNvPr id="4" name="Slide Number Placeholder 7">
+            <a:extLst>
+              <a:ext uri="{FF2B5EF4-FFF2-40B4-BE49-F238E27FC236}">
+                <a16:creationId xmlns:a16="http://schemas.microsoft.com/office/drawing/2014/main" id="{DB8F176A-3D31-4A60-ACD6-19A5CD05D01A}"/>
+              </a:ext>
+            </a:extLst>
+          </p:cNvPr>
+          <p:cNvSpPr>
+            <a:spLocks noGrp="1"/>
+          </p:cNvSpPr>
+          <p:nvPr>
+            <p:ph type="sldNum" sz="quarter" idx="12"/>
+          </p:nvPr>
+        </p:nvSpPr>
+        <p:spPr>
+          <a:xfrm>
+            <a:off x="9900458" y="6459785"/>
+            <a:ext cx="1312025" cy="365125"/>
+          </a:xfrm>
+        </p:spPr>
+        <p:txBody>
+          <a:bodyPr/>
+          <a:lstStyle/>
+          <a:p>
+            <a:fld id="{CCAA1144-E559-445C-AEC7-865AEBFCCAD8}" type="slidenum">
+              <a:rPr lang="en-IN" smtClean="0"/>
+              <a:t>2</a:t>
+            </a:fld>
+            <a:endParaRPr lang="en-IN" dirty="0"/>
           </a:p>
         </p:txBody>
       </p:sp>
     </p:spTree>
     <p:extLst>
       <p:ext uri="{BB962C8B-B14F-4D97-AF65-F5344CB8AC3E}">
-        <p14:creationId xmlns:p14="http://schemas.microsoft.com/office/powerpoint/2010/main" val="4254661038"/>
+        <p14:creationId xmlns:p14="http://schemas.microsoft.com/office/powerpoint/2010/main" val="545933575"/>
       </p:ext>
     </p:extLst>
   </p:cSld>
@@ -4468,7 +6914,12 @@
             <p:ph type="title"/>
           </p:nvPr>
         </p:nvSpPr>
-        <p:spPr/>
+        <p:spPr>
+          <a:xfrm>
+            <a:off x="1097280" y="286603"/>
+            <a:ext cx="10058400" cy="1450757"/>
+          </a:xfrm>
+        </p:spPr>
         <p:txBody>
           <a:bodyPr/>
           <a:lstStyle/>
@@ -4506,44 +6957,61 @@
           <a:bodyPr/>
           <a:lstStyle/>
           <a:p>
-            <a:r>
-              <a:rPr lang="en-IN" dirty="0" err="1"/>
-              <a:t>Dsdas</a:t>
+            <a:pPr>
+              <a:lnSpc>
+                <a:spcPct val="200000"/>
+              </a:lnSpc>
+              <a:buFont typeface="Arial" panose="020B0604020202020204" pitchFamily="34" charset="0"/>
+              <a:buChar char="•"/>
+            </a:pPr>
+            <a:r>
+              <a:rPr lang="en-IN" sz="1800" dirty="0">
+                <a:latin typeface="Calibri" panose="020F0502020204030204" pitchFamily="34" charset="0"/>
+              </a:rPr>
+              <a:t> Creating a COVID – 19 Cough Classifier using Machine Learning Techniques</a:t>
             </a:r>
             <a:endParaRPr lang="en-IN" dirty="0"/>
           </a:p>
-          <a:p>
-            <a:r>
-              <a:rPr lang="en-IN" dirty="0" err="1"/>
-              <a:t>Sadasdas</a:t>
-            </a:r>
+        </p:txBody>
+      </p:sp>
+      <p:sp>
+        <p:nvSpPr>
+          <p:cNvPr id="4" name="Slide Number Placeholder 7">
+            <a:extLst>
+              <a:ext uri="{FF2B5EF4-FFF2-40B4-BE49-F238E27FC236}">
+                <a16:creationId xmlns:a16="http://schemas.microsoft.com/office/drawing/2014/main" id="{DB8F176A-3D31-4A60-ACD6-19A5CD05D01A}"/>
+              </a:ext>
+            </a:extLst>
+          </p:cNvPr>
+          <p:cNvSpPr>
+            <a:spLocks noGrp="1"/>
+          </p:cNvSpPr>
+          <p:nvPr>
+            <p:ph type="sldNum" sz="quarter" idx="12"/>
+          </p:nvPr>
+        </p:nvSpPr>
+        <p:spPr>
+          <a:xfrm>
+            <a:off x="9900458" y="6459785"/>
+            <a:ext cx="1312025" cy="365125"/>
+          </a:xfrm>
+        </p:spPr>
+        <p:txBody>
+          <a:bodyPr/>
+          <a:lstStyle/>
+          <a:p>
+            <a:fld id="{CCAA1144-E559-445C-AEC7-865AEBFCCAD8}" type="slidenum">
+              <a:rPr lang="en-IN" smtClean="0"/>
+              <a:t>3</a:t>
+            </a:fld>
             <a:endParaRPr lang="en-IN" dirty="0"/>
-          </a:p>
-          <a:p>
-            <a:r>
-              <a:rPr lang="en-IN" dirty="0" err="1"/>
-              <a:t>Dasdas</a:t>
-            </a:r>
-            <a:endParaRPr lang="en-IN" dirty="0"/>
-          </a:p>
-          <a:p>
-            <a:r>
-              <a:rPr lang="en-IN" dirty="0"/>
-              <a:t>Das</a:t>
-            </a:r>
-          </a:p>
-          <a:p>
-            <a:r>
-              <a:rPr lang="en-IN" dirty="0"/>
-              <a:t>d</a:t>
-            </a:r>
           </a:p>
         </p:txBody>
       </p:sp>
     </p:spTree>
     <p:extLst>
       <p:ext uri="{BB962C8B-B14F-4D97-AF65-F5344CB8AC3E}">
-        <p14:creationId xmlns:p14="http://schemas.microsoft.com/office/powerpoint/2010/main" val="545933575"/>
+        <p14:creationId xmlns:p14="http://schemas.microsoft.com/office/powerpoint/2010/main" val="1840517658"/>
       </p:ext>
     </p:extLst>
   </p:cSld>
@@ -4700,7 +7168,7 @@
             </a:pPr>
             <a:r>
               <a:rPr lang="en-IN" dirty="0"/>
-              <a:t>Limited Frequency of tests</a:t>
+              <a:t>Limited frequency of tests</a:t>
             </a:r>
           </a:p>
           <a:p>
@@ -4714,6 +7182,19 @@
             <a:r>
               <a:rPr lang="en-IN" dirty="0"/>
               <a:t>Doesn’t account for new strains</a:t>
+            </a:r>
+          </a:p>
+          <a:p>
+            <a:pPr lvl="2">
+              <a:lnSpc>
+                <a:spcPct val="200000"/>
+              </a:lnSpc>
+              <a:buFont typeface="Arial" panose="020B0604020202020204" pitchFamily="34" charset="0"/>
+              <a:buChar char="•"/>
+            </a:pPr>
+            <a:r>
+              <a:rPr lang="en-IN" dirty="0"/>
+              <a:t>Can be performed only by medical professionals </a:t>
             </a:r>
           </a:p>
           <a:p>
@@ -4755,11 +7236,17 @@
             <p:ph type="ftr" sz="quarter" idx="11"/>
           </p:nvPr>
         </p:nvSpPr>
-        <p:spPr/>
+        <p:spPr>
+          <a:xfrm>
+            <a:off x="150483" y="6459785"/>
+            <a:ext cx="4822804" cy="365125"/>
+          </a:xfrm>
+        </p:spPr>
         <p:txBody>
           <a:bodyPr/>
           <a:lstStyle/>
           <a:p>
+            <a:pPr algn="l"/>
             <a:r>
               <a:rPr lang="en-IN" dirty="0"/>
               <a:t>Source:  CDC, IHME, OXFORD</a:t>
@@ -4783,7 +7270,12 @@
             <p:ph type="sldNum" sz="quarter" idx="12"/>
           </p:nvPr>
         </p:nvSpPr>
-        <p:spPr/>
+        <p:spPr>
+          <a:xfrm>
+            <a:off x="9900458" y="6459785"/>
+            <a:ext cx="1312025" cy="365125"/>
+          </a:xfrm>
+        </p:spPr>
         <p:txBody>
           <a:bodyPr/>
           <a:lstStyle/>
@@ -4792,7 +7284,7 @@
               <a:rPr lang="en-IN" smtClean="0"/>
               <a:t>4</a:t>
             </a:fld>
-            <a:endParaRPr lang="en-IN"/>
+            <a:endParaRPr lang="en-IN" dirty="0"/>
           </a:p>
         </p:txBody>
       </p:sp>
@@ -4885,7 +7377,12 @@
             <p:ph type="title"/>
           </p:nvPr>
         </p:nvSpPr>
-        <p:spPr/>
+        <p:spPr>
+          <a:xfrm>
+            <a:off x="1097280" y="286603"/>
+            <a:ext cx="10058400" cy="1450757"/>
+          </a:xfrm>
+        </p:spPr>
         <p:txBody>
           <a:bodyPr/>
           <a:lstStyle/>
@@ -4923,7 +7420,162 @@
           <a:bodyPr/>
           <a:lstStyle/>
           <a:p>
-            <a:endParaRPr lang="en-IN"/>
+            <a:pPr>
+              <a:lnSpc>
+                <a:spcPct val="200000"/>
+              </a:lnSpc>
+            </a:pPr>
+            <a:r>
+              <a:rPr lang="en-IN" dirty="0"/>
+              <a:t>Can we make a COVID-19 detection method which:</a:t>
+            </a:r>
+          </a:p>
+          <a:p>
+            <a:pPr marL="749808" lvl="1" indent="-457200">
+              <a:lnSpc>
+                <a:spcPct val="200000"/>
+              </a:lnSpc>
+              <a:buFont typeface="+mj-lt"/>
+              <a:buAutoNum type="arabicPeriod"/>
+            </a:pPr>
+            <a:r>
+              <a:rPr lang="en-IN" dirty="0"/>
+              <a:t>Can give accurate test results in relatively less time?</a:t>
+            </a:r>
+          </a:p>
+          <a:p>
+            <a:pPr marL="749808" lvl="1" indent="-457200">
+              <a:lnSpc>
+                <a:spcPct val="200000"/>
+              </a:lnSpc>
+              <a:buFont typeface="+mj-lt"/>
+              <a:buAutoNum type="arabicPeriod"/>
+            </a:pPr>
+            <a:r>
+              <a:rPr lang="en-IN" dirty="0"/>
+              <a:t>Can be performed more frequently (hourly/daily)?</a:t>
+            </a:r>
+          </a:p>
+          <a:p>
+            <a:pPr marL="749808" lvl="1" indent="-457200">
+              <a:lnSpc>
+                <a:spcPct val="200000"/>
+              </a:lnSpc>
+              <a:buFont typeface="+mj-lt"/>
+              <a:buAutoNum type="arabicPeriod"/>
+            </a:pPr>
+            <a:r>
+              <a:rPr lang="en-IN" dirty="0"/>
+              <a:t>Can detect New Strains?</a:t>
+            </a:r>
+          </a:p>
+          <a:p>
+            <a:pPr marL="749808" lvl="1" indent="-457200">
+              <a:lnSpc>
+                <a:spcPct val="200000"/>
+              </a:lnSpc>
+              <a:buFont typeface="+mj-lt"/>
+              <a:buAutoNum type="arabicPeriod"/>
+            </a:pPr>
+            <a:r>
+              <a:rPr lang="en-IN" dirty="0"/>
+              <a:t>Can be performed without Medical Assistance?</a:t>
+            </a:r>
+          </a:p>
+          <a:p>
+            <a:pPr marL="749808" lvl="1" indent="-457200">
+              <a:lnSpc>
+                <a:spcPct val="200000"/>
+              </a:lnSpc>
+              <a:buFont typeface="+mj-lt"/>
+              <a:buAutoNum type="arabicPeriod"/>
+            </a:pPr>
+            <a:r>
+              <a:rPr lang="en-IN" dirty="0"/>
+              <a:t>Can be cheaper than RTPCR?</a:t>
+            </a:r>
+          </a:p>
+          <a:p>
+            <a:pPr marL="749808" lvl="1" indent="-457200">
+              <a:buFont typeface="+mj-lt"/>
+              <a:buAutoNum type="arabicPeriod"/>
+            </a:pPr>
+            <a:endParaRPr lang="en-IN" dirty="0"/>
+          </a:p>
+          <a:p>
+            <a:pPr marL="749808" lvl="1" indent="-457200">
+              <a:buFont typeface="+mj-lt"/>
+              <a:buAutoNum type="arabicPeriod"/>
+            </a:pPr>
+            <a:endParaRPr lang="en-IN" dirty="0"/>
+          </a:p>
+        </p:txBody>
+      </p:sp>
+      <p:sp>
+        <p:nvSpPr>
+          <p:cNvPr id="4" name="Footer Placeholder 6">
+            <a:extLst>
+              <a:ext uri="{FF2B5EF4-FFF2-40B4-BE49-F238E27FC236}">
+                <a16:creationId xmlns:a16="http://schemas.microsoft.com/office/drawing/2014/main" id="{ECCB67AC-C8F4-4C0C-B5DB-D2F87CA54052}"/>
+              </a:ext>
+            </a:extLst>
+          </p:cNvPr>
+          <p:cNvSpPr>
+            <a:spLocks noGrp="1"/>
+          </p:cNvSpPr>
+          <p:nvPr>
+            <p:ph type="ftr" sz="quarter" idx="11"/>
+          </p:nvPr>
+        </p:nvSpPr>
+        <p:spPr>
+          <a:xfrm>
+            <a:off x="150483" y="6459785"/>
+            <a:ext cx="4822804" cy="365125"/>
+          </a:xfrm>
+        </p:spPr>
+        <p:txBody>
+          <a:bodyPr/>
+          <a:lstStyle/>
+          <a:p>
+            <a:pPr algn="l"/>
+            <a:r>
+              <a:rPr lang="en-IN" dirty="0"/>
+              <a:t>Source:  health-desk, Times of INDIA</a:t>
+            </a:r>
+          </a:p>
+        </p:txBody>
+      </p:sp>
+      <p:sp>
+        <p:nvSpPr>
+          <p:cNvPr id="5" name="Slide Number Placeholder 7">
+            <a:extLst>
+              <a:ext uri="{FF2B5EF4-FFF2-40B4-BE49-F238E27FC236}">
+                <a16:creationId xmlns:a16="http://schemas.microsoft.com/office/drawing/2014/main" id="{E499982F-FF0E-44B7-9D60-25C5EF36B14B}"/>
+              </a:ext>
+            </a:extLst>
+          </p:cNvPr>
+          <p:cNvSpPr>
+            <a:spLocks noGrp="1"/>
+          </p:cNvSpPr>
+          <p:nvPr>
+            <p:ph type="sldNum" sz="quarter" idx="12"/>
+          </p:nvPr>
+        </p:nvSpPr>
+        <p:spPr>
+          <a:xfrm>
+            <a:off x="9900458" y="6459785"/>
+            <a:ext cx="1312025" cy="365125"/>
+          </a:xfrm>
+        </p:spPr>
+        <p:txBody>
+          <a:bodyPr/>
+          <a:lstStyle/>
+          <a:p>
+            <a:fld id="{CCAA1144-E559-445C-AEC7-865AEBFCCAD8}" type="slidenum">
+              <a:rPr lang="en-IN" smtClean="0"/>
+              <a:t>5</a:t>
+            </a:fld>
+            <a:endParaRPr lang="en-IN" dirty="0"/>
           </a:p>
         </p:txBody>
       </p:sp>
@@ -4931,6 +7583,856 @@
     <p:extLst>
       <p:ext uri="{BB962C8B-B14F-4D97-AF65-F5344CB8AC3E}">
         <p14:creationId xmlns:p14="http://schemas.microsoft.com/office/powerpoint/2010/main" val="3339107633"/>
+      </p:ext>
+    </p:extLst>
+  </p:cSld>
+  <p:clrMapOvr>
+    <a:masterClrMapping/>
+  </p:clrMapOvr>
+</p:sld>
+</file>
+
+<file path=ppt/slides/slide6.xml><?xml version="1.0" encoding="utf-8"?>
+<p:sld xmlns:a="http://schemas.openxmlformats.org/drawingml/2006/main" xmlns:r="http://schemas.openxmlformats.org/officeDocument/2006/relationships" xmlns:p="http://schemas.openxmlformats.org/presentationml/2006/main">
+  <p:cSld>
+    <p:spTree>
+      <p:nvGrpSpPr>
+        <p:cNvPr id="1" name=""/>
+        <p:cNvGrpSpPr/>
+        <p:nvPr/>
+      </p:nvGrpSpPr>
+      <p:grpSpPr>
+        <a:xfrm>
+          <a:off x="0" y="0"/>
+          <a:ext cx="0" cy="0"/>
+          <a:chOff x="0" y="0"/>
+          <a:chExt cx="0" cy="0"/>
+        </a:xfrm>
+      </p:grpSpPr>
+      <p:sp>
+        <p:nvSpPr>
+          <p:cNvPr id="2" name="Content Placeholder 1">
+            <a:extLst>
+              <a:ext uri="{FF2B5EF4-FFF2-40B4-BE49-F238E27FC236}">
+                <a16:creationId xmlns:a16="http://schemas.microsoft.com/office/drawing/2014/main" id="{56FD7F9B-150E-49EE-8390-4412BFF8C53E}"/>
+              </a:ext>
+            </a:extLst>
+          </p:cNvPr>
+          <p:cNvSpPr>
+            <a:spLocks noGrp="1"/>
+          </p:cNvSpPr>
+          <p:nvPr>
+            <p:ph idx="1"/>
+          </p:nvPr>
+        </p:nvSpPr>
+        <p:spPr/>
+        <p:txBody>
+          <a:bodyPr>
+            <a:noAutofit/>
+          </a:bodyPr>
+          <a:lstStyle/>
+          <a:p>
+            <a:pPr marL="0">
+              <a:lnSpc>
+                <a:spcPct val="100000"/>
+              </a:lnSpc>
+              <a:spcBef>
+                <a:spcPts val="1500"/>
+              </a:spcBef>
+              <a:spcAft>
+                <a:spcPts val="1500"/>
+              </a:spcAft>
+              <a:buFont typeface="Arial" panose="020B0604020202020204" pitchFamily="34" charset="0"/>
+              <a:buChar char="•"/>
+            </a:pPr>
+            <a:r>
+              <a:rPr lang="en-IN" sz="1800" dirty="0"/>
+              <a:t> In recent years, studies have suggested the use of acoustic features for identifying respiratory diseases in cough signals</a:t>
+            </a:r>
+          </a:p>
+          <a:p>
+            <a:pPr marL="0">
+              <a:lnSpc>
+                <a:spcPct val="100000"/>
+              </a:lnSpc>
+              <a:spcBef>
+                <a:spcPts val="1500"/>
+              </a:spcBef>
+              <a:spcAft>
+                <a:spcPts val="1500"/>
+              </a:spcAft>
+              <a:buFont typeface="Arial" panose="020B0604020202020204" pitchFamily="34" charset="0"/>
+              <a:buChar char="•"/>
+            </a:pPr>
+            <a:r>
+              <a:rPr lang="en-IN" sz="1800" dirty="0"/>
+              <a:t> Several studies have used Machine Learning techniques to process respiratory data and cough sounds</a:t>
+            </a:r>
+          </a:p>
+          <a:p>
+            <a:pPr marL="0">
+              <a:lnSpc>
+                <a:spcPct val="100000"/>
+              </a:lnSpc>
+              <a:spcBef>
+                <a:spcPts val="1500"/>
+              </a:spcBef>
+              <a:spcAft>
+                <a:spcPts val="1500"/>
+              </a:spcAft>
+              <a:buFont typeface="Arial" panose="020B0604020202020204" pitchFamily="34" charset="0"/>
+              <a:buChar char="•"/>
+            </a:pPr>
+            <a:r>
+              <a:rPr lang="en-IN" sz="1800" dirty="0"/>
+              <a:t> Researchers have also found some alteration in frequency characteristics of sound due to presence of COVID-19 in the lungs </a:t>
+            </a:r>
+          </a:p>
+          <a:p>
+            <a:pPr marL="0">
+              <a:lnSpc>
+                <a:spcPct val="100000"/>
+              </a:lnSpc>
+              <a:spcBef>
+                <a:spcPts val="1500"/>
+              </a:spcBef>
+              <a:spcAft>
+                <a:spcPts val="1500"/>
+              </a:spcAft>
+              <a:buFont typeface="Arial" panose="020B0604020202020204" pitchFamily="34" charset="0"/>
+              <a:buChar char="•"/>
+            </a:pPr>
+            <a:r>
+              <a:rPr lang="en-IN" sz="1800" dirty="0"/>
+              <a:t> Certain metrics like MFCCs(Mel Frequency Cepstral Coefficients), Zero Crossing Rate, Spectral Centroid have become state-of-the-art features to extract information out of sounds</a:t>
+            </a:r>
+          </a:p>
+          <a:p>
+            <a:pPr marL="0">
+              <a:lnSpc>
+                <a:spcPct val="100000"/>
+              </a:lnSpc>
+              <a:spcBef>
+                <a:spcPts val="1500"/>
+              </a:spcBef>
+              <a:spcAft>
+                <a:spcPts val="1500"/>
+              </a:spcAft>
+              <a:buFont typeface="Arial" panose="020B0604020202020204" pitchFamily="34" charset="0"/>
+              <a:buChar char="•"/>
+            </a:pPr>
+            <a:r>
+              <a:rPr lang="en-IN" sz="1800" dirty="0"/>
+              <a:t> Techniques like Deep Learning, Hidden Markov Models, Support Vector Machines have been used to detect cough sounds in voice recordings and to detect presence of COVID – 19 in cough sounds</a:t>
+            </a:r>
+          </a:p>
+        </p:txBody>
+      </p:sp>
+      <p:sp>
+        <p:nvSpPr>
+          <p:cNvPr id="3" name="Title 2">
+            <a:extLst>
+              <a:ext uri="{FF2B5EF4-FFF2-40B4-BE49-F238E27FC236}">
+                <a16:creationId xmlns:a16="http://schemas.microsoft.com/office/drawing/2014/main" id="{39500148-CB77-4283-9A61-8D5D6485058D}"/>
+              </a:ext>
+            </a:extLst>
+          </p:cNvPr>
+          <p:cNvSpPr>
+            <a:spLocks noGrp="1"/>
+          </p:cNvSpPr>
+          <p:nvPr>
+            <p:ph type="title"/>
+          </p:nvPr>
+        </p:nvSpPr>
+        <p:spPr/>
+        <p:txBody>
+          <a:bodyPr/>
+          <a:lstStyle/>
+          <a:p>
+            <a:r>
+              <a:rPr lang="en-IN" dirty="0"/>
+              <a:t>Literature Review</a:t>
+            </a:r>
+          </a:p>
+        </p:txBody>
+      </p:sp>
+      <p:sp>
+        <p:nvSpPr>
+          <p:cNvPr id="4" name="Slide Number Placeholder 7">
+            <a:extLst>
+              <a:ext uri="{FF2B5EF4-FFF2-40B4-BE49-F238E27FC236}">
+                <a16:creationId xmlns:a16="http://schemas.microsoft.com/office/drawing/2014/main" id="{36BE0F84-9931-41E7-BBC1-5AC031A8069F}"/>
+              </a:ext>
+            </a:extLst>
+          </p:cNvPr>
+          <p:cNvSpPr>
+            <a:spLocks noGrp="1"/>
+          </p:cNvSpPr>
+          <p:nvPr>
+            <p:ph type="sldNum" sz="quarter" idx="12"/>
+          </p:nvPr>
+        </p:nvSpPr>
+        <p:spPr>
+          <a:xfrm>
+            <a:off x="9900458" y="6459785"/>
+            <a:ext cx="1312025" cy="365125"/>
+          </a:xfrm>
+        </p:spPr>
+        <p:txBody>
+          <a:bodyPr/>
+          <a:lstStyle/>
+          <a:p>
+            <a:fld id="{CCAA1144-E559-445C-AEC7-865AEBFCCAD8}" type="slidenum">
+              <a:rPr lang="en-IN" smtClean="0"/>
+              <a:t>6</a:t>
+            </a:fld>
+            <a:endParaRPr lang="en-IN" dirty="0"/>
+          </a:p>
+        </p:txBody>
+      </p:sp>
+    </p:spTree>
+    <p:extLst>
+      <p:ext uri="{BB962C8B-B14F-4D97-AF65-F5344CB8AC3E}">
+        <p14:creationId xmlns:p14="http://schemas.microsoft.com/office/powerpoint/2010/main" val="3076061564"/>
+      </p:ext>
+    </p:extLst>
+  </p:cSld>
+  <p:clrMapOvr>
+    <a:masterClrMapping/>
+  </p:clrMapOvr>
+</p:sld>
+</file>
+
+<file path=ppt/slides/slide7.xml><?xml version="1.0" encoding="utf-8"?>
+<p:sld xmlns:a="http://schemas.openxmlformats.org/drawingml/2006/main" xmlns:r="http://schemas.openxmlformats.org/officeDocument/2006/relationships" xmlns:p="http://schemas.openxmlformats.org/presentationml/2006/main">
+  <p:cSld>
+    <p:spTree>
+      <p:nvGrpSpPr>
+        <p:cNvPr id="1" name=""/>
+        <p:cNvGrpSpPr/>
+        <p:nvPr/>
+      </p:nvGrpSpPr>
+      <p:grpSpPr>
+        <a:xfrm>
+          <a:off x="0" y="0"/>
+          <a:ext cx="0" cy="0"/>
+          <a:chOff x="0" y="0"/>
+          <a:chExt cx="0" cy="0"/>
+        </a:xfrm>
+      </p:grpSpPr>
+      <p:sp>
+        <p:nvSpPr>
+          <p:cNvPr id="4" name="Content Placeholder 2">
+            <a:extLst>
+              <a:ext uri="{FF2B5EF4-FFF2-40B4-BE49-F238E27FC236}">
+                <a16:creationId xmlns:a16="http://schemas.microsoft.com/office/drawing/2014/main" id="{27394E6D-938C-41A8-932F-6C52F5DE215E}"/>
+              </a:ext>
+            </a:extLst>
+          </p:cNvPr>
+          <p:cNvSpPr txBox="1">
+            <a:spLocks/>
+          </p:cNvSpPr>
+          <p:nvPr/>
+        </p:nvSpPr>
+        <p:spPr>
+          <a:xfrm>
+            <a:off x="1066800" y="554815"/>
+            <a:ext cx="10040471" cy="5429125"/>
+          </a:xfrm>
+          <a:prstGeom prst="rect">
+            <a:avLst/>
+          </a:prstGeom>
+        </p:spPr>
+        <p:txBody>
+          <a:bodyPr vert="horz" lIns="0" tIns="45720" rIns="0" bIns="45720" rtlCol="0">
+            <a:normAutofit/>
+          </a:bodyPr>
+          <a:lstStyle>
+            <a:lvl1pPr marL="91440" indent="-91440" algn="l" defTabSz="914400" rtl="0" eaLnBrk="1" latinLnBrk="0" hangingPunct="1">
+              <a:lnSpc>
+                <a:spcPct val="90000"/>
+              </a:lnSpc>
+              <a:spcBef>
+                <a:spcPts val="1200"/>
+              </a:spcBef>
+              <a:spcAft>
+                <a:spcPts val="200"/>
+              </a:spcAft>
+              <a:buClr>
+                <a:schemeClr val="accent1"/>
+              </a:buClr>
+              <a:buSzPct val="100000"/>
+              <a:buFont typeface="Calibri" panose="020F0502020204030204" pitchFamily="34" charset="0"/>
+              <a:buChar char=" "/>
+              <a:defRPr sz="2000" kern="1200">
+                <a:solidFill>
+                  <a:schemeClr val="tx1">
+                    <a:lumMod val="75000"/>
+                    <a:lumOff val="25000"/>
+                  </a:schemeClr>
+                </a:solidFill>
+                <a:latin typeface="+mn-lt"/>
+                <a:ea typeface="+mn-ea"/>
+                <a:cs typeface="+mn-cs"/>
+              </a:defRPr>
+            </a:lvl1pPr>
+            <a:lvl2pPr marL="384048" indent="-182880" algn="l" defTabSz="914400" rtl="0" eaLnBrk="1" latinLnBrk="0" hangingPunct="1">
+              <a:lnSpc>
+                <a:spcPct val="90000"/>
+              </a:lnSpc>
+              <a:spcBef>
+                <a:spcPts val="200"/>
+              </a:spcBef>
+              <a:spcAft>
+                <a:spcPts val="400"/>
+              </a:spcAft>
+              <a:buClr>
+                <a:schemeClr val="accent1"/>
+              </a:buClr>
+              <a:buFont typeface="Calibri" pitchFamily="34" charset="0"/>
+              <a:buChar char="◦"/>
+              <a:defRPr sz="1800" kern="1200">
+                <a:solidFill>
+                  <a:schemeClr val="tx1">
+                    <a:lumMod val="75000"/>
+                    <a:lumOff val="25000"/>
+                  </a:schemeClr>
+                </a:solidFill>
+                <a:latin typeface="+mn-lt"/>
+                <a:ea typeface="+mn-ea"/>
+                <a:cs typeface="+mn-cs"/>
+              </a:defRPr>
+            </a:lvl2pPr>
+            <a:lvl3pPr marL="566928" indent="-182880" algn="l" defTabSz="914400" rtl="0" eaLnBrk="1" latinLnBrk="0" hangingPunct="1">
+              <a:lnSpc>
+                <a:spcPct val="90000"/>
+              </a:lnSpc>
+              <a:spcBef>
+                <a:spcPts val="200"/>
+              </a:spcBef>
+              <a:spcAft>
+                <a:spcPts val="400"/>
+              </a:spcAft>
+              <a:buClr>
+                <a:schemeClr val="accent1"/>
+              </a:buClr>
+              <a:buFont typeface="Calibri" pitchFamily="34" charset="0"/>
+              <a:buChar char="◦"/>
+              <a:defRPr sz="1400" kern="1200">
+                <a:solidFill>
+                  <a:schemeClr val="tx1">
+                    <a:lumMod val="75000"/>
+                    <a:lumOff val="25000"/>
+                  </a:schemeClr>
+                </a:solidFill>
+                <a:latin typeface="+mn-lt"/>
+                <a:ea typeface="+mn-ea"/>
+                <a:cs typeface="+mn-cs"/>
+              </a:defRPr>
+            </a:lvl3pPr>
+            <a:lvl4pPr marL="749808" indent="-182880" algn="l" defTabSz="914400" rtl="0" eaLnBrk="1" latinLnBrk="0" hangingPunct="1">
+              <a:lnSpc>
+                <a:spcPct val="90000"/>
+              </a:lnSpc>
+              <a:spcBef>
+                <a:spcPts val="200"/>
+              </a:spcBef>
+              <a:spcAft>
+                <a:spcPts val="400"/>
+              </a:spcAft>
+              <a:buClr>
+                <a:schemeClr val="accent1"/>
+              </a:buClr>
+              <a:buFont typeface="Calibri" pitchFamily="34" charset="0"/>
+              <a:buChar char="◦"/>
+              <a:defRPr sz="1400" kern="1200">
+                <a:solidFill>
+                  <a:schemeClr val="tx1">
+                    <a:lumMod val="75000"/>
+                    <a:lumOff val="25000"/>
+                  </a:schemeClr>
+                </a:solidFill>
+                <a:latin typeface="+mn-lt"/>
+                <a:ea typeface="+mn-ea"/>
+                <a:cs typeface="+mn-cs"/>
+              </a:defRPr>
+            </a:lvl4pPr>
+            <a:lvl5pPr marL="932688" indent="-182880" algn="l" defTabSz="914400" rtl="0" eaLnBrk="1" latinLnBrk="0" hangingPunct="1">
+              <a:lnSpc>
+                <a:spcPct val="90000"/>
+              </a:lnSpc>
+              <a:spcBef>
+                <a:spcPts val="200"/>
+              </a:spcBef>
+              <a:spcAft>
+                <a:spcPts val="400"/>
+              </a:spcAft>
+              <a:buClr>
+                <a:schemeClr val="accent1"/>
+              </a:buClr>
+              <a:buFont typeface="Calibri" pitchFamily="34" charset="0"/>
+              <a:buChar char="◦"/>
+              <a:defRPr sz="1400" kern="1200">
+                <a:solidFill>
+                  <a:schemeClr val="tx1">
+                    <a:lumMod val="75000"/>
+                    <a:lumOff val="25000"/>
+                  </a:schemeClr>
+                </a:solidFill>
+                <a:latin typeface="+mn-lt"/>
+                <a:ea typeface="+mn-ea"/>
+                <a:cs typeface="+mn-cs"/>
+              </a:defRPr>
+            </a:lvl5pPr>
+            <a:lvl6pPr marL="1100000" indent="-228600" algn="l" defTabSz="914400" rtl="0" eaLnBrk="1" latinLnBrk="0" hangingPunct="1">
+              <a:lnSpc>
+                <a:spcPct val="90000"/>
+              </a:lnSpc>
+              <a:spcBef>
+                <a:spcPts val="200"/>
+              </a:spcBef>
+              <a:spcAft>
+                <a:spcPts val="400"/>
+              </a:spcAft>
+              <a:buClr>
+                <a:schemeClr val="accent1"/>
+              </a:buClr>
+              <a:buFont typeface="Calibri" pitchFamily="34" charset="0"/>
+              <a:buChar char="◦"/>
+              <a:defRPr sz="1400" kern="1200">
+                <a:solidFill>
+                  <a:schemeClr val="tx1">
+                    <a:lumMod val="75000"/>
+                    <a:lumOff val="25000"/>
+                  </a:schemeClr>
+                </a:solidFill>
+                <a:latin typeface="+mn-lt"/>
+                <a:ea typeface="+mn-ea"/>
+                <a:cs typeface="+mn-cs"/>
+              </a:defRPr>
+            </a:lvl6pPr>
+            <a:lvl7pPr marL="1300000" indent="-228600" algn="l" defTabSz="914400" rtl="0" eaLnBrk="1" latinLnBrk="0" hangingPunct="1">
+              <a:lnSpc>
+                <a:spcPct val="90000"/>
+              </a:lnSpc>
+              <a:spcBef>
+                <a:spcPts val="200"/>
+              </a:spcBef>
+              <a:spcAft>
+                <a:spcPts val="400"/>
+              </a:spcAft>
+              <a:buClr>
+                <a:schemeClr val="accent1"/>
+              </a:buClr>
+              <a:buFont typeface="Calibri" pitchFamily="34" charset="0"/>
+              <a:buChar char="◦"/>
+              <a:defRPr sz="1400" kern="1200">
+                <a:solidFill>
+                  <a:schemeClr val="tx1">
+                    <a:lumMod val="75000"/>
+                    <a:lumOff val="25000"/>
+                  </a:schemeClr>
+                </a:solidFill>
+                <a:latin typeface="+mn-lt"/>
+                <a:ea typeface="+mn-ea"/>
+                <a:cs typeface="+mn-cs"/>
+              </a:defRPr>
+            </a:lvl7pPr>
+            <a:lvl8pPr marL="1500000" indent="-228600" algn="l" defTabSz="914400" rtl="0" eaLnBrk="1" latinLnBrk="0" hangingPunct="1">
+              <a:lnSpc>
+                <a:spcPct val="90000"/>
+              </a:lnSpc>
+              <a:spcBef>
+                <a:spcPts val="200"/>
+              </a:spcBef>
+              <a:spcAft>
+                <a:spcPts val="400"/>
+              </a:spcAft>
+              <a:buClr>
+                <a:schemeClr val="accent1"/>
+              </a:buClr>
+              <a:buFont typeface="Calibri" pitchFamily="34" charset="0"/>
+              <a:buChar char="◦"/>
+              <a:defRPr sz="1400" kern="1200">
+                <a:solidFill>
+                  <a:schemeClr val="tx1">
+                    <a:lumMod val="75000"/>
+                    <a:lumOff val="25000"/>
+                  </a:schemeClr>
+                </a:solidFill>
+                <a:latin typeface="+mn-lt"/>
+                <a:ea typeface="+mn-ea"/>
+                <a:cs typeface="+mn-cs"/>
+              </a:defRPr>
+            </a:lvl8pPr>
+            <a:lvl9pPr marL="1700000" indent="-228600" algn="l" defTabSz="914400" rtl="0" eaLnBrk="1" latinLnBrk="0" hangingPunct="1">
+              <a:lnSpc>
+                <a:spcPct val="90000"/>
+              </a:lnSpc>
+              <a:spcBef>
+                <a:spcPts val="200"/>
+              </a:spcBef>
+              <a:spcAft>
+                <a:spcPts val="400"/>
+              </a:spcAft>
+              <a:buClr>
+                <a:schemeClr val="accent1"/>
+              </a:buClr>
+              <a:buFont typeface="Calibri" pitchFamily="34" charset="0"/>
+              <a:buChar char="◦"/>
+              <a:defRPr sz="1400" kern="1200">
+                <a:solidFill>
+                  <a:schemeClr val="tx1">
+                    <a:lumMod val="75000"/>
+                    <a:lumOff val="25000"/>
+                  </a:schemeClr>
+                </a:solidFill>
+                <a:latin typeface="+mn-lt"/>
+                <a:ea typeface="+mn-ea"/>
+                <a:cs typeface="+mn-cs"/>
+              </a:defRPr>
+            </a:lvl9pPr>
+          </a:lstStyle>
+          <a:p>
+            <a:pPr>
+              <a:lnSpc>
+                <a:spcPct val="200000"/>
+              </a:lnSpc>
+            </a:pPr>
+            <a:r>
+              <a:rPr lang="en-IN" dirty="0"/>
+              <a:t>Can we make a COVID-19 detection method which:</a:t>
+            </a:r>
+          </a:p>
+          <a:p>
+            <a:pPr marL="749808" lvl="1" indent="-457200">
+              <a:lnSpc>
+                <a:spcPct val="200000"/>
+              </a:lnSpc>
+              <a:buFont typeface="+mj-lt"/>
+              <a:buAutoNum type="arabicPeriod"/>
+            </a:pPr>
+            <a:r>
+              <a:rPr lang="en-IN" dirty="0"/>
+              <a:t>Can give accurate test results in relatively less time?</a:t>
+            </a:r>
+          </a:p>
+          <a:p>
+            <a:pPr marL="749808" lvl="1" indent="-457200">
+              <a:lnSpc>
+                <a:spcPct val="200000"/>
+              </a:lnSpc>
+              <a:buFont typeface="+mj-lt"/>
+              <a:buAutoNum type="arabicPeriod"/>
+            </a:pPr>
+            <a:r>
+              <a:rPr lang="en-IN" dirty="0"/>
+              <a:t>Can be performed more frequently (hourly/daily)?</a:t>
+            </a:r>
+          </a:p>
+          <a:p>
+            <a:pPr marL="749808" lvl="1" indent="-457200">
+              <a:lnSpc>
+                <a:spcPct val="200000"/>
+              </a:lnSpc>
+              <a:buFont typeface="+mj-lt"/>
+              <a:buAutoNum type="arabicPeriod"/>
+            </a:pPr>
+            <a:r>
+              <a:rPr lang="en-IN" dirty="0"/>
+              <a:t>Can detect </a:t>
+            </a:r>
+            <a:r>
+              <a:rPr lang="en-IN" dirty="0" err="1"/>
+              <a:t>Newdasdsfsafefjwpidms;k</a:t>
+            </a:r>
+            <a:r>
+              <a:rPr lang="en-IN" dirty="0"/>
+              <a:t>,. Strains?</a:t>
+            </a:r>
+          </a:p>
+          <a:p>
+            <a:pPr marL="749808" lvl="1" indent="-457200">
+              <a:lnSpc>
+                <a:spcPct val="200000"/>
+              </a:lnSpc>
+              <a:buFont typeface="+mj-lt"/>
+              <a:buAutoNum type="arabicPeriod"/>
+            </a:pPr>
+            <a:r>
+              <a:rPr lang="en-IN" dirty="0"/>
+              <a:t>Can be performed without Medical Assistance?</a:t>
+            </a:r>
+          </a:p>
+          <a:p>
+            <a:pPr marL="749808" lvl="1" indent="-457200">
+              <a:lnSpc>
+                <a:spcPct val="200000"/>
+              </a:lnSpc>
+              <a:buFont typeface="+mj-lt"/>
+              <a:buAutoNum type="arabicPeriod"/>
+            </a:pPr>
+            <a:r>
+              <a:rPr lang="en-IN" dirty="0"/>
+              <a:t>Can be cheaper than RTPCR?</a:t>
+            </a:r>
+          </a:p>
+          <a:p>
+            <a:pPr marL="749808" lvl="1" indent="-457200">
+              <a:buFont typeface="+mj-lt"/>
+              <a:buAutoNum type="arabicPeriod"/>
+            </a:pPr>
+            <a:endParaRPr lang="en-IN" dirty="0"/>
+          </a:p>
+          <a:p>
+            <a:pPr marL="749808" lvl="1" indent="-457200">
+              <a:buFont typeface="+mj-lt"/>
+              <a:buAutoNum type="arabicPeriod"/>
+            </a:pPr>
+            <a:endParaRPr lang="en-IN" dirty="0"/>
+          </a:p>
+        </p:txBody>
+      </p:sp>
+    </p:spTree>
+    <p:extLst>
+      <p:ext uri="{BB962C8B-B14F-4D97-AF65-F5344CB8AC3E}">
+        <p14:creationId xmlns:p14="http://schemas.microsoft.com/office/powerpoint/2010/main" val="1309645030"/>
+      </p:ext>
+    </p:extLst>
+  </p:cSld>
+  <p:clrMapOvr>
+    <a:masterClrMapping/>
+  </p:clrMapOvr>
+</p:sld>
+</file>
+
+<file path=ppt/slides/slide8.xml><?xml version="1.0" encoding="utf-8"?>
+<p:sld xmlns:a="http://schemas.openxmlformats.org/drawingml/2006/main" xmlns:r="http://schemas.openxmlformats.org/officeDocument/2006/relationships" xmlns:p="http://schemas.openxmlformats.org/presentationml/2006/main">
+  <p:cSld>
+    <p:spTree>
+      <p:nvGrpSpPr>
+        <p:cNvPr id="1" name=""/>
+        <p:cNvGrpSpPr/>
+        <p:nvPr/>
+      </p:nvGrpSpPr>
+      <p:grpSpPr>
+        <a:xfrm>
+          <a:off x="0" y="0"/>
+          <a:ext cx="0" cy="0"/>
+          <a:chOff x="0" y="0"/>
+          <a:chExt cx="0" cy="0"/>
+        </a:xfrm>
+      </p:grpSpPr>
+      <p:sp>
+        <p:nvSpPr>
+          <p:cNvPr id="2" name="Title 1">
+            <a:extLst>
+              <a:ext uri="{FF2B5EF4-FFF2-40B4-BE49-F238E27FC236}">
+                <a16:creationId xmlns:a16="http://schemas.microsoft.com/office/drawing/2014/main" id="{BBB916A2-300E-4ED8-ADB2-26E47A10E3C9}"/>
+              </a:ext>
+            </a:extLst>
+          </p:cNvPr>
+          <p:cNvSpPr>
+            <a:spLocks noGrp="1"/>
+          </p:cNvSpPr>
+          <p:nvPr>
+            <p:ph type="title"/>
+          </p:nvPr>
+        </p:nvSpPr>
+        <p:spPr/>
+        <p:txBody>
+          <a:bodyPr/>
+          <a:lstStyle/>
+          <a:p>
+            <a:r>
+              <a:rPr lang="en-IN" dirty="0"/>
+              <a:t>Novelty</a:t>
+            </a:r>
+          </a:p>
+        </p:txBody>
+      </p:sp>
+      <p:sp>
+        <p:nvSpPr>
+          <p:cNvPr id="3" name="Content Placeholder 2">
+            <a:extLst>
+              <a:ext uri="{FF2B5EF4-FFF2-40B4-BE49-F238E27FC236}">
+                <a16:creationId xmlns:a16="http://schemas.microsoft.com/office/drawing/2014/main" id="{D89E9168-8057-439D-B39B-B4E65E3066AD}"/>
+              </a:ext>
+            </a:extLst>
+          </p:cNvPr>
+          <p:cNvSpPr>
+            <a:spLocks noGrp="1"/>
+          </p:cNvSpPr>
+          <p:nvPr>
+            <p:ph idx="1"/>
+          </p:nvPr>
+        </p:nvSpPr>
+        <p:spPr/>
+        <p:txBody>
+          <a:bodyPr/>
+          <a:lstStyle/>
+          <a:p>
+            <a:pPr>
+              <a:lnSpc>
+                <a:spcPct val="300000"/>
+              </a:lnSpc>
+              <a:buFont typeface="Arial" panose="020B0604020202020204" pitchFamily="34" charset="0"/>
+              <a:buChar char="•"/>
+            </a:pPr>
+            <a:r>
+              <a:rPr lang="en-IN" dirty="0"/>
+              <a:t> Usage of Interpretable Models and Libraries to understand the output of Individual Models</a:t>
+            </a:r>
+          </a:p>
+          <a:p>
+            <a:pPr>
+              <a:lnSpc>
+                <a:spcPct val="300000"/>
+              </a:lnSpc>
+              <a:buFont typeface="Arial" panose="020B0604020202020204" pitchFamily="34" charset="0"/>
+              <a:buChar char="•"/>
+            </a:pPr>
+            <a:r>
+              <a:rPr lang="en-IN" dirty="0"/>
+              <a:t> Using Ensemble learning to combine the output of these Models</a:t>
+            </a:r>
+          </a:p>
+          <a:p>
+            <a:pPr>
+              <a:lnSpc>
+                <a:spcPct val="300000"/>
+              </a:lnSpc>
+              <a:buFont typeface="Arial" panose="020B0604020202020204" pitchFamily="34" charset="0"/>
+              <a:buChar char="•"/>
+            </a:pPr>
+            <a:r>
+              <a:rPr lang="en-IN" dirty="0"/>
+              <a:t> </a:t>
+            </a:r>
+          </a:p>
+        </p:txBody>
+      </p:sp>
+    </p:spTree>
+    <p:extLst>
+      <p:ext uri="{BB962C8B-B14F-4D97-AF65-F5344CB8AC3E}">
+        <p14:creationId xmlns:p14="http://schemas.microsoft.com/office/powerpoint/2010/main" val="2640666124"/>
+      </p:ext>
+    </p:extLst>
+  </p:cSld>
+  <p:clrMapOvr>
+    <a:masterClrMapping/>
+  </p:clrMapOvr>
+</p:sld>
+</file>
+
+<file path=ppt/slides/slide9.xml><?xml version="1.0" encoding="utf-8"?>
+<p:sld xmlns:a="http://schemas.openxmlformats.org/drawingml/2006/main" xmlns:r="http://schemas.openxmlformats.org/officeDocument/2006/relationships" xmlns:p="http://schemas.openxmlformats.org/presentationml/2006/main">
+  <p:cSld>
+    <p:spTree>
+      <p:nvGrpSpPr>
+        <p:cNvPr id="1" name=""/>
+        <p:cNvGrpSpPr/>
+        <p:nvPr/>
+      </p:nvGrpSpPr>
+      <p:grpSpPr>
+        <a:xfrm>
+          <a:off x="0" y="0"/>
+          <a:ext cx="0" cy="0"/>
+          <a:chOff x="0" y="0"/>
+          <a:chExt cx="0" cy="0"/>
+        </a:xfrm>
+      </p:grpSpPr>
+      <p:sp>
+        <p:nvSpPr>
+          <p:cNvPr id="2" name="Content Placeholder 1">
+            <a:extLst>
+              <a:ext uri="{FF2B5EF4-FFF2-40B4-BE49-F238E27FC236}">
+                <a16:creationId xmlns:a16="http://schemas.microsoft.com/office/drawing/2014/main" id="{EF2E2D71-581E-4469-A5AC-FBCEC2A53235}"/>
+              </a:ext>
+            </a:extLst>
+          </p:cNvPr>
+          <p:cNvSpPr>
+            <a:spLocks noGrp="1"/>
+          </p:cNvSpPr>
+          <p:nvPr>
+            <p:ph idx="1"/>
+          </p:nvPr>
+        </p:nvSpPr>
+        <p:spPr/>
+        <p:txBody>
+          <a:bodyPr/>
+          <a:lstStyle/>
+          <a:p>
+            <a:endParaRPr lang="en-IN" dirty="0"/>
+          </a:p>
+        </p:txBody>
+      </p:sp>
+      <p:sp>
+        <p:nvSpPr>
+          <p:cNvPr id="3" name="Title 2">
+            <a:extLst>
+              <a:ext uri="{FF2B5EF4-FFF2-40B4-BE49-F238E27FC236}">
+                <a16:creationId xmlns:a16="http://schemas.microsoft.com/office/drawing/2014/main" id="{8DC2DEE3-812F-4A57-B9C5-3311624A7D18}"/>
+              </a:ext>
+            </a:extLst>
+          </p:cNvPr>
+          <p:cNvSpPr>
+            <a:spLocks noGrp="1"/>
+          </p:cNvSpPr>
+          <p:nvPr>
+            <p:ph type="title"/>
+          </p:nvPr>
+        </p:nvSpPr>
+        <p:spPr/>
+        <p:txBody>
+          <a:bodyPr/>
+          <a:lstStyle/>
+          <a:p>
+            <a:r>
+              <a:rPr lang="en-IN" dirty="0"/>
+              <a:t>Methodology</a:t>
+            </a:r>
+          </a:p>
+        </p:txBody>
+      </p:sp>
+      <p:sp>
+        <p:nvSpPr>
+          <p:cNvPr id="4" name="Slide Number Placeholder 7">
+            <a:extLst>
+              <a:ext uri="{FF2B5EF4-FFF2-40B4-BE49-F238E27FC236}">
+                <a16:creationId xmlns:a16="http://schemas.microsoft.com/office/drawing/2014/main" id="{231C7536-1BFF-416E-ADAA-7A2ADB3F1A35}"/>
+              </a:ext>
+            </a:extLst>
+          </p:cNvPr>
+          <p:cNvSpPr>
+            <a:spLocks noGrp="1"/>
+          </p:cNvSpPr>
+          <p:nvPr>
+            <p:ph type="sldNum" sz="quarter" idx="12"/>
+          </p:nvPr>
+        </p:nvSpPr>
+        <p:spPr>
+          <a:xfrm>
+            <a:off x="9900458" y="6459785"/>
+            <a:ext cx="1312025" cy="365125"/>
+          </a:xfrm>
+        </p:spPr>
+        <p:txBody>
+          <a:bodyPr/>
+          <a:lstStyle/>
+          <a:p>
+            <a:fld id="{CCAA1144-E559-445C-AEC7-865AEBFCCAD8}" type="slidenum">
+              <a:rPr lang="en-IN" smtClean="0"/>
+              <a:t>9</a:t>
+            </a:fld>
+            <a:endParaRPr lang="en-IN" dirty="0"/>
+          </a:p>
+        </p:txBody>
+      </p:sp>
+    </p:spTree>
+    <p:extLst>
+      <p:ext uri="{BB962C8B-B14F-4D97-AF65-F5344CB8AC3E}">
+        <p14:creationId xmlns:p14="http://schemas.microsoft.com/office/powerpoint/2010/main" val="3948148537"/>
       </p:ext>
     </p:extLst>
   </p:cSld>
